--- a/Review_Template.pptx
+++ b/Review_Template.pptx
@@ -5,17 +5,19 @@
     <p:sldMasterId id="2147483659" r:id="rId1"/>
   </p:sldMasterIdLst>
   <p:notesMasterIdLst>
-    <p:notesMasterId r:id="rId10"/>
+    <p:notesMasterId r:id="rId12"/>
   </p:notesMasterIdLst>
   <p:sldIdLst>
     <p:sldId id="256" r:id="rId2"/>
     <p:sldId id="257" r:id="rId3"/>
     <p:sldId id="258" r:id="rId4"/>
     <p:sldId id="259" r:id="rId5"/>
-    <p:sldId id="260" r:id="rId6"/>
-    <p:sldId id="261" r:id="rId7"/>
-    <p:sldId id="262" r:id="rId8"/>
-    <p:sldId id="263" r:id="rId9"/>
+    <p:sldId id="266" r:id="rId6"/>
+    <p:sldId id="260" r:id="rId7"/>
+    <p:sldId id="261" r:id="rId8"/>
+    <p:sldId id="264" r:id="rId9"/>
+    <p:sldId id="262" r:id="rId10"/>
+    <p:sldId id="263" r:id="rId11"/>
   </p:sldIdLst>
   <p:sldSz cx="9144000" cy="6858000" type="screen4x3"/>
   <p:notesSz cx="6858000" cy="9144000"/>
@@ -15271,7 +15273,7 @@
         <p:spPr>
           <a:xfrm>
             <a:off x="-22224" y="1295399"/>
-            <a:ext cx="9121776" cy="1470000"/>
+            <a:ext cx="9121776" cy="1802364"/>
           </a:xfrm>
           <a:prstGeom prst="rect">
             <a:avLst/>
@@ -15283,7 +15285,7 @@
         </p:spPr>
         <p:txBody>
           <a:bodyPr spcFirstLastPara="1" wrap="square" lIns="91425" tIns="45700" rIns="91425" bIns="45700" anchor="ctr" anchorCtr="0">
-            <a:normAutofit/>
+            <a:normAutofit fontScale="90000"/>
           </a:bodyPr>
           <a:lstStyle/>
           <a:p>
@@ -15314,7 +15316,7 @@
                 <a:cs typeface="Cambria"/>
                 <a:sym typeface="Cambria"/>
               </a:rPr>
-              <a:t>Real Time Fish Detection </a:t>
+              <a:t>Fish-detection in marine environment using deep-learning approach</a:t>
             </a:r>
             <a:endParaRPr dirty="0"/>
           </a:p>
@@ -15849,6 +15851,974 @@
   <p:clrMapOvr>
     <a:masterClrMapping/>
   </p:clrMapOvr>
+  <p:timing>
+    <p:tnLst>
+      <p:par>
+        <p:cTn id="1" dur="indefinite" restart="never" nodeType="tmRoot"/>
+      </p:par>
+    </p:tnLst>
+  </p:timing>
+</p:sld>
+</file>
+
+<file path=ppt/slides/slide10.xml><?xml version="1.0" encoding="utf-8"?>
+<p:sld xmlns:a="http://schemas.openxmlformats.org/drawingml/2006/main" xmlns:r="http://schemas.openxmlformats.org/officeDocument/2006/relationships" xmlns:p="http://schemas.openxmlformats.org/presentationml/2006/main">
+  <p:cSld>
+    <p:spTree>
+      <p:nvGrpSpPr>
+        <p:cNvPr id="1" name="Shape 156"/>
+        <p:cNvGrpSpPr/>
+        <p:nvPr/>
+      </p:nvGrpSpPr>
+      <p:grpSpPr>
+        <a:xfrm>
+          <a:off x="0" y="0"/>
+          <a:ext cx="0" cy="0"/>
+          <a:chOff x="0" y="0"/>
+          <a:chExt cx="0" cy="0"/>
+        </a:xfrm>
+      </p:grpSpPr>
+      <p:sp>
+        <p:nvSpPr>
+          <p:cNvPr id="157" name="Google Shape;157;p20"/>
+          <p:cNvSpPr txBox="1">
+            <a:spLocks noGrp="1"/>
+          </p:cNvSpPr>
+          <p:nvPr>
+            <p:ph type="title"/>
+          </p:nvPr>
+        </p:nvSpPr>
+        <p:spPr>
+          <a:xfrm>
+            <a:off x="457200" y="274637"/>
+            <a:ext cx="8229600" cy="1143000"/>
+          </a:xfrm>
+          <a:prstGeom prst="rect">
+            <a:avLst/>
+          </a:prstGeom>
+          <a:noFill/>
+          <a:ln>
+            <a:noFill/>
+          </a:ln>
+        </p:spPr>
+        <p:txBody>
+          <a:bodyPr spcFirstLastPara="1" wrap="square" lIns="91425" tIns="45700" rIns="91425" bIns="45700" anchor="ctr" anchorCtr="0">
+            <a:noAutofit/>
+          </a:bodyPr>
+          <a:lstStyle/>
+          <a:p>
+            <a:pPr marL="0" lvl="0" indent="0" algn="ctr" rtl="0">
+              <a:spcBef>
+                <a:spcPts val="0"/>
+              </a:spcBef>
+              <a:spcAft>
+                <a:spcPts val="0"/>
+              </a:spcAft>
+              <a:buNone/>
+            </a:pPr>
+            <a:r>
+              <a:rPr lang="en-IN" sz="4400" dirty="0" smtClean="0">
+                <a:solidFill>
+                  <a:schemeClr val="dk1"/>
+                </a:solidFill>
+                <a:latin typeface="Calibri"/>
+                <a:ea typeface="Calibri"/>
+                <a:cs typeface="Calibri"/>
+                <a:sym typeface="Calibri"/>
+              </a:rPr>
+              <a:t>Block Diagram</a:t>
+            </a:r>
+            <a:endParaRPr sz="4400" dirty="0">
+              <a:solidFill>
+                <a:schemeClr val="dk1"/>
+              </a:solidFill>
+              <a:latin typeface="Calibri"/>
+              <a:ea typeface="Calibri"/>
+              <a:cs typeface="Calibri"/>
+              <a:sym typeface="Calibri"/>
+            </a:endParaRPr>
+          </a:p>
+        </p:txBody>
+      </p:sp>
+      <p:sp>
+        <p:nvSpPr>
+          <p:cNvPr id="159" name="Google Shape;159;p20"/>
+          <p:cNvSpPr txBox="1"/>
+          <p:nvPr/>
+        </p:nvSpPr>
+        <p:spPr>
+          <a:xfrm>
+            <a:off x="457200" y="6356350"/>
+            <a:ext cx="2133600" cy="365100"/>
+          </a:xfrm>
+          <a:prstGeom prst="rect">
+            <a:avLst/>
+          </a:prstGeom>
+          <a:noFill/>
+          <a:ln>
+            <a:noFill/>
+          </a:ln>
+        </p:spPr>
+        <p:txBody>
+          <a:bodyPr spcFirstLastPara="1" wrap="square" lIns="91425" tIns="45700" rIns="91425" bIns="45700" anchor="ctr" anchorCtr="0">
+            <a:noAutofit/>
+          </a:bodyPr>
+          <a:lstStyle/>
+          <a:p>
+            <a:pPr marL="0" marR="0" lvl="0" indent="0" algn="l" rtl="0">
+              <a:lnSpc>
+                <a:spcPct val="100000"/>
+              </a:lnSpc>
+              <a:spcBef>
+                <a:spcPts val="0"/>
+              </a:spcBef>
+              <a:spcAft>
+                <a:spcPts val="0"/>
+              </a:spcAft>
+              <a:buClr>
+                <a:srgbClr val="898989"/>
+              </a:buClr>
+              <a:buSzPts val="1200"/>
+              <a:buFont typeface="Calibri"/>
+              <a:buNone/>
+            </a:pPr>
+            <a:r>
+              <a:rPr lang="en-US" sz="1200" b="0" i="0" u="none">
+                <a:solidFill>
+                  <a:srgbClr val="898989"/>
+                </a:solidFill>
+                <a:latin typeface="Calibri"/>
+                <a:ea typeface="Calibri"/>
+                <a:cs typeface="Calibri"/>
+                <a:sym typeface="Calibri"/>
+              </a:rPr>
+              <a:t>*</a:t>
+            </a:r>
+            <a:endParaRPr/>
+          </a:p>
+        </p:txBody>
+      </p:sp>
+      <p:sp>
+        <p:nvSpPr>
+          <p:cNvPr id="160" name="Google Shape;160;p20"/>
+          <p:cNvSpPr txBox="1"/>
+          <p:nvPr/>
+        </p:nvSpPr>
+        <p:spPr>
+          <a:xfrm>
+            <a:off x="3124200" y="6356350"/>
+            <a:ext cx="2895600" cy="365100"/>
+          </a:xfrm>
+          <a:prstGeom prst="rect">
+            <a:avLst/>
+          </a:prstGeom>
+          <a:noFill/>
+          <a:ln>
+            <a:noFill/>
+          </a:ln>
+        </p:spPr>
+        <p:txBody>
+          <a:bodyPr spcFirstLastPara="1" wrap="square" lIns="91425" tIns="45700" rIns="91425" bIns="45700" anchor="ctr" anchorCtr="0">
+            <a:noAutofit/>
+          </a:bodyPr>
+          <a:lstStyle/>
+          <a:p>
+            <a:pPr marL="0" marR="0" lvl="0" indent="0" algn="ctr" rtl="0">
+              <a:lnSpc>
+                <a:spcPct val="100000"/>
+              </a:lnSpc>
+              <a:spcBef>
+                <a:spcPts val="0"/>
+              </a:spcBef>
+              <a:spcAft>
+                <a:spcPts val="0"/>
+              </a:spcAft>
+              <a:buClr>
+                <a:srgbClr val="898989"/>
+              </a:buClr>
+              <a:buSzPts val="1200"/>
+              <a:buFont typeface="Calibri"/>
+              <a:buNone/>
+            </a:pPr>
+            <a:r>
+              <a:rPr lang="en-US" sz="1200" b="0" i="0" u="none">
+                <a:solidFill>
+                  <a:srgbClr val="898989"/>
+                </a:solidFill>
+                <a:latin typeface="Calibri"/>
+                <a:ea typeface="Calibri"/>
+                <a:cs typeface="Calibri"/>
+                <a:sym typeface="Calibri"/>
+              </a:rPr>
+              <a:t>Department of  Computer Science and Business Systems</a:t>
+            </a:r>
+            <a:endParaRPr/>
+          </a:p>
+        </p:txBody>
+      </p:sp>
+      <p:sp>
+        <p:nvSpPr>
+          <p:cNvPr id="161" name="Google Shape;161;p20"/>
+          <p:cNvSpPr txBox="1"/>
+          <p:nvPr/>
+        </p:nvSpPr>
+        <p:spPr>
+          <a:xfrm>
+            <a:off x="6553200" y="6356350"/>
+            <a:ext cx="2133600" cy="365100"/>
+          </a:xfrm>
+          <a:prstGeom prst="rect">
+            <a:avLst/>
+          </a:prstGeom>
+          <a:noFill/>
+          <a:ln>
+            <a:noFill/>
+          </a:ln>
+        </p:spPr>
+        <p:txBody>
+          <a:bodyPr spcFirstLastPara="1" wrap="square" lIns="91425" tIns="45700" rIns="91425" bIns="45700" anchor="ctr" anchorCtr="0">
+            <a:noAutofit/>
+          </a:bodyPr>
+          <a:lstStyle/>
+          <a:p>
+            <a:pPr marL="0" marR="0" lvl="0" indent="0" algn="r" rtl="0">
+              <a:lnSpc>
+                <a:spcPct val="100000"/>
+              </a:lnSpc>
+              <a:spcBef>
+                <a:spcPts val="0"/>
+              </a:spcBef>
+              <a:spcAft>
+                <a:spcPts val="0"/>
+              </a:spcAft>
+              <a:buClr>
+                <a:srgbClr val="898989"/>
+              </a:buClr>
+              <a:buSzPts val="1200"/>
+              <a:buFont typeface="Calibri"/>
+              <a:buNone/>
+            </a:pPr>
+            <a:fld id="{00000000-1234-1234-1234-123412341234}" type="slidenum">
+              <a:rPr lang="en-US" sz="1200" b="0" i="0" u="none">
+                <a:solidFill>
+                  <a:srgbClr val="898989"/>
+                </a:solidFill>
+                <a:latin typeface="Calibri"/>
+                <a:ea typeface="Calibri"/>
+                <a:cs typeface="Calibri"/>
+                <a:sym typeface="Calibri"/>
+              </a:rPr>
+              <a:t>10</a:t>
+            </a:fld>
+            <a:endParaRPr/>
+          </a:p>
+        </p:txBody>
+      </p:sp>
+      <p:sp>
+        <p:nvSpPr>
+          <p:cNvPr id="2" name="Rectangle 1"/>
+          <p:cNvSpPr/>
+          <p:nvPr/>
+        </p:nvSpPr>
+        <p:spPr>
+          <a:xfrm>
+            <a:off x="363894" y="3900197"/>
+            <a:ext cx="1464907" cy="1101012"/>
+          </a:xfrm>
+          <a:prstGeom prst="rect">
+            <a:avLst/>
+          </a:prstGeom>
+        </p:spPr>
+        <p:style>
+          <a:lnRef idx="2">
+            <a:schemeClr val="dk1"/>
+          </a:lnRef>
+          <a:fillRef idx="1">
+            <a:schemeClr val="lt1"/>
+          </a:fillRef>
+          <a:effectRef idx="0">
+            <a:schemeClr val="dk1"/>
+          </a:effectRef>
+          <a:fontRef idx="minor">
+            <a:schemeClr val="dk1"/>
+          </a:fontRef>
+        </p:style>
+        <p:txBody>
+          <a:bodyPr rtlCol="0" anchor="ctr"/>
+          <a:lstStyle/>
+          <a:p>
+            <a:pPr algn="ctr"/>
+            <a:r>
+              <a:rPr lang="en-IN" dirty="0" smtClean="0"/>
+              <a:t>Image/Video Input</a:t>
+            </a:r>
+            <a:endParaRPr lang="en-IN" dirty="0"/>
+          </a:p>
+        </p:txBody>
+      </p:sp>
+      <p:sp>
+        <p:nvSpPr>
+          <p:cNvPr id="8" name="Rectangle 7"/>
+          <p:cNvSpPr/>
+          <p:nvPr/>
+        </p:nvSpPr>
+        <p:spPr>
+          <a:xfrm>
+            <a:off x="2391746" y="3900197"/>
+            <a:ext cx="1464907" cy="1101012"/>
+          </a:xfrm>
+          <a:prstGeom prst="rect">
+            <a:avLst/>
+          </a:prstGeom>
+        </p:spPr>
+        <p:style>
+          <a:lnRef idx="2">
+            <a:schemeClr val="dk1"/>
+          </a:lnRef>
+          <a:fillRef idx="1">
+            <a:schemeClr val="lt1"/>
+          </a:fillRef>
+          <a:effectRef idx="0">
+            <a:schemeClr val="dk1"/>
+          </a:effectRef>
+          <a:fontRef idx="minor">
+            <a:schemeClr val="dk1"/>
+          </a:fontRef>
+        </p:style>
+        <p:txBody>
+          <a:bodyPr rtlCol="0" anchor="ctr"/>
+          <a:lstStyle/>
+          <a:p>
+            <a:pPr algn="ctr"/>
+            <a:r>
+              <a:rPr lang="en-IN" dirty="0" smtClean="0"/>
+              <a:t>Data </a:t>
+            </a:r>
+            <a:r>
+              <a:rPr lang="en-IN" dirty="0" err="1" smtClean="0"/>
+              <a:t>Preprocessing</a:t>
+            </a:r>
+            <a:endParaRPr lang="en-IN" dirty="0"/>
+          </a:p>
+        </p:txBody>
+      </p:sp>
+      <p:sp>
+        <p:nvSpPr>
+          <p:cNvPr id="9" name="Rectangle 8"/>
+          <p:cNvSpPr/>
+          <p:nvPr/>
+        </p:nvSpPr>
+        <p:spPr>
+          <a:xfrm>
+            <a:off x="4302966" y="3900197"/>
+            <a:ext cx="1464907" cy="1101012"/>
+          </a:xfrm>
+          <a:prstGeom prst="rect">
+            <a:avLst/>
+          </a:prstGeom>
+        </p:spPr>
+        <p:style>
+          <a:lnRef idx="2">
+            <a:schemeClr val="dk1"/>
+          </a:lnRef>
+          <a:fillRef idx="1">
+            <a:schemeClr val="lt1"/>
+          </a:fillRef>
+          <a:effectRef idx="0">
+            <a:schemeClr val="dk1"/>
+          </a:effectRef>
+          <a:fontRef idx="minor">
+            <a:schemeClr val="dk1"/>
+          </a:fontRef>
+        </p:style>
+        <p:txBody>
+          <a:bodyPr rtlCol="0" anchor="ctr"/>
+          <a:lstStyle/>
+          <a:p>
+            <a:pPr algn="ctr"/>
+            <a:r>
+              <a:rPr lang="en-IN" dirty="0" smtClean="0"/>
+              <a:t>Object Detection</a:t>
+            </a:r>
+          </a:p>
+          <a:p>
+            <a:pPr algn="ctr"/>
+            <a:r>
+              <a:rPr lang="en-IN" dirty="0" smtClean="0"/>
+              <a:t>model</a:t>
+            </a:r>
+            <a:endParaRPr lang="en-IN" dirty="0"/>
+          </a:p>
+        </p:txBody>
+      </p:sp>
+      <p:sp>
+        <p:nvSpPr>
+          <p:cNvPr id="10" name="Rectangle 9"/>
+          <p:cNvSpPr/>
+          <p:nvPr/>
+        </p:nvSpPr>
+        <p:spPr>
+          <a:xfrm>
+            <a:off x="4302965" y="2121615"/>
+            <a:ext cx="1464907" cy="1101012"/>
+          </a:xfrm>
+          <a:prstGeom prst="rect">
+            <a:avLst/>
+          </a:prstGeom>
+        </p:spPr>
+        <p:style>
+          <a:lnRef idx="2">
+            <a:schemeClr val="dk1"/>
+          </a:lnRef>
+          <a:fillRef idx="1">
+            <a:schemeClr val="lt1"/>
+          </a:fillRef>
+          <a:effectRef idx="0">
+            <a:schemeClr val="dk1"/>
+          </a:effectRef>
+          <a:fontRef idx="minor">
+            <a:schemeClr val="dk1"/>
+          </a:fontRef>
+        </p:style>
+        <p:txBody>
+          <a:bodyPr rtlCol="0" anchor="ctr"/>
+          <a:lstStyle/>
+          <a:p>
+            <a:pPr algn="ctr"/>
+            <a:r>
+              <a:rPr lang="en-IN" dirty="0" smtClean="0"/>
+              <a:t>Video/Image output</a:t>
+            </a:r>
+          </a:p>
+          <a:p>
+            <a:pPr algn="ctr"/>
+            <a:r>
+              <a:rPr lang="en-IN" dirty="0" smtClean="0"/>
+              <a:t>(with bounding boxes)</a:t>
+            </a:r>
+            <a:endParaRPr lang="en-IN" dirty="0"/>
+          </a:p>
+        </p:txBody>
+      </p:sp>
+      <p:cxnSp>
+        <p:nvCxnSpPr>
+          <p:cNvPr id="4" name="Straight Arrow Connector 3"/>
+          <p:cNvCxnSpPr>
+            <a:stCxn id="2" idx="3"/>
+            <a:endCxn id="8" idx="1"/>
+          </p:cNvCxnSpPr>
+          <p:nvPr/>
+        </p:nvCxnSpPr>
+        <p:spPr>
+          <a:xfrm>
+            <a:off x="1828801" y="4450703"/>
+            <a:ext cx="562945" cy="0"/>
+          </a:xfrm>
+          <a:prstGeom prst="straightConnector1">
+            <a:avLst/>
+          </a:prstGeom>
+          <a:ln>
+            <a:tailEnd type="triangle"/>
+          </a:ln>
+        </p:spPr>
+        <p:style>
+          <a:lnRef idx="1">
+            <a:schemeClr val="dk1"/>
+          </a:lnRef>
+          <a:fillRef idx="0">
+            <a:schemeClr val="dk1"/>
+          </a:fillRef>
+          <a:effectRef idx="0">
+            <a:schemeClr val="dk1"/>
+          </a:effectRef>
+          <a:fontRef idx="minor">
+            <a:schemeClr val="tx1"/>
+          </a:fontRef>
+        </p:style>
+      </p:cxnSp>
+      <p:cxnSp>
+        <p:nvCxnSpPr>
+          <p:cNvPr id="6" name="Straight Arrow Connector 5"/>
+          <p:cNvCxnSpPr>
+            <a:stCxn id="8" idx="3"/>
+            <a:endCxn id="9" idx="1"/>
+          </p:cNvCxnSpPr>
+          <p:nvPr/>
+        </p:nvCxnSpPr>
+        <p:spPr>
+          <a:xfrm>
+            <a:off x="3856653" y="4450703"/>
+            <a:ext cx="446313" cy="0"/>
+          </a:xfrm>
+          <a:prstGeom prst="straightConnector1">
+            <a:avLst/>
+          </a:prstGeom>
+          <a:ln>
+            <a:tailEnd type="triangle"/>
+          </a:ln>
+        </p:spPr>
+        <p:style>
+          <a:lnRef idx="1">
+            <a:schemeClr val="dk1"/>
+          </a:lnRef>
+          <a:fillRef idx="0">
+            <a:schemeClr val="dk1"/>
+          </a:fillRef>
+          <a:effectRef idx="0">
+            <a:schemeClr val="dk1"/>
+          </a:effectRef>
+          <a:fontRef idx="minor">
+            <a:schemeClr val="tx1"/>
+          </a:fontRef>
+        </p:style>
+      </p:cxnSp>
+      <p:cxnSp>
+        <p:nvCxnSpPr>
+          <p:cNvPr id="11" name="Straight Arrow Connector 10"/>
+          <p:cNvCxnSpPr>
+            <a:stCxn id="9" idx="0"/>
+            <a:endCxn id="10" idx="2"/>
+          </p:cNvCxnSpPr>
+          <p:nvPr/>
+        </p:nvCxnSpPr>
+        <p:spPr>
+          <a:xfrm flipH="1" flipV="1">
+            <a:off x="5035419" y="3222627"/>
+            <a:ext cx="1" cy="677570"/>
+          </a:xfrm>
+          <a:prstGeom prst="straightConnector1">
+            <a:avLst/>
+          </a:prstGeom>
+          <a:ln>
+            <a:tailEnd type="triangle"/>
+          </a:ln>
+        </p:spPr>
+        <p:style>
+          <a:lnRef idx="1">
+            <a:schemeClr val="dk1"/>
+          </a:lnRef>
+          <a:fillRef idx="0">
+            <a:schemeClr val="dk1"/>
+          </a:fillRef>
+          <a:effectRef idx="0">
+            <a:schemeClr val="dk1"/>
+          </a:effectRef>
+          <a:fontRef idx="minor">
+            <a:schemeClr val="tx1"/>
+          </a:fontRef>
+        </p:style>
+      </p:cxnSp>
+      <p:cxnSp>
+        <p:nvCxnSpPr>
+          <p:cNvPr id="13" name="Straight Arrow Connector 12"/>
+          <p:cNvCxnSpPr>
+            <a:stCxn id="9" idx="3"/>
+            <a:endCxn id="19" idx="1"/>
+          </p:cNvCxnSpPr>
+          <p:nvPr/>
+        </p:nvCxnSpPr>
+        <p:spPr>
+          <a:xfrm>
+            <a:off x="5767873" y="4450703"/>
+            <a:ext cx="912845" cy="0"/>
+          </a:xfrm>
+          <a:prstGeom prst="straightConnector1">
+            <a:avLst/>
+          </a:prstGeom>
+          <a:ln>
+            <a:tailEnd type="triangle"/>
+          </a:ln>
+        </p:spPr>
+        <p:style>
+          <a:lnRef idx="1">
+            <a:schemeClr val="dk1"/>
+          </a:lnRef>
+          <a:fillRef idx="0">
+            <a:schemeClr val="dk1"/>
+          </a:fillRef>
+          <a:effectRef idx="0">
+            <a:schemeClr val="dk1"/>
+          </a:effectRef>
+          <a:fontRef idx="minor">
+            <a:schemeClr val="tx1"/>
+          </a:fontRef>
+        </p:style>
+      </p:cxnSp>
+      <p:sp>
+        <p:nvSpPr>
+          <p:cNvPr id="19" name="Rectangle 18"/>
+          <p:cNvSpPr/>
+          <p:nvPr/>
+        </p:nvSpPr>
+        <p:spPr>
+          <a:xfrm>
+            <a:off x="6680718" y="3900197"/>
+            <a:ext cx="1464907" cy="1101012"/>
+          </a:xfrm>
+          <a:prstGeom prst="rect">
+            <a:avLst/>
+          </a:prstGeom>
+        </p:spPr>
+        <p:style>
+          <a:lnRef idx="2">
+            <a:schemeClr val="dk1"/>
+          </a:lnRef>
+          <a:fillRef idx="1">
+            <a:schemeClr val="lt1"/>
+          </a:fillRef>
+          <a:effectRef idx="0">
+            <a:schemeClr val="dk1"/>
+          </a:effectRef>
+          <a:fontRef idx="minor">
+            <a:schemeClr val="dk1"/>
+          </a:fontRef>
+        </p:style>
+        <p:txBody>
+          <a:bodyPr rtlCol="0" anchor="ctr"/>
+          <a:lstStyle/>
+          <a:p>
+            <a:pPr algn="ctr"/>
+            <a:r>
+              <a:rPr lang="en-IN" dirty="0" smtClean="0"/>
+              <a:t>Other statistical </a:t>
+            </a:r>
+          </a:p>
+          <a:p>
+            <a:pPr algn="ctr"/>
+            <a:r>
+              <a:rPr lang="en-IN" dirty="0" smtClean="0"/>
+              <a:t>inferences</a:t>
+            </a:r>
+            <a:endParaRPr lang="en-IN" dirty="0"/>
+          </a:p>
+        </p:txBody>
+      </p:sp>
+      <p:sp>
+        <p:nvSpPr>
+          <p:cNvPr id="14" name="TextBox 13"/>
+          <p:cNvSpPr txBox="1"/>
+          <p:nvPr/>
+        </p:nvSpPr>
+        <p:spPr>
+          <a:xfrm flipH="1">
+            <a:off x="531845" y="2685764"/>
+            <a:ext cx="1129004" cy="523220"/>
+          </a:xfrm>
+          <a:prstGeom prst="rect">
+            <a:avLst/>
+          </a:prstGeom>
+          <a:noFill/>
+        </p:spPr>
+        <p:txBody>
+          <a:bodyPr wrap="square" rtlCol="0">
+            <a:spAutoFit/>
+          </a:bodyPr>
+          <a:lstStyle/>
+          <a:p>
+            <a:r>
+              <a:rPr lang="en-IN" sz="2800" dirty="0" smtClean="0"/>
+              <a:t>Input</a:t>
+            </a:r>
+            <a:endParaRPr lang="en-IN" sz="2800" dirty="0"/>
+          </a:p>
+        </p:txBody>
+      </p:sp>
+      <p:cxnSp>
+        <p:nvCxnSpPr>
+          <p:cNvPr id="16" name="Straight Arrow Connector 15"/>
+          <p:cNvCxnSpPr>
+            <a:stCxn id="14" idx="2"/>
+            <a:endCxn id="2" idx="0"/>
+          </p:cNvCxnSpPr>
+          <p:nvPr/>
+        </p:nvCxnSpPr>
+        <p:spPr>
+          <a:xfrm>
+            <a:off x="1096347" y="3208984"/>
+            <a:ext cx="1" cy="691213"/>
+          </a:xfrm>
+          <a:prstGeom prst="straightConnector1">
+            <a:avLst/>
+          </a:prstGeom>
+          <a:ln>
+            <a:tailEnd type="triangle"/>
+          </a:ln>
+        </p:spPr>
+        <p:style>
+          <a:lnRef idx="1">
+            <a:schemeClr val="dk1"/>
+          </a:lnRef>
+          <a:fillRef idx="0">
+            <a:schemeClr val="dk1"/>
+          </a:fillRef>
+          <a:effectRef idx="0">
+            <a:schemeClr val="dk1"/>
+          </a:effectRef>
+          <a:fontRef idx="minor">
+            <a:schemeClr val="tx1"/>
+          </a:fontRef>
+        </p:style>
+      </p:cxnSp>
+      <p:cxnSp>
+        <p:nvCxnSpPr>
+          <p:cNvPr id="23" name="Straight Arrow Connector 22"/>
+          <p:cNvCxnSpPr>
+            <a:stCxn id="29" idx="2"/>
+            <a:endCxn id="19" idx="0"/>
+          </p:cNvCxnSpPr>
+          <p:nvPr/>
+        </p:nvCxnSpPr>
+        <p:spPr>
+          <a:xfrm>
+            <a:off x="7408506" y="2998715"/>
+            <a:ext cx="4666" cy="901482"/>
+          </a:xfrm>
+          <a:prstGeom prst="straightConnector1">
+            <a:avLst/>
+          </a:prstGeom>
+          <a:ln>
+            <a:tailEnd type="triangle"/>
+          </a:ln>
+        </p:spPr>
+        <p:style>
+          <a:lnRef idx="1">
+            <a:schemeClr val="dk1"/>
+          </a:lnRef>
+          <a:fillRef idx="0">
+            <a:schemeClr val="dk1"/>
+          </a:fillRef>
+          <a:effectRef idx="0">
+            <a:schemeClr val="dk1"/>
+          </a:effectRef>
+          <a:fontRef idx="minor">
+            <a:schemeClr val="tx1"/>
+          </a:fontRef>
+        </p:style>
+      </p:cxnSp>
+      <p:cxnSp>
+        <p:nvCxnSpPr>
+          <p:cNvPr id="18" name="Straight Arrow Connector 17"/>
+          <p:cNvCxnSpPr/>
+          <p:nvPr/>
+        </p:nvCxnSpPr>
+        <p:spPr>
+          <a:xfrm flipH="1" flipV="1">
+            <a:off x="5767873" y="2672121"/>
+            <a:ext cx="912845" cy="13643"/>
+          </a:xfrm>
+          <a:prstGeom prst="straightConnector1">
+            <a:avLst/>
+          </a:prstGeom>
+          <a:ln>
+            <a:tailEnd type="triangle"/>
+          </a:ln>
+        </p:spPr>
+        <p:style>
+          <a:lnRef idx="1">
+            <a:schemeClr val="dk1"/>
+          </a:lnRef>
+          <a:fillRef idx="0">
+            <a:schemeClr val="dk1"/>
+          </a:fillRef>
+          <a:effectRef idx="0">
+            <a:schemeClr val="dk1"/>
+          </a:effectRef>
+          <a:fontRef idx="minor">
+            <a:schemeClr val="tx1"/>
+          </a:fontRef>
+        </p:style>
+      </p:cxnSp>
+      <p:sp>
+        <p:nvSpPr>
+          <p:cNvPr id="29" name="TextBox 28"/>
+          <p:cNvSpPr txBox="1"/>
+          <p:nvPr/>
+        </p:nvSpPr>
+        <p:spPr>
+          <a:xfrm flipH="1">
+            <a:off x="6680718" y="2475495"/>
+            <a:ext cx="1455576" cy="523220"/>
+          </a:xfrm>
+          <a:prstGeom prst="rect">
+            <a:avLst/>
+          </a:prstGeom>
+          <a:noFill/>
+        </p:spPr>
+        <p:txBody>
+          <a:bodyPr wrap="square" rtlCol="0">
+            <a:spAutoFit/>
+          </a:bodyPr>
+          <a:lstStyle/>
+          <a:p>
+            <a:r>
+              <a:rPr lang="en-IN" sz="2800" dirty="0" smtClean="0"/>
+              <a:t>Output</a:t>
+            </a:r>
+            <a:endParaRPr lang="en-IN" sz="2800" dirty="0"/>
+          </a:p>
+        </p:txBody>
+      </p:sp>
+      <p:sp>
+        <p:nvSpPr>
+          <p:cNvPr id="24" name="Rectangle 23"/>
+          <p:cNvSpPr/>
+          <p:nvPr/>
+        </p:nvSpPr>
+        <p:spPr>
+          <a:xfrm>
+            <a:off x="4079808" y="5551715"/>
+            <a:ext cx="1911219" cy="590557"/>
+          </a:xfrm>
+          <a:prstGeom prst="rect">
+            <a:avLst/>
+          </a:prstGeom>
+        </p:spPr>
+        <p:style>
+          <a:lnRef idx="2">
+            <a:schemeClr val="dk1"/>
+          </a:lnRef>
+          <a:fillRef idx="1">
+            <a:schemeClr val="lt1"/>
+          </a:fillRef>
+          <a:effectRef idx="0">
+            <a:schemeClr val="dk1"/>
+          </a:effectRef>
+          <a:fontRef idx="minor">
+            <a:schemeClr val="dk1"/>
+          </a:fontRef>
+        </p:style>
+        <p:txBody>
+          <a:bodyPr rtlCol="0" anchor="ctr"/>
+          <a:lstStyle/>
+          <a:p>
+            <a:pPr algn="ctr"/>
+            <a:r>
+              <a:rPr lang="en-IN" dirty="0" smtClean="0"/>
+              <a:t>Validation and fine tuning of model</a:t>
+            </a:r>
+            <a:endParaRPr lang="en-IN" dirty="0"/>
+          </a:p>
+        </p:txBody>
+      </p:sp>
+      <p:cxnSp>
+        <p:nvCxnSpPr>
+          <p:cNvPr id="25" name="Straight Arrow Connector 24"/>
+          <p:cNvCxnSpPr/>
+          <p:nvPr/>
+        </p:nvCxnSpPr>
+        <p:spPr>
+          <a:xfrm flipV="1">
+            <a:off x="4655976" y="5001209"/>
+            <a:ext cx="0" cy="544741"/>
+          </a:xfrm>
+          <a:prstGeom prst="straightConnector1">
+            <a:avLst/>
+          </a:prstGeom>
+          <a:ln>
+            <a:tailEnd type="triangle"/>
+          </a:ln>
+        </p:spPr>
+        <p:style>
+          <a:lnRef idx="1">
+            <a:schemeClr val="dk1"/>
+          </a:lnRef>
+          <a:fillRef idx="0">
+            <a:schemeClr val="dk1"/>
+          </a:fillRef>
+          <a:effectRef idx="0">
+            <a:schemeClr val="dk1"/>
+          </a:effectRef>
+          <a:fontRef idx="minor">
+            <a:schemeClr val="tx1"/>
+          </a:fontRef>
+        </p:style>
+      </p:cxnSp>
+      <p:cxnSp>
+        <p:nvCxnSpPr>
+          <p:cNvPr id="26" name="Straight Arrow Connector 25"/>
+          <p:cNvCxnSpPr>
+            <a:stCxn id="9" idx="2"/>
+            <a:endCxn id="24" idx="0"/>
+          </p:cNvCxnSpPr>
+          <p:nvPr/>
+        </p:nvCxnSpPr>
+        <p:spPr>
+          <a:xfrm flipH="1">
+            <a:off x="5035418" y="5001209"/>
+            <a:ext cx="2" cy="550506"/>
+          </a:xfrm>
+          <a:prstGeom prst="straightConnector1">
+            <a:avLst/>
+          </a:prstGeom>
+          <a:ln>
+            <a:tailEnd type="triangle"/>
+          </a:ln>
+        </p:spPr>
+        <p:style>
+          <a:lnRef idx="1">
+            <a:schemeClr val="dk1"/>
+          </a:lnRef>
+          <a:fillRef idx="0">
+            <a:schemeClr val="dk1"/>
+          </a:fillRef>
+          <a:effectRef idx="0">
+            <a:schemeClr val="dk1"/>
+          </a:effectRef>
+          <a:fontRef idx="minor">
+            <a:schemeClr val="tx1"/>
+          </a:fontRef>
+        </p:style>
+      </p:cxnSp>
+      <p:cxnSp>
+        <p:nvCxnSpPr>
+          <p:cNvPr id="27" name="Elbow Connector 26"/>
+          <p:cNvCxnSpPr>
+            <a:stCxn id="29" idx="1"/>
+            <a:endCxn id="24" idx="3"/>
+          </p:cNvCxnSpPr>
+          <p:nvPr/>
+        </p:nvCxnSpPr>
+        <p:spPr>
+          <a:xfrm flipH="1">
+            <a:off x="5991027" y="2737105"/>
+            <a:ext cx="2145267" cy="3109889"/>
+          </a:xfrm>
+          <a:prstGeom prst="bentConnector3">
+            <a:avLst>
+              <a:gd name="adj1" fmla="val -10656"/>
+            </a:avLst>
+          </a:prstGeom>
+          <a:ln>
+            <a:tailEnd type="triangle"/>
+          </a:ln>
+        </p:spPr>
+        <p:style>
+          <a:lnRef idx="1">
+            <a:schemeClr val="dk1"/>
+          </a:lnRef>
+          <a:fillRef idx="0">
+            <a:schemeClr val="dk1"/>
+          </a:fillRef>
+          <a:effectRef idx="0">
+            <a:schemeClr val="dk1"/>
+          </a:effectRef>
+          <a:fontRef idx="minor">
+            <a:schemeClr val="tx1"/>
+          </a:fontRef>
+        </p:style>
+      </p:cxnSp>
+    </p:spTree>
+  </p:cSld>
+  <p:clrMapOvr>
+    <a:masterClrMapping/>
+  </p:clrMapOvr>
+  <p:timing>
+    <p:tnLst>
+      <p:par>
+        <p:cTn id="1" dur="indefinite" restart="never" nodeType="tmRoot"/>
+      </p:par>
+    </p:tnLst>
+  </p:timing>
 </p:sld>
 </file>
 
@@ -15977,159 +16947,76 @@
                 <a:spcPct val="100000"/>
               </a:lnSpc>
               <a:spcBef>
-                <a:spcPts val="0"/>
-              </a:spcBef>
-              <a:spcAft>
-                <a:spcPts val="0"/>
-              </a:spcAft>
-              <a:buClr>
-                <a:schemeClr val="dk1"/>
+                <a:spcPts val="640"/>
+              </a:spcBef>
+              <a:spcAft>
+                <a:spcPts val="0"/>
+              </a:spcAft>
+              <a:buClr>
+                <a:srgbClr val="C00000"/>
               </a:buClr>
               <a:buSzPts val="3200"/>
               <a:buFont typeface="Arial"/>
               <a:buChar char="•"/>
             </a:pPr>
             <a:r>
-              <a:rPr lang="en-US" sz="3200" b="0" i="0" u="none" strike="noStrike" cap="none">
-                <a:solidFill>
-                  <a:schemeClr val="dk1"/>
+              <a:rPr lang="en-IN" dirty="0" smtClean="0">
+                <a:solidFill>
+                  <a:schemeClr val="tx1"/>
+                </a:solidFill>
+              </a:rPr>
+              <a:t>Research Area: Applied Deep Learning and Computer Vision</a:t>
+            </a:r>
+            <a:endParaRPr dirty="0">
+              <a:solidFill>
+                <a:schemeClr val="tx1"/>
+              </a:solidFill>
+            </a:endParaRPr>
+          </a:p>
+          <a:p>
+            <a:pPr marL="342900" marR="0" lvl="0" indent="-342900" algn="l" rtl="0">
+              <a:lnSpc>
+                <a:spcPct val="100000"/>
+              </a:lnSpc>
+              <a:spcBef>
+                <a:spcPts val="640"/>
+              </a:spcBef>
+              <a:spcAft>
+                <a:spcPts val="0"/>
+              </a:spcAft>
+              <a:buClr>
+                <a:srgbClr val="C00000"/>
+              </a:buClr>
+              <a:buSzPts val="3200"/>
+              <a:buFont typeface="Arial"/>
+              <a:buChar char="•"/>
+            </a:pPr>
+            <a:r>
+              <a:rPr lang="en-US" sz="3200" b="0" i="0" u="none" strike="noStrike" cap="none" dirty="0" smtClean="0">
+                <a:solidFill>
+                  <a:schemeClr val="tx1"/>
                 </a:solidFill>
                 <a:latin typeface="Calibri"/>
                 <a:ea typeface="Calibri"/>
                 <a:cs typeface="Calibri"/>
                 <a:sym typeface="Calibri"/>
               </a:rPr>
-              <a:t>Type the url of the industry</a:t>
+              <a:t>Specific Research Area: </a:t>
             </a:r>
-            <a:endParaRPr/>
-          </a:p>
-          <a:p>
-            <a:pPr marL="342900" marR="0" lvl="0" indent="-342900" algn="l" rtl="0">
-              <a:lnSpc>
-                <a:spcPct val="100000"/>
-              </a:lnSpc>
-              <a:spcBef>
-                <a:spcPts val="640"/>
-              </a:spcBef>
-              <a:spcAft>
-                <a:spcPts val="0"/>
-              </a:spcAft>
-              <a:buClr>
-                <a:schemeClr val="dk1"/>
-              </a:buClr>
-              <a:buSzPts val="3200"/>
-              <a:buFont typeface="Arial"/>
-              <a:buChar char="•"/>
-            </a:pPr>
             <a:r>
-              <a:rPr lang="en-US" sz="3200" b="0" i="0" u="none" strike="noStrike" cap="none">
-                <a:solidFill>
-                  <a:schemeClr val="dk1"/>
-                </a:solidFill>
-                <a:latin typeface="Calibri"/>
-                <a:ea typeface="Calibri"/>
-                <a:cs typeface="Calibri"/>
+              <a:rPr lang="en-US" sz="3200" b="0" i="0" u="none" strike="noStrike" cap="none" dirty="0" smtClean="0">
+                <a:solidFill>
+                  <a:schemeClr val="tx1"/>
+                </a:solidFill>
                 <a:sym typeface="Calibri"/>
               </a:rPr>
-              <a:t>Scope of the Industry</a:t>
+              <a:t>Marine Analytics using Computer Vision</a:t>
             </a:r>
-            <a:endParaRPr/>
-          </a:p>
-          <a:p>
-            <a:pPr marL="342900" marR="0" lvl="0" indent="-342900" algn="ctr" rtl="0">
-              <a:lnSpc>
-                <a:spcPct val="100000"/>
-              </a:lnSpc>
-              <a:spcBef>
-                <a:spcPts val="640"/>
-              </a:spcBef>
-              <a:spcAft>
-                <a:spcPts val="0"/>
-              </a:spcAft>
-              <a:buClr>
-                <a:schemeClr val="dk1"/>
-              </a:buClr>
-              <a:buSzPts val="3200"/>
-              <a:buFont typeface="Arial"/>
-              <a:buNone/>
-            </a:pPr>
-            <a:r>
-              <a:rPr lang="en-US" sz="3200" b="0" i="0" u="none" strike="noStrike" cap="none">
-                <a:solidFill>
-                  <a:schemeClr val="dk1"/>
-                </a:solidFill>
-                <a:latin typeface="Calibri"/>
-                <a:ea typeface="Calibri"/>
-                <a:cs typeface="Calibri"/>
-                <a:sym typeface="Calibri"/>
-              </a:rPr>
-              <a:t> OR</a:t>
-            </a:r>
-            <a:endParaRPr/>
-          </a:p>
-          <a:p>
-            <a:pPr marL="342900" marR="0" lvl="0" indent="-342900" algn="l" rtl="0">
-              <a:lnSpc>
-                <a:spcPct val="100000"/>
-              </a:lnSpc>
-              <a:spcBef>
-                <a:spcPts val="640"/>
-              </a:spcBef>
-              <a:spcAft>
-                <a:spcPts val="0"/>
-              </a:spcAft>
-              <a:buClr>
-                <a:srgbClr val="C00000"/>
-              </a:buClr>
-              <a:buSzPts val="3200"/>
-              <a:buFont typeface="Arial"/>
-              <a:buChar char="•"/>
-            </a:pPr>
-            <a:r>
-              <a:rPr lang="en-US" sz="3200" b="0" i="0" u="none" strike="noStrike" cap="none">
-                <a:solidFill>
-                  <a:srgbClr val="C00000"/>
-                </a:solidFill>
-                <a:latin typeface="Calibri"/>
-                <a:ea typeface="Calibri"/>
-                <a:cs typeface="Calibri"/>
-                <a:sym typeface="Calibri"/>
-              </a:rPr>
-              <a:t>Type the Research area identified</a:t>
-            </a:r>
-            <a:endParaRPr/>
-          </a:p>
-          <a:p>
-            <a:pPr marL="342900" marR="0" lvl="0" indent="-342900" algn="l" rtl="0">
-              <a:lnSpc>
-                <a:spcPct val="100000"/>
-              </a:lnSpc>
-              <a:spcBef>
-                <a:spcPts val="640"/>
-              </a:spcBef>
-              <a:spcAft>
-                <a:spcPts val="0"/>
-              </a:spcAft>
-              <a:buClr>
-                <a:srgbClr val="C00000"/>
-              </a:buClr>
-              <a:buSzPts val="3200"/>
-              <a:buFont typeface="Arial"/>
-              <a:buChar char="•"/>
-            </a:pPr>
-            <a:r>
-              <a:rPr lang="en-US" sz="3200" b="0" i="0" u="none" strike="noStrike" cap="none">
-                <a:solidFill>
-                  <a:srgbClr val="C00000"/>
-                </a:solidFill>
-                <a:latin typeface="Calibri"/>
-                <a:ea typeface="Calibri"/>
-                <a:cs typeface="Calibri"/>
-                <a:sym typeface="Calibri"/>
-              </a:rPr>
-              <a:t>Specific Research area</a:t>
-            </a:r>
-            <a:endParaRPr/>
+            <a:endParaRPr dirty="0">
+              <a:solidFill>
+                <a:schemeClr val="tx1"/>
+              </a:solidFill>
+            </a:endParaRPr>
           </a:p>
         </p:txBody>
       </p:sp>
@@ -16312,6 +17199,13 @@
   <p:clrMapOvr>
     <a:masterClrMapping/>
   </p:clrMapOvr>
+  <p:timing>
+    <p:tnLst>
+      <p:par>
+        <p:cTn id="1" dur="indefinite" restart="never" nodeType="tmRoot"/>
+      </p:par>
+    </p:tnLst>
+  </p:timing>
 </p:sld>
 </file>
 
@@ -16344,7 +17238,7 @@
         </p:nvSpPr>
         <p:spPr>
           <a:xfrm>
-            <a:off x="457200" y="274637"/>
+            <a:off x="457200" y="68331"/>
             <a:ext cx="8229600" cy="1143000"/>
           </a:xfrm>
           <a:prstGeom prst="rect">
@@ -16379,7 +17273,7 @@
               <a:buNone/>
             </a:pPr>
             <a:r>
-              <a:rPr lang="en-US" sz="4400" b="0" i="0" u="none">
+              <a:rPr lang="en-US" sz="4400" b="0" i="0" u="none" dirty="0">
                 <a:solidFill>
                   <a:schemeClr val="dk1"/>
                 </a:solidFill>
@@ -16390,7 +17284,7 @@
               </a:rPr>
               <a:t>Problem Statement</a:t>
             </a:r>
-            <a:endParaRPr/>
+            <a:endParaRPr dirty="0"/>
           </a:p>
         </p:txBody>
       </p:sp>
@@ -16406,7 +17300,7 @@
         </p:nvSpPr>
         <p:spPr>
           <a:xfrm>
-            <a:off x="457200" y="1600200"/>
+            <a:off x="457200" y="1211331"/>
             <a:ext cx="8229600" cy="4526100"/>
           </a:xfrm>
           <a:prstGeom prst="rect">
@@ -16423,36 +17317,102 @@
           </a:bodyPr>
           <a:lstStyle/>
           <a:p>
-            <a:pPr marL="342900" marR="0" lvl="0" indent="-342900" algn="l" rtl="0">
-              <a:lnSpc>
-                <a:spcPct val="100000"/>
-              </a:lnSpc>
-              <a:spcBef>
-                <a:spcPts val="0"/>
-              </a:spcBef>
-              <a:spcAft>
-                <a:spcPts val="0"/>
-              </a:spcAft>
-              <a:buClr>
-                <a:schemeClr val="dk1"/>
-              </a:buClr>
+            <a:pPr indent="-457200">
+              <a:spcBef>
+                <a:spcPts val="0"/>
+              </a:spcBef>
               <a:buSzPts val="3200"/>
-              <a:buFont typeface="Arial"/>
-              <a:buChar char="•"/>
             </a:pPr>
             <a:r>
-              <a:rPr lang="en-US" sz="3200" b="0" i="0" u="none" strike="noStrike" cap="none">
-                <a:solidFill>
-                  <a:schemeClr val="dk1"/>
-                </a:solidFill>
-                <a:latin typeface="Calibri"/>
-                <a:ea typeface="Calibri"/>
-                <a:cs typeface="Calibri"/>
-                <a:sym typeface="Calibri"/>
-              </a:rPr>
-              <a:t>This slide should tell in 2 or 3 lines the compelling need for the problem and who will be using this solution</a:t>
+              <a:rPr lang="en-US" sz="2800" dirty="0" smtClean="0"/>
+              <a:t>Due to the highly dynamic nature of marine environment, it is challenging to monitor and study ecological process</a:t>
             </a:r>
-            <a:endParaRPr/>
+          </a:p>
+          <a:p>
+            <a:pPr indent="-457200">
+              <a:spcBef>
+                <a:spcPts val="0"/>
+              </a:spcBef>
+              <a:buSzPts val="3200"/>
+            </a:pPr>
+            <a:r>
+              <a:rPr lang="en-US" sz="2800" dirty="0" smtClean="0"/>
+              <a:t>Although </a:t>
+            </a:r>
+            <a:r>
+              <a:rPr lang="en-US" sz="2800" dirty="0"/>
+              <a:t>comprehensive image and </a:t>
+            </a:r>
+            <a:r>
+              <a:rPr lang="en-US" sz="2800" dirty="0" smtClean="0"/>
+              <a:t>video data </a:t>
+            </a:r>
+            <a:r>
+              <a:rPr lang="en-US" sz="2800" dirty="0"/>
+              <a:t>can be collected, the processing of image data </a:t>
+            </a:r>
+            <a:r>
+              <a:rPr lang="en-US" sz="2800" dirty="0" smtClean="0"/>
+              <a:t>in ecological </a:t>
+            </a:r>
+            <a:r>
+              <a:rPr lang="en-US" sz="2800" dirty="0"/>
+              <a:t>context is mostly manual and therefore </a:t>
+            </a:r>
+            <a:r>
+              <a:rPr lang="en-US" sz="2800" dirty="0" smtClean="0"/>
+              <a:t>very </a:t>
+            </a:r>
+            <a:r>
+              <a:rPr lang="en-IN" sz="2800" dirty="0" err="1" smtClean="0"/>
+              <a:t>labor-intensive</a:t>
+            </a:r>
+            <a:endParaRPr lang="en-IN" sz="2800" dirty="0"/>
+          </a:p>
+          <a:p>
+            <a:pPr indent="-457200">
+              <a:spcBef>
+                <a:spcPts val="0"/>
+              </a:spcBef>
+              <a:buSzPts val="3200"/>
+            </a:pPr>
+            <a:r>
+              <a:rPr lang="en-US" sz="2800" dirty="0" smtClean="0"/>
+              <a:t>As </a:t>
+            </a:r>
+            <a:r>
+              <a:rPr lang="en-US" sz="2800" dirty="0"/>
+              <a:t>a result, only a portion of </a:t>
+            </a:r>
+            <a:r>
+              <a:rPr lang="en-US" sz="2800" dirty="0" smtClean="0"/>
+              <a:t>the available </a:t>
+            </a:r>
+            <a:r>
+              <a:rPr lang="en-US" sz="2800" dirty="0"/>
+              <a:t>recordings can be analyzed which is </a:t>
+            </a:r>
+            <a:r>
+              <a:rPr lang="en-US" sz="2800" dirty="0" smtClean="0"/>
+              <a:t>greatly limiting </a:t>
+            </a:r>
+            <a:r>
+              <a:rPr lang="en-US" sz="2800" dirty="0"/>
+              <a:t>the potential advances that can be made from </a:t>
+            </a:r>
+            <a:r>
+              <a:rPr lang="en-US" sz="2800" dirty="0" smtClean="0"/>
+              <a:t>these </a:t>
+            </a:r>
+            <a:r>
+              <a:rPr lang="en-IN" sz="2800" dirty="0" smtClean="0"/>
+              <a:t>data </a:t>
+            </a:r>
+            <a:r>
+              <a:rPr lang="en-IN" sz="2800" dirty="0"/>
+              <a:t>streams.</a:t>
+            </a:r>
+            <a:endParaRPr lang="en-US" sz="2800" dirty="0" smtClean="0"/>
           </a:p>
         </p:txBody>
       </p:sp>
@@ -16635,6 +17595,13 @@
   <p:clrMapOvr>
     <a:masterClrMapping/>
   </p:clrMapOvr>
+  <p:timing>
+    <p:tnLst>
+      <p:par>
+        <p:cTn id="1" dur="indefinite" restart="never" nodeType="tmRoot"/>
+      </p:par>
+    </p:tnLst>
+  </p:timing>
 </p:sld>
 </file>
 
@@ -16729,7 +17696,7 @@
         </p:nvSpPr>
         <p:spPr>
           <a:xfrm>
-            <a:off x="457200" y="1600200"/>
+            <a:off x="559836" y="1320281"/>
             <a:ext cx="8229600" cy="4526100"/>
           </a:xfrm>
           <a:prstGeom prst="rect">
@@ -16746,7 +17713,7 @@
           </a:bodyPr>
           <a:lstStyle/>
           <a:p>
-            <a:pPr marL="342900" marR="0" lvl="0" indent="-342900" algn="l" rtl="0">
+            <a:pPr marL="0" marR="0" lvl="0" indent="0" algn="l" rtl="0">
               <a:lnSpc>
                 <a:spcPct val="100000"/>
               </a:lnSpc>
@@ -16760,22 +17727,118 @@
                 <a:schemeClr val="dk1"/>
               </a:buClr>
               <a:buSzPts val="3200"/>
-              <a:buFont typeface="Arial"/>
+              <a:buNone/>
+            </a:pPr>
+            <a:endParaRPr lang="en-US" dirty="0" smtClean="0">
+              <a:latin typeface="Cambria"/>
+              <a:ea typeface="Cambria"/>
+              <a:sym typeface="Cambria"/>
+            </a:endParaRPr>
+          </a:p>
+          <a:p>
+            <a:pPr marR="0" lvl="0" indent="-457200" algn="l" rtl="0">
+              <a:lnSpc>
+                <a:spcPct val="100000"/>
+              </a:lnSpc>
+              <a:spcBef>
+                <a:spcPts val="0"/>
+              </a:spcBef>
+              <a:spcAft>
+                <a:spcPts val="0"/>
+              </a:spcAft>
+              <a:buClr>
+                <a:schemeClr val="dk1"/>
+              </a:buClr>
+              <a:buSzPts val="3200"/>
+              <a:buFont typeface="Arial" panose="020B0604020202020204" pitchFamily="34" charset="0"/>
               <a:buChar char="•"/>
             </a:pPr>
             <a:r>
-              <a:rPr lang="en-US" sz="3200" b="0" i="0" u="none" strike="noStrike" cap="none">
-                <a:solidFill>
-                  <a:schemeClr val="dk1"/>
-                </a:solidFill>
+              <a:rPr lang="en-US" dirty="0" smtClean="0">
                 <a:latin typeface="Cambria"/>
                 <a:ea typeface="Cambria"/>
-                <a:cs typeface="Cambria"/>
                 <a:sym typeface="Cambria"/>
               </a:rPr>
-              <a:t> - Should be atleast 2 or 3 bulleted points. </a:t>
+              <a:t>To develop a system which is capable of automating the process of monitoring in marine ecosystem</a:t>
             </a:r>
-            <a:endParaRPr/>
+          </a:p>
+          <a:p>
+            <a:pPr marR="0" lvl="0" indent="-457200" algn="l" rtl="0">
+              <a:lnSpc>
+                <a:spcPct val="100000"/>
+              </a:lnSpc>
+              <a:spcBef>
+                <a:spcPts val="0"/>
+              </a:spcBef>
+              <a:spcAft>
+                <a:spcPts val="0"/>
+              </a:spcAft>
+              <a:buClr>
+                <a:schemeClr val="dk1"/>
+              </a:buClr>
+              <a:buSzPts val="3200"/>
+              <a:buFont typeface="Arial" panose="020B0604020202020204" pitchFamily="34" charset="0"/>
+              <a:buChar char="•"/>
+            </a:pPr>
+            <a:r>
+              <a:rPr lang="en-US" dirty="0" smtClean="0">
+                <a:latin typeface="Cambria"/>
+                <a:ea typeface="Cambria"/>
+                <a:sym typeface="Cambria"/>
+              </a:rPr>
+              <a:t>To enhance the computational efficiency and accuracy of object tracking model in marine environment</a:t>
+            </a:r>
+          </a:p>
+          <a:p>
+            <a:pPr marR="0" lvl="0" indent="-457200" algn="l" rtl="0">
+              <a:lnSpc>
+                <a:spcPct val="100000"/>
+              </a:lnSpc>
+              <a:spcBef>
+                <a:spcPts val="0"/>
+              </a:spcBef>
+              <a:spcAft>
+                <a:spcPts val="0"/>
+              </a:spcAft>
+              <a:buClr>
+                <a:schemeClr val="dk1"/>
+              </a:buClr>
+              <a:buSzPts val="3200"/>
+              <a:buFont typeface="Arial" panose="020B0604020202020204" pitchFamily="34" charset="0"/>
+              <a:buChar char="•"/>
+            </a:pPr>
+            <a:r>
+              <a:rPr lang="en-US" dirty="0" smtClean="0">
+                <a:latin typeface="Cambria"/>
+                <a:ea typeface="Cambria"/>
+                <a:sym typeface="Cambria"/>
+              </a:rPr>
+              <a:t>To explore the various models and propose a deep learning model with higher accuracy</a:t>
+            </a:r>
+          </a:p>
+          <a:p>
+            <a:pPr marR="0" lvl="0" indent="-457200" algn="l" rtl="0">
+              <a:lnSpc>
+                <a:spcPct val="100000"/>
+              </a:lnSpc>
+              <a:spcBef>
+                <a:spcPts val="0"/>
+              </a:spcBef>
+              <a:spcAft>
+                <a:spcPts val="0"/>
+              </a:spcAft>
+              <a:buClr>
+                <a:schemeClr val="dk1"/>
+              </a:buClr>
+              <a:buSzPts val="3200"/>
+              <a:buFont typeface="Arial" panose="020B0604020202020204" pitchFamily="34" charset="0"/>
+              <a:buChar char="•"/>
+            </a:pPr>
+            <a:endParaRPr lang="en-US" dirty="0" smtClean="0">
+              <a:latin typeface="Cambria"/>
+              <a:ea typeface="Cambria"/>
+              <a:sym typeface="Cambria"/>
+            </a:endParaRPr>
           </a:p>
         </p:txBody>
       </p:sp>
@@ -16958,10 +18021,152 @@
   <p:clrMapOvr>
     <a:masterClrMapping/>
   </p:clrMapOvr>
+  <p:timing>
+    <p:tnLst>
+      <p:par>
+        <p:cTn id="1" dur="indefinite" restart="never" nodeType="tmRoot"/>
+      </p:par>
+    </p:tnLst>
+  </p:timing>
 </p:sld>
 </file>
 
 <file path=ppt/slides/slide5.xml><?xml version="1.0" encoding="utf-8"?>
+<p:sld xmlns:a="http://schemas.openxmlformats.org/drawingml/2006/main" xmlns:r="http://schemas.openxmlformats.org/officeDocument/2006/relationships" xmlns:p="http://schemas.openxmlformats.org/presentationml/2006/main">
+  <p:cSld>
+    <p:spTree>
+      <p:nvGrpSpPr>
+        <p:cNvPr id="1" name=""/>
+        <p:cNvGrpSpPr/>
+        <p:nvPr/>
+      </p:nvGrpSpPr>
+      <p:grpSpPr>
+        <a:xfrm>
+          <a:off x="0" y="0"/>
+          <a:ext cx="0" cy="0"/>
+          <a:chOff x="0" y="0"/>
+          <a:chExt cx="0" cy="0"/>
+        </a:xfrm>
+      </p:grpSpPr>
+      <p:sp>
+        <p:nvSpPr>
+          <p:cNvPr id="2" name="Title 1"/>
+          <p:cNvSpPr>
+            <a:spLocks noGrp="1"/>
+          </p:cNvSpPr>
+          <p:nvPr>
+            <p:ph type="title"/>
+          </p:nvPr>
+        </p:nvSpPr>
+        <p:spPr/>
+        <p:txBody>
+          <a:bodyPr/>
+          <a:lstStyle/>
+          <a:p>
+            <a:r>
+              <a:rPr lang="en-IN" dirty="0" smtClean="0"/>
+              <a:t>Expected Outcomes </a:t>
+            </a:r>
+            <a:endParaRPr lang="en-IN" dirty="0"/>
+          </a:p>
+        </p:txBody>
+      </p:sp>
+      <p:sp>
+        <p:nvSpPr>
+          <p:cNvPr id="3" name="Text Placeholder 2"/>
+          <p:cNvSpPr>
+            <a:spLocks noGrp="1"/>
+          </p:cNvSpPr>
+          <p:nvPr>
+            <p:ph type="body" idx="1"/>
+          </p:nvPr>
+        </p:nvSpPr>
+        <p:spPr/>
+        <p:txBody>
+          <a:bodyPr/>
+          <a:lstStyle/>
+          <a:p>
+            <a:r>
+              <a:rPr lang="en-IN" dirty="0" smtClean="0"/>
+              <a:t>A program that is able to analyse the image/video input of marine ecosystem with a good accuracy and present some useful inferences </a:t>
+            </a:r>
+          </a:p>
+          <a:p>
+            <a:r>
+              <a:rPr lang="en-IN" dirty="0" smtClean="0"/>
+              <a:t>A highly accurate and computationally efficient object detection algorithm</a:t>
+            </a:r>
+          </a:p>
+          <a:p>
+            <a:r>
+              <a:rPr lang="en-IN" dirty="0" smtClean="0"/>
+              <a:t>A fine-tuned fish detection model with higher accuracy</a:t>
+            </a:r>
+          </a:p>
+          <a:p>
+            <a:pPr marL="114300" indent="0">
+              <a:buNone/>
+            </a:pPr>
+            <a:endParaRPr lang="en-IN" dirty="0" smtClean="0"/>
+          </a:p>
+          <a:p>
+            <a:endParaRPr lang="en-IN" dirty="0"/>
+          </a:p>
+        </p:txBody>
+      </p:sp>
+      <p:sp>
+        <p:nvSpPr>
+          <p:cNvPr id="4" name="Slide Number Placeholder 3"/>
+          <p:cNvSpPr>
+            <a:spLocks noGrp="1"/>
+          </p:cNvSpPr>
+          <p:nvPr>
+            <p:ph type="sldNum" idx="12"/>
+          </p:nvPr>
+        </p:nvSpPr>
+        <p:spPr/>
+        <p:txBody>
+          <a:bodyPr/>
+          <a:lstStyle/>
+          <a:p>
+            <a:pPr marL="0" lvl="0" indent="0" algn="r" rtl="0">
+              <a:spcBef>
+                <a:spcPts val="0"/>
+              </a:spcBef>
+              <a:spcAft>
+                <a:spcPts val="0"/>
+              </a:spcAft>
+              <a:buNone/>
+            </a:pPr>
+            <a:fld id="{00000000-1234-1234-1234-123412341234}" type="slidenum">
+              <a:rPr lang="en-US" smtClean="0"/>
+              <a:t>5</a:t>
+            </a:fld>
+            <a:endParaRPr lang="en-US"/>
+          </a:p>
+        </p:txBody>
+      </p:sp>
+    </p:spTree>
+    <p:extLst>
+      <p:ext uri="{BB962C8B-B14F-4D97-AF65-F5344CB8AC3E}">
+        <p14:creationId xmlns:p14="http://schemas.microsoft.com/office/powerpoint/2010/main" val="3367967725"/>
+      </p:ext>
+    </p:extLst>
+  </p:cSld>
+  <p:clrMapOvr>
+    <a:masterClrMapping/>
+  </p:clrMapOvr>
+  <p:timing>
+    <p:tnLst>
+      <p:par>
+        <p:cTn id="1" dur="indefinite" restart="never" nodeType="tmRoot"/>
+      </p:par>
+    </p:tnLst>
+  </p:timing>
+</p:sld>
+</file>
+
+<file path=ppt/slides/slide6.xml><?xml version="1.0" encoding="utf-8"?>
 <p:sld xmlns:a="http://schemas.openxmlformats.org/drawingml/2006/main" xmlns:r="http://schemas.openxmlformats.org/officeDocument/2006/relationships" xmlns:p="http://schemas.openxmlformats.org/presentationml/2006/main">
   <p:cSld>
     <p:spTree>
@@ -17069,29 +18274,93 @@
           </a:bodyPr>
           <a:lstStyle/>
           <a:p>
-            <a:pPr marL="342900" marR="0" lvl="0" indent="-139700" algn="l" rtl="0">
-              <a:spcBef>
-                <a:spcPts val="0"/>
-              </a:spcBef>
-              <a:spcAft>
-                <a:spcPts val="0"/>
-              </a:spcAft>
-              <a:buClr>
-                <a:schemeClr val="dk1"/>
-              </a:buClr>
+            <a:pPr marL="660400" lvl="0" indent="-457200">
+              <a:spcBef>
+                <a:spcPts val="0"/>
+              </a:spcBef>
               <a:buSzPts val="3200"/>
-              <a:buFont typeface="Arial"/>
-              <a:buNone/>
+              <a:buFont typeface="Arial" panose="020B0604020202020204" pitchFamily="34" charset="0"/>
+              <a:buChar char="•"/>
             </a:pPr>
-            <a:endParaRPr sz="3200">
-              <a:solidFill>
-                <a:schemeClr val="dk1"/>
-              </a:solidFill>
-              <a:latin typeface="Calibri"/>
-              <a:ea typeface="Calibri"/>
-              <a:cs typeface="Calibri"/>
-              <a:sym typeface="Calibri"/>
-            </a:endParaRPr>
+            <a:r>
+              <a:rPr lang="en-US" dirty="0" smtClean="0"/>
+              <a:t>Deep Learning</a:t>
+            </a:r>
+          </a:p>
+          <a:p>
+            <a:pPr marL="660400" lvl="0" indent="-457200">
+              <a:spcBef>
+                <a:spcPts val="0"/>
+              </a:spcBef>
+              <a:buSzPts val="3200"/>
+              <a:buFont typeface="Arial" panose="020B0604020202020204" pitchFamily="34" charset="0"/>
+              <a:buChar char="•"/>
+            </a:pPr>
+            <a:r>
+              <a:rPr lang="en-US" dirty="0" smtClean="0"/>
+              <a:t>Object Detection</a:t>
+            </a:r>
+            <a:endParaRPr lang="en-US" dirty="0"/>
+          </a:p>
+          <a:p>
+            <a:pPr marL="660400" lvl="0" indent="-457200">
+              <a:spcBef>
+                <a:spcPts val="0"/>
+              </a:spcBef>
+              <a:buSzPts val="3200"/>
+              <a:buFont typeface="Arial" panose="020B0604020202020204" pitchFamily="34" charset="0"/>
+              <a:buChar char="•"/>
+            </a:pPr>
+            <a:r>
+              <a:rPr lang="en-US" dirty="0"/>
+              <a:t>Computer </a:t>
+            </a:r>
+            <a:r>
+              <a:rPr lang="en-US" dirty="0" smtClean="0"/>
+              <a:t>Vision</a:t>
+            </a:r>
+          </a:p>
+          <a:p>
+            <a:pPr marL="660400" lvl="0" indent="-457200">
+              <a:spcBef>
+                <a:spcPts val="0"/>
+              </a:spcBef>
+              <a:buSzPts val="3200"/>
+              <a:buFont typeface="Arial" panose="020B0604020202020204" pitchFamily="34" charset="0"/>
+              <a:buChar char="•"/>
+            </a:pPr>
+            <a:r>
+              <a:rPr lang="en-US" dirty="0" smtClean="0"/>
+              <a:t>Image processing</a:t>
+            </a:r>
+            <a:endParaRPr lang="en-US" dirty="0"/>
+          </a:p>
+          <a:p>
+            <a:pPr marL="660400" lvl="0" indent="-457200">
+              <a:spcBef>
+                <a:spcPts val="0"/>
+              </a:spcBef>
+              <a:buSzPts val="3200"/>
+              <a:buFont typeface="Arial" panose="020B0604020202020204" pitchFamily="34" charset="0"/>
+              <a:buChar char="•"/>
+            </a:pPr>
+            <a:r>
+              <a:rPr lang="en-US" dirty="0" err="1" smtClean="0"/>
+              <a:t>Pytorch</a:t>
+            </a:r>
+            <a:r>
+              <a:rPr lang="en-US" dirty="0" smtClean="0"/>
+              <a:t>/</a:t>
+            </a:r>
+            <a:r>
+              <a:rPr lang="en-US" dirty="0" err="1" smtClean="0"/>
+              <a:t>TFLite</a:t>
+            </a:r>
+            <a:r>
+              <a:rPr lang="en-US" dirty="0" smtClean="0"/>
+              <a:t> Framework</a:t>
+            </a:r>
+            <a:endParaRPr lang="en-US" dirty="0"/>
           </a:p>
         </p:txBody>
       </p:sp>
@@ -17263,7 +18532,7 @@
                 <a:cs typeface="Calibri"/>
                 <a:sym typeface="Calibri"/>
               </a:rPr>
-              <a:t>5</a:t>
+              <a:t>6</a:t>
             </a:fld>
             <a:endParaRPr/>
           </a:p>
@@ -17274,10 +18543,17 @@
   <p:clrMapOvr>
     <a:masterClrMapping/>
   </p:clrMapOvr>
+  <p:timing>
+    <p:tnLst>
+      <p:par>
+        <p:cTn id="1" dur="indefinite" restart="never" nodeType="tmRoot"/>
+      </p:par>
+    </p:tnLst>
+  </p:timing>
 </p:sld>
 </file>
 
-<file path=ppt/slides/slide6.xml><?xml version="1.0" encoding="utf-8"?>
+<file path=ppt/slides/slide7.xml><?xml version="1.0" encoding="utf-8"?>
 <p:sld xmlns:a="http://schemas.openxmlformats.org/drawingml/2006/main" xmlns:r="http://schemas.openxmlformats.org/officeDocument/2006/relationships" xmlns:p="http://schemas.openxmlformats.org/presentationml/2006/main">
   <p:cSld>
     <p:spTree>
@@ -17306,7 +18582,7 @@
         </p:nvSpPr>
         <p:spPr>
           <a:xfrm>
-            <a:off x="457200" y="274637"/>
+            <a:off x="457200" y="-261268"/>
             <a:ext cx="8229600" cy="1143000"/>
           </a:xfrm>
           <a:prstGeom prst="rect">
@@ -17341,7 +18617,7 @@
               <a:buNone/>
             </a:pPr>
             <a:r>
-              <a:rPr lang="en-US" sz="4400" b="0" i="0" u="none">
+              <a:rPr lang="en-US" sz="4400" b="0" i="0" u="none" dirty="0">
                 <a:solidFill>
                   <a:schemeClr val="dk1"/>
                 </a:solidFill>
@@ -17352,7 +18628,7 @@
               </a:rPr>
               <a:t>Literature survey (5 Recent Papers)</a:t>
             </a:r>
-            <a:endParaRPr/>
+            <a:endParaRPr dirty="0"/>
           </a:p>
         </p:txBody>
       </p:sp>
@@ -17360,11 +18636,17 @@
         <p:nvGraphicFramePr>
           <p:cNvPr id="140" name="Google Shape;140;p18"/>
           <p:cNvGraphicFramePr/>
-          <p:nvPr/>
+          <p:nvPr>
+            <p:extLst>
+              <p:ext uri="{D42A27DB-BD31-4B8C-83A1-F6EECF244321}">
+                <p14:modId xmlns:p14="http://schemas.microsoft.com/office/powerpoint/2010/main" val="3987576720"/>
+              </p:ext>
+            </p:extLst>
+          </p:nvPr>
         </p:nvGraphicFramePr>
         <p:xfrm>
-          <a:off x="457200" y="1600200"/>
-          <a:ext cx="3000000" cy="3000000"/>
+          <a:off x="1" y="606490"/>
+          <a:ext cx="9144001" cy="7043886"/>
         </p:xfrm>
         <a:graphic>
           <a:graphicData uri="http://schemas.openxmlformats.org/drawingml/2006/table">
@@ -17374,36 +18656,36 @@
                 <a:tableStyleId>{5C77DEBB-EB44-4AEF-B860-C6F9234A0807}</a:tableStyleId>
               </a:tblPr>
               <a:tblGrid>
-                <a:gridCol w="1981200">
+                <a:gridCol w="2882149">
                   <a:extLst>
                     <a:ext uri="{9D8B030D-6E8A-4147-A177-3AD203B41FA5}">
                       <a16:colId xmlns:a16="http://schemas.microsoft.com/office/drawing/2014/main" val="20000"/>
                     </a:ext>
                   </a:extLst>
                 </a:gridCol>
-                <a:gridCol w="1981200">
+                <a:gridCol w="1606020">
                   <a:extLst>
                     <a:ext uri="{9D8B030D-6E8A-4147-A177-3AD203B41FA5}">
                       <a16:colId xmlns:a16="http://schemas.microsoft.com/office/drawing/2014/main" val="20001"/>
                     </a:ext>
                   </a:extLst>
                 </a:gridCol>
-                <a:gridCol w="1981200">
-                  <a:extLst>
-                    <a:ext uri="{9D8B030D-6E8A-4147-A177-3AD203B41FA5}">
-                      <a16:colId xmlns:a16="http://schemas.microsoft.com/office/drawing/2014/main" val="20002"/>
-                    </a:ext>
-                  </a:extLst>
-                </a:gridCol>
-                <a:gridCol w="1981200">
+                <a:gridCol w="2327916">
                   <a:extLst>
                     <a:ext uri="{9D8B030D-6E8A-4147-A177-3AD203B41FA5}">
                       <a16:colId xmlns:a16="http://schemas.microsoft.com/office/drawing/2014/main" val="20003"/>
                     </a:ext>
                   </a:extLst>
                 </a:gridCol>
+                <a:gridCol w="2327916">
+                  <a:extLst>
+                    <a:ext uri="{9D8B030D-6E8A-4147-A177-3AD203B41FA5}">
+                      <a16:colId xmlns:a16="http://schemas.microsoft.com/office/drawing/2014/main" val="2546700271"/>
+                    </a:ext>
+                  </a:extLst>
+                </a:gridCol>
               </a:tblGrid>
-              <a:tr h="1162050">
+              <a:tr h="639561">
                 <a:tc>
                   <a:txBody>
                     <a:bodyPr/>
@@ -17427,18 +18709,21 @@
                         <a:buNone/>
                       </a:pPr>
                       <a:r>
-                        <a:rPr lang="en-US" sz="1800" b="1" i="0" u="none" strike="noStrike" cap="none">
+                        <a:rPr lang="en-US" sz="1400" b="1" i="0" u="none" strike="noStrike" cap="none" dirty="0">
                           <a:solidFill>
                             <a:srgbClr val="FFFFFF"/>
                           </a:solidFill>
-                          <a:latin typeface="Calibri"/>
+                          <a:latin typeface="Calibri" panose="020F0502020204030204" pitchFamily="34" charset="0"/>
                           <a:ea typeface="Calibri"/>
-                          <a:cs typeface="Calibri"/>
+                          <a:cs typeface="Calibri" panose="020F0502020204030204" pitchFamily="34" charset="0"/>
                           <a:sym typeface="Calibri"/>
                         </a:rPr>
                         <a:t>Title of the paper</a:t>
                       </a:r>
-                      <a:endParaRPr/>
+                      <a:endParaRPr sz="1400" dirty="0">
+                        <a:latin typeface="Calibri" panose="020F0502020204030204" pitchFamily="34" charset="0"/>
+                        <a:cs typeface="Calibri" panose="020F0502020204030204" pitchFamily="34" charset="0"/>
+                      </a:endParaRPr>
                     </a:p>
                   </a:txBody>
                   <a:tcPr marL="91450" marR="91450" marT="45725" marB="45725">
@@ -17506,18 +18791,21 @@
                         <a:buNone/>
                       </a:pPr>
                       <a:r>
-                        <a:rPr lang="en-US" sz="1800" b="1" i="0" u="none" strike="noStrike" cap="none">
+                        <a:rPr lang="en-US" sz="1400" b="1" i="0" u="none" strike="noStrike" cap="none">
                           <a:solidFill>
                             <a:srgbClr val="FFFFFF"/>
                           </a:solidFill>
-                          <a:latin typeface="Calibri"/>
+                          <a:latin typeface="Calibri" panose="020F0502020204030204" pitchFamily="34" charset="0"/>
                           <a:ea typeface="Calibri"/>
-                          <a:cs typeface="Calibri"/>
+                          <a:cs typeface="Calibri" panose="020F0502020204030204" pitchFamily="34" charset="0"/>
                           <a:sym typeface="Calibri"/>
                         </a:rPr>
                         <a:t>Journal name and  year of publication</a:t>
                       </a:r>
-                      <a:endParaRPr/>
+                      <a:endParaRPr sz="1400">
+                        <a:latin typeface="Calibri" panose="020F0502020204030204" pitchFamily="34" charset="0"/>
+                        <a:cs typeface="Calibri" panose="020F0502020204030204" pitchFamily="34" charset="0"/>
+                      </a:endParaRPr>
                     </a:p>
                   </a:txBody>
                   <a:tcPr marL="91450" marR="91450" marT="45725" marB="45725">
@@ -17585,22 +18873,25 @@
                         <a:buNone/>
                       </a:pPr>
                       <a:r>
-                        <a:rPr lang="en-US" sz="1800" b="1" i="0" u="none" strike="noStrike" cap="none">
+                        <a:rPr lang="en-US" sz="1400" b="1" i="0" u="none" strike="noStrike" cap="none" dirty="0">
                           <a:solidFill>
                             <a:srgbClr val="FFFFFF"/>
                           </a:solidFill>
-                          <a:latin typeface="Calibri"/>
+                          <a:latin typeface="Calibri" panose="020F0502020204030204" pitchFamily="34" charset="0"/>
                           <a:ea typeface="Calibri"/>
-                          <a:cs typeface="Calibri"/>
+                          <a:cs typeface="Calibri" panose="020F0502020204030204" pitchFamily="34" charset="0"/>
                           <a:sym typeface="Calibri"/>
                         </a:rPr>
-                        <a:t>Q1/Q2/Q3/Q4</a:t>
+                        <a:t>Inference of the paper (bulleted points)</a:t>
                       </a:r>
-                      <a:endParaRPr/>
+                      <a:endParaRPr sz="1400" dirty="0">
+                        <a:latin typeface="Calibri" panose="020F0502020204030204" pitchFamily="34" charset="0"/>
+                        <a:cs typeface="Calibri" panose="020F0502020204030204" pitchFamily="34" charset="0"/>
+                      </a:endParaRPr>
                     </a:p>
                   </a:txBody>
                   <a:tcPr marL="91450" marR="91450" marT="45725" marB="45725">
-                    <a:lnL w="12700" cap="flat" cmpd="sng">
+                    <a:lnL w="12700" cap="flat" cmpd="sng" algn="ctr">
                       <a:solidFill>
                         <a:schemeClr val="lt1"/>
                       </a:solidFill>
@@ -17609,7 +18900,7 @@
                       <a:headEnd type="none" w="sm" len="sm"/>
                       <a:tailEnd type="none" w="sm" len="sm"/>
                     </a:lnL>
-                    <a:lnR w="12700" cap="flat" cmpd="sng">
+                    <a:lnR w="12700" cap="flat" cmpd="sng" algn="ctr">
                       <a:solidFill>
                         <a:schemeClr val="lt1"/>
                       </a:solidFill>
@@ -17627,7 +18918,7 @@
                       <a:headEnd type="none" w="sm" len="sm"/>
                       <a:tailEnd type="none" w="sm" len="sm"/>
                     </a:lnT>
-                    <a:lnB w="38100" cap="flat" cmpd="sng">
+                    <a:lnB w="38100" cap="flat" cmpd="sng" algn="ctr">
                       <a:solidFill>
                         <a:schemeClr val="lt1"/>
                       </a:solidFill>
@@ -17664,18 +18955,108 @@
                         <a:buNone/>
                       </a:pPr>
                       <a:r>
-                        <a:rPr lang="en-US" sz="1800" b="1" i="0" u="none" strike="noStrike" cap="none">
+                        <a:rPr lang="en-IN" sz="1400" b="1" dirty="0" smtClean="0">
                           <a:solidFill>
-                            <a:srgbClr val="FFFFFF"/>
+                            <a:schemeClr val="bg1"/>
                           </a:solidFill>
-                          <a:latin typeface="Calibri"/>
+                          <a:latin typeface="Calibri" panose="020F0502020204030204" pitchFamily="34" charset="0"/>
+                          <a:cs typeface="Calibri" panose="020F0502020204030204" pitchFamily="34" charset="0"/>
+                        </a:rPr>
+                        <a:t>Q1/Q2/Q3/Q4</a:t>
+                      </a:r>
+                      <a:endParaRPr sz="1400" b="1" dirty="0">
+                        <a:solidFill>
+                          <a:schemeClr val="bg1"/>
+                        </a:solidFill>
+                        <a:latin typeface="Calibri" panose="020F0502020204030204" pitchFamily="34" charset="0"/>
+                        <a:cs typeface="Calibri" panose="020F0502020204030204" pitchFamily="34" charset="0"/>
+                      </a:endParaRPr>
+                    </a:p>
+                  </a:txBody>
+                  <a:tcPr marL="91450" marR="91450" marT="45725" marB="45725">
+                    <a:lnL w="12700" cap="flat" cmpd="sng" algn="ctr">
+                      <a:solidFill>
+                        <a:schemeClr val="lt1"/>
+                      </a:solidFill>
+                      <a:prstDash val="solid"/>
+                      <a:round/>
+                      <a:headEnd type="none" w="sm" len="sm"/>
+                      <a:tailEnd type="none" w="sm" len="sm"/>
+                    </a:lnL>
+                    <a:lnR w="12700" cap="flat" cmpd="sng" algn="ctr">
+                      <a:solidFill>
+                        <a:schemeClr val="lt1"/>
+                      </a:solidFill>
+                      <a:prstDash val="solid"/>
+                      <a:round/>
+                      <a:headEnd type="none" w="sm" len="sm"/>
+                      <a:tailEnd type="none" w="sm" len="sm"/>
+                    </a:lnR>
+                    <a:lnT w="12700" cap="flat" cmpd="sng">
+                      <a:solidFill>
+                        <a:schemeClr val="lt1"/>
+                      </a:solidFill>
+                      <a:prstDash val="solid"/>
+                      <a:round/>
+                      <a:headEnd type="none" w="sm" len="sm"/>
+                      <a:tailEnd type="none" w="sm" len="sm"/>
+                    </a:lnT>
+                    <a:lnB w="38100" cap="flat" cmpd="sng" algn="ctr">
+                      <a:solidFill>
+                        <a:schemeClr val="lt1"/>
+                      </a:solidFill>
+                      <a:prstDash val="solid"/>
+                      <a:round/>
+                      <a:headEnd type="none" w="sm" len="sm"/>
+                      <a:tailEnd type="none" w="sm" len="sm"/>
+                    </a:lnB>
+                    <a:solidFill>
+                      <a:schemeClr val="accent1"/>
+                    </a:solidFill>
+                  </a:tcPr>
+                </a:tc>
+                <a:extLst>
+                  <a:ext uri="{0D108BD9-81ED-4DB2-BD59-A6C34878D82A}">
+                    <a16:rowId xmlns:a16="http://schemas.microsoft.com/office/drawing/2014/main" val="10000"/>
+                  </a:ext>
+                </a:extLst>
+              </a:tr>
+              <a:tr h="3196782">
+                <a:tc>
+                  <a:txBody>
+                    <a:bodyPr/>
+                    <a:lstStyle/>
+                    <a:p>
+                      <a:pPr marL="0" marR="0" lvl="0" indent="0" algn="l" rtl="0">
+                        <a:spcBef>
+                          <a:spcPts val="0"/>
+                        </a:spcBef>
+                        <a:spcAft>
+                          <a:spcPts val="0"/>
+                        </a:spcAft>
+                        <a:buNone/>
+                      </a:pPr>
+                      <a:r>
+                        <a:rPr lang="en-US" sz="1400" dirty="0" smtClean="0">
+                          <a:solidFill>
+                            <a:schemeClr val="dk1"/>
+                          </a:solidFill>
+                          <a:latin typeface="Calibri" panose="020F0502020204030204" pitchFamily="34" charset="0"/>
                           <a:ea typeface="Calibri"/>
-                          <a:cs typeface="Calibri"/>
+                          <a:cs typeface="Calibri" panose="020F0502020204030204" pitchFamily="34" charset="0"/>
                           <a:sym typeface="Calibri"/>
                         </a:rPr>
-                        <a:t>Inference of the paper (bulleted points)</a:t>
+                        <a:t>Temperate fish detection and classification: a deep learning based approach</a:t>
                       </a:r>
-                      <a:endParaRPr/>
+                      <a:endParaRPr lang="en-IN" sz="1400" dirty="0" smtClean="0">
+                        <a:solidFill>
+                          <a:schemeClr val="dk1"/>
+                        </a:solidFill>
+                        <a:latin typeface="Calibri" panose="020F0502020204030204" pitchFamily="34" charset="0"/>
+                        <a:ea typeface="Calibri"/>
+                        <a:cs typeface="Calibri" panose="020F0502020204030204" pitchFamily="34" charset="0"/>
+                        <a:sym typeface="Calibri"/>
+                      </a:endParaRPr>
                     </a:p>
                   </a:txBody>
                   <a:tcPr marL="91450" marR="91450" marT="45725" marB="45725">
@@ -17697,7 +19078,7 @@
                       <a:headEnd type="none" w="sm" len="sm"/>
                       <a:tailEnd type="none" w="sm" len="sm"/>
                     </a:lnR>
-                    <a:lnT w="12700" cap="flat" cmpd="sng">
+                    <a:lnT w="38100" cap="flat" cmpd="sng">
                       <a:solidFill>
                         <a:schemeClr val="lt1"/>
                       </a:solidFill>
@@ -17706,7 +19087,7 @@
                       <a:headEnd type="none" w="sm" len="sm"/>
                       <a:tailEnd type="none" w="sm" len="sm"/>
                     </a:lnT>
-                    <a:lnB w="38100" cap="flat" cmpd="sng">
+                    <a:lnB w="38100" cap="flat" cmpd="sng" algn="ctr">
                       <a:solidFill>
                         <a:schemeClr val="lt1"/>
                       </a:solidFill>
@@ -17716,17 +19097,10 @@
                       <a:tailEnd type="none" w="sm" len="sm"/>
                     </a:lnB>
                     <a:solidFill>
-                      <a:schemeClr val="accent1"/>
+                      <a:srgbClr val="D0D8E8"/>
                     </a:solidFill>
                   </a:tcPr>
                 </a:tc>
-                <a:extLst>
-                  <a:ext uri="{0D108BD9-81ED-4DB2-BD59-A6C34878D82A}">
-                    <a16:rowId xmlns:a16="http://schemas.microsoft.com/office/drawing/2014/main" val="10000"/>
-                  </a:ext>
-                </a:extLst>
-              </a:tr>
-              <a:tr h="365125">
                 <a:tc>
                   <a:txBody>
                     <a:bodyPr/>
@@ -17741,13 +19115,25 @@
                         </a:spcAft>
                         <a:buNone/>
                       </a:pPr>
-                      <a:endParaRPr sz="1800">
+                      <a:r>
+                        <a:rPr lang="en-IN" sz="1400" dirty="0" smtClean="0">
+                          <a:solidFill>
+                            <a:schemeClr val="dk1"/>
+                          </a:solidFill>
+                          <a:latin typeface="Calibri" panose="020F0502020204030204" pitchFamily="34" charset="0"/>
+                          <a:ea typeface="Calibri"/>
+                          <a:cs typeface="Calibri" panose="020F0502020204030204" pitchFamily="34" charset="0"/>
+                          <a:sym typeface="Calibri"/>
+                        </a:rPr>
+                        <a:t>Applied Intelligence, 2022</a:t>
+                      </a:r>
+                      <a:endParaRPr sz="1400" dirty="0">
                         <a:solidFill>
                           <a:schemeClr val="dk1"/>
                         </a:solidFill>
-                        <a:latin typeface="Calibri"/>
+                        <a:latin typeface="Calibri" panose="020F0502020204030204" pitchFamily="34" charset="0"/>
                         <a:ea typeface="Calibri"/>
-                        <a:cs typeface="Calibri"/>
+                        <a:cs typeface="Calibri" panose="020F0502020204030204" pitchFamily="34" charset="0"/>
                         <a:sym typeface="Calibri"/>
                       </a:endParaRPr>
                     </a:p>
@@ -17763,6 +19149,2269 @@
                       <a:tailEnd type="none" w="sm" len="sm"/>
                     </a:lnL>
                     <a:lnR w="12700" cap="flat" cmpd="sng">
+                      <a:solidFill>
+                        <a:schemeClr val="lt1"/>
+                      </a:solidFill>
+                      <a:prstDash val="solid"/>
+                      <a:round/>
+                      <a:headEnd type="none" w="sm" len="sm"/>
+                      <a:tailEnd type="none" w="sm" len="sm"/>
+                    </a:lnR>
+                    <a:lnT w="38100" cap="flat" cmpd="sng">
+                      <a:solidFill>
+                        <a:schemeClr val="lt1"/>
+                      </a:solidFill>
+                      <a:prstDash val="solid"/>
+                      <a:round/>
+                      <a:headEnd type="none" w="sm" len="sm"/>
+                      <a:tailEnd type="none" w="sm" len="sm"/>
+                    </a:lnT>
+                    <a:lnB w="38100" cap="flat" cmpd="sng" algn="ctr">
+                      <a:solidFill>
+                        <a:schemeClr val="lt1"/>
+                      </a:solidFill>
+                      <a:prstDash val="solid"/>
+                      <a:round/>
+                      <a:headEnd type="none" w="sm" len="sm"/>
+                      <a:tailEnd type="none" w="sm" len="sm"/>
+                    </a:lnB>
+                    <a:solidFill>
+                      <a:srgbClr val="D0D8E8"/>
+                    </a:solidFill>
+                  </a:tcPr>
+                </a:tc>
+                <a:tc>
+                  <a:txBody>
+                    <a:bodyPr/>
+                    <a:lstStyle/>
+                    <a:p>
+                      <a:pPr marL="285750" marR="0" lvl="0" indent="-285750" algn="l" rtl="0">
+                        <a:spcBef>
+                          <a:spcPts val="0"/>
+                        </a:spcBef>
+                        <a:spcAft>
+                          <a:spcPts val="0"/>
+                        </a:spcAft>
+                        <a:buFont typeface="Arial" panose="020B0604020202020204" pitchFamily="34" charset="0"/>
+                        <a:buChar char="•"/>
+                      </a:pPr>
+                      <a:r>
+                        <a:rPr lang="en-IN" sz="1400" dirty="0" smtClean="0">
+                          <a:solidFill>
+                            <a:schemeClr val="dk1"/>
+                          </a:solidFill>
+                          <a:latin typeface="Calibri" panose="020F0502020204030204" pitchFamily="34" charset="0"/>
+                          <a:ea typeface="Calibri"/>
+                          <a:cs typeface="Calibri" panose="020F0502020204030204" pitchFamily="34" charset="0"/>
+                          <a:sym typeface="Calibri"/>
+                        </a:rPr>
+                        <a:t>2 step</a:t>
+                      </a:r>
+                      <a:r>
+                        <a:rPr lang="en-IN" sz="1400" baseline="0" dirty="0" smtClean="0">
+                          <a:solidFill>
+                            <a:schemeClr val="dk1"/>
+                          </a:solidFill>
+                          <a:latin typeface="Calibri" panose="020F0502020204030204" pitchFamily="34" charset="0"/>
+                          <a:ea typeface="Calibri"/>
+                          <a:cs typeface="Calibri" panose="020F0502020204030204" pitchFamily="34" charset="0"/>
+                          <a:sym typeface="Calibri"/>
+                        </a:rPr>
+                        <a:t> deep learning approach</a:t>
+                      </a:r>
+                    </a:p>
+                    <a:p>
+                      <a:pPr marL="0" marR="0" lvl="0" indent="0" algn="l" rtl="0">
+                        <a:spcBef>
+                          <a:spcPts val="0"/>
+                        </a:spcBef>
+                        <a:spcAft>
+                          <a:spcPts val="0"/>
+                        </a:spcAft>
+                        <a:buFont typeface="Arial" panose="020B0604020202020204" pitchFamily="34" charset="0"/>
+                        <a:buNone/>
+                      </a:pPr>
+                      <a:r>
+                        <a:rPr lang="en-IN" sz="1400" baseline="0" dirty="0" smtClean="0">
+                          <a:solidFill>
+                            <a:schemeClr val="dk1"/>
+                          </a:solidFill>
+                          <a:latin typeface="Calibri" panose="020F0502020204030204" pitchFamily="34" charset="0"/>
+                          <a:ea typeface="Calibri"/>
+                          <a:cs typeface="Calibri" panose="020F0502020204030204" pitchFamily="34" charset="0"/>
+                          <a:sym typeface="Calibri"/>
+                        </a:rPr>
+                        <a:t>     a) Yolov3 with </a:t>
+                      </a:r>
+                      <a:r>
+                        <a:rPr lang="en-IN" sz="1400" baseline="0" dirty="0" err="1" smtClean="0">
+                          <a:solidFill>
+                            <a:schemeClr val="dk1"/>
+                          </a:solidFill>
+                          <a:latin typeface="Calibri" panose="020F0502020204030204" pitchFamily="34" charset="0"/>
+                          <a:ea typeface="Calibri"/>
+                          <a:cs typeface="Calibri" panose="020F0502020204030204" pitchFamily="34" charset="0"/>
+                          <a:sym typeface="Calibri"/>
+                        </a:rPr>
+                        <a:t>cnn</a:t>
+                      </a:r>
+                      <a:r>
+                        <a:rPr lang="en-IN" sz="1400" baseline="0" dirty="0" smtClean="0">
+                          <a:solidFill>
+                            <a:schemeClr val="dk1"/>
+                          </a:solidFill>
+                          <a:latin typeface="Calibri" panose="020F0502020204030204" pitchFamily="34" charset="0"/>
+                          <a:ea typeface="Calibri"/>
+                          <a:cs typeface="Calibri" panose="020F0502020204030204" pitchFamily="34" charset="0"/>
+                          <a:sym typeface="Calibri"/>
+                        </a:rPr>
+                        <a:t> architecture for detection</a:t>
+                      </a:r>
+                    </a:p>
+                    <a:p>
+                      <a:pPr marL="0" marR="0" lvl="0" indent="0" algn="l" rtl="0">
+                        <a:spcBef>
+                          <a:spcPts val="0"/>
+                        </a:spcBef>
+                        <a:spcAft>
+                          <a:spcPts val="0"/>
+                        </a:spcAft>
+                        <a:buFont typeface="Arial" panose="020B0604020202020204" pitchFamily="34" charset="0"/>
+                        <a:buNone/>
+                      </a:pPr>
+                      <a:r>
+                        <a:rPr lang="en-IN" sz="1400" baseline="0" dirty="0" smtClean="0">
+                          <a:solidFill>
+                            <a:schemeClr val="dk1"/>
+                          </a:solidFill>
+                          <a:latin typeface="Calibri" panose="020F0502020204030204" pitchFamily="34" charset="0"/>
+                          <a:ea typeface="Calibri"/>
+                          <a:cs typeface="Calibri" panose="020F0502020204030204" pitchFamily="34" charset="0"/>
+                          <a:sym typeface="Calibri"/>
+                        </a:rPr>
+                        <a:t>     b) CNN – </a:t>
+                      </a:r>
+                      <a:r>
+                        <a:rPr lang="en-IN" sz="1400" baseline="0" dirty="0" err="1" smtClean="0">
+                          <a:solidFill>
+                            <a:schemeClr val="dk1"/>
+                          </a:solidFill>
+                          <a:latin typeface="Calibri" panose="020F0502020204030204" pitchFamily="34" charset="0"/>
+                          <a:ea typeface="Calibri"/>
+                          <a:cs typeface="Calibri" panose="020F0502020204030204" pitchFamily="34" charset="0"/>
+                          <a:sym typeface="Calibri"/>
+                        </a:rPr>
+                        <a:t>SENet</a:t>
+                      </a:r>
+                      <a:r>
+                        <a:rPr lang="en-IN" sz="1400" baseline="0" dirty="0" smtClean="0">
+                          <a:solidFill>
+                            <a:schemeClr val="dk1"/>
+                          </a:solidFill>
+                          <a:latin typeface="Calibri" panose="020F0502020204030204" pitchFamily="34" charset="0"/>
+                          <a:ea typeface="Calibri"/>
+                          <a:cs typeface="Calibri" panose="020F0502020204030204" pitchFamily="34" charset="0"/>
+                          <a:sym typeface="Calibri"/>
+                        </a:rPr>
+                        <a:t> Architecture for classification</a:t>
+                      </a:r>
+                    </a:p>
+                    <a:p>
+                      <a:pPr marL="285750" marR="0" lvl="0" indent="-285750" algn="l" rtl="0">
+                        <a:spcBef>
+                          <a:spcPts val="0"/>
+                        </a:spcBef>
+                        <a:spcAft>
+                          <a:spcPts val="0"/>
+                        </a:spcAft>
+                        <a:buFont typeface="Arial" panose="020B0604020202020204" pitchFamily="34" charset="0"/>
+                        <a:buChar char="•"/>
+                      </a:pPr>
+                      <a:r>
+                        <a:rPr lang="en-IN" sz="1400" baseline="0" dirty="0" smtClean="0">
+                          <a:solidFill>
+                            <a:schemeClr val="dk1"/>
+                          </a:solidFill>
+                          <a:latin typeface="Calibri" panose="020F0502020204030204" pitchFamily="34" charset="0"/>
+                          <a:ea typeface="Calibri"/>
+                          <a:cs typeface="Calibri" panose="020F0502020204030204" pitchFamily="34" charset="0"/>
+                          <a:sym typeface="Calibri"/>
+                        </a:rPr>
+                        <a:t>Fish4knowledge dataset (of temperate region fishes)</a:t>
+                      </a:r>
+                    </a:p>
+                    <a:p>
+                      <a:pPr marL="285750" marR="0" lvl="0" indent="-285750" algn="l" rtl="0">
+                        <a:spcBef>
+                          <a:spcPts val="0"/>
+                        </a:spcBef>
+                        <a:spcAft>
+                          <a:spcPts val="0"/>
+                        </a:spcAft>
+                        <a:buFont typeface="Arial" panose="020B0604020202020204" pitchFamily="34" charset="0"/>
+                        <a:buChar char="•"/>
+                      </a:pPr>
+                      <a:r>
+                        <a:rPr lang="en-IN" sz="1400" dirty="0" smtClean="0">
+                          <a:solidFill>
+                            <a:schemeClr val="dk1"/>
+                          </a:solidFill>
+                          <a:latin typeface="Calibri" panose="020F0502020204030204" pitchFamily="34" charset="0"/>
+                          <a:ea typeface="Calibri"/>
+                          <a:cs typeface="Calibri" panose="020F0502020204030204" pitchFamily="34" charset="0"/>
+                          <a:sym typeface="Calibri"/>
+                        </a:rPr>
+                        <a:t>Metrics used for accuracy</a:t>
+                      </a:r>
+                      <a:r>
+                        <a:rPr lang="en-IN" sz="1400" baseline="0" dirty="0" smtClean="0">
+                          <a:solidFill>
+                            <a:schemeClr val="dk1"/>
+                          </a:solidFill>
+                          <a:latin typeface="Calibri" panose="020F0502020204030204" pitchFamily="34" charset="0"/>
+                          <a:ea typeface="Calibri"/>
+                          <a:cs typeface="Calibri" panose="020F0502020204030204" pitchFamily="34" charset="0"/>
+                          <a:sym typeface="Calibri"/>
+                        </a:rPr>
+                        <a:t> – IOU, </a:t>
+                      </a:r>
+                      <a:r>
+                        <a:rPr lang="en-IN" sz="1400" baseline="0" dirty="0" err="1" smtClean="0">
+                          <a:solidFill>
+                            <a:schemeClr val="dk1"/>
+                          </a:solidFill>
+                          <a:latin typeface="Calibri" panose="020F0502020204030204" pitchFamily="34" charset="0"/>
+                          <a:ea typeface="Calibri"/>
+                          <a:cs typeface="Calibri" panose="020F0502020204030204" pitchFamily="34" charset="0"/>
+                          <a:sym typeface="Calibri"/>
+                        </a:rPr>
+                        <a:t>MaP</a:t>
+                      </a:r>
+                      <a:r>
+                        <a:rPr lang="en-IN" sz="1400" baseline="0" dirty="0" smtClean="0">
+                          <a:solidFill>
+                            <a:schemeClr val="dk1"/>
+                          </a:solidFill>
+                          <a:latin typeface="Calibri" panose="020F0502020204030204" pitchFamily="34" charset="0"/>
+                          <a:ea typeface="Calibri"/>
+                          <a:cs typeface="Calibri" panose="020F0502020204030204" pitchFamily="34" charset="0"/>
+                          <a:sym typeface="Calibri"/>
+                        </a:rPr>
+                        <a:t> value</a:t>
+                      </a:r>
+                    </a:p>
+                    <a:p>
+                      <a:pPr marL="285750" marR="0" lvl="0" indent="-285750" algn="l" rtl="0">
+                        <a:spcBef>
+                          <a:spcPts val="0"/>
+                        </a:spcBef>
+                        <a:spcAft>
+                          <a:spcPts val="0"/>
+                        </a:spcAft>
+                        <a:buFont typeface="Arial" panose="020B0604020202020204" pitchFamily="34" charset="0"/>
+                        <a:buChar char="•"/>
+                      </a:pPr>
+                      <a:r>
+                        <a:rPr lang="en-IN" sz="1400" baseline="0" dirty="0" smtClean="0">
+                          <a:solidFill>
+                            <a:schemeClr val="dk1"/>
+                          </a:solidFill>
+                          <a:latin typeface="Calibri" panose="020F0502020204030204" pitchFamily="34" charset="0"/>
+                          <a:ea typeface="Calibri"/>
+                          <a:cs typeface="Calibri" panose="020F0502020204030204" pitchFamily="34" charset="0"/>
+                          <a:sym typeface="Calibri"/>
+                        </a:rPr>
+                        <a:t>  accuracies after training for the proposed model – 87.74% (without </a:t>
+                      </a:r>
+                      <a:r>
+                        <a:rPr lang="en-IN" sz="1400" baseline="0" dirty="0" err="1" smtClean="0">
+                          <a:solidFill>
+                            <a:schemeClr val="dk1"/>
+                          </a:solidFill>
+                          <a:latin typeface="Calibri" panose="020F0502020204030204" pitchFamily="34" charset="0"/>
+                          <a:ea typeface="Calibri"/>
+                          <a:cs typeface="Calibri" panose="020F0502020204030204" pitchFamily="34" charset="0"/>
+                          <a:sym typeface="Calibri"/>
+                        </a:rPr>
+                        <a:t>augmentataion</a:t>
+                      </a:r>
+                      <a:r>
+                        <a:rPr lang="en-IN" sz="1400" baseline="0" dirty="0" smtClean="0">
+                          <a:solidFill>
+                            <a:schemeClr val="dk1"/>
+                          </a:solidFill>
+                          <a:latin typeface="Calibri" panose="020F0502020204030204" pitchFamily="34" charset="0"/>
+                          <a:ea typeface="Calibri"/>
+                          <a:cs typeface="Calibri" panose="020F0502020204030204" pitchFamily="34" charset="0"/>
+                          <a:sym typeface="Calibri"/>
+                        </a:rPr>
+                        <a:t>)</a:t>
+                      </a:r>
+                    </a:p>
+                    <a:p>
+                      <a:pPr marL="285750" marR="0" lvl="0" indent="-285750" algn="l" rtl="0">
+                        <a:spcBef>
+                          <a:spcPts val="0"/>
+                        </a:spcBef>
+                        <a:spcAft>
+                          <a:spcPts val="0"/>
+                        </a:spcAft>
+                        <a:buFont typeface="Arial" panose="020B0604020202020204" pitchFamily="34" charset="0"/>
+                        <a:buChar char="•"/>
+                      </a:pPr>
+                      <a:r>
+                        <a:rPr lang="en-IN" sz="1400" baseline="0" dirty="0" smtClean="0">
+                          <a:solidFill>
+                            <a:schemeClr val="dk1"/>
+                          </a:solidFill>
+                          <a:latin typeface="Calibri" panose="020F0502020204030204" pitchFamily="34" charset="0"/>
+                          <a:ea typeface="Calibri"/>
+                          <a:cs typeface="Calibri" panose="020F0502020204030204" pitchFamily="34" charset="0"/>
+                          <a:sym typeface="Calibri"/>
+                        </a:rPr>
+                        <a:t>83% (with augmentation)</a:t>
+                      </a:r>
+                    </a:p>
+                    <a:p>
+                      <a:pPr marL="0" marR="0" lvl="0" indent="0" algn="l" rtl="0">
+                        <a:spcBef>
+                          <a:spcPts val="0"/>
+                        </a:spcBef>
+                        <a:spcAft>
+                          <a:spcPts val="0"/>
+                        </a:spcAft>
+                        <a:buFont typeface="Arial" panose="020B0604020202020204" pitchFamily="34" charset="0"/>
+                        <a:buNone/>
+                      </a:pPr>
+                      <a:endParaRPr sz="1400" dirty="0">
+                        <a:solidFill>
+                          <a:schemeClr val="dk1"/>
+                        </a:solidFill>
+                        <a:latin typeface="Calibri" panose="020F0502020204030204" pitchFamily="34" charset="0"/>
+                        <a:ea typeface="Calibri"/>
+                        <a:cs typeface="Calibri" panose="020F0502020204030204" pitchFamily="34" charset="0"/>
+                        <a:sym typeface="Calibri"/>
+                      </a:endParaRPr>
+                    </a:p>
+                  </a:txBody>
+                  <a:tcPr marL="91450" marR="91450" marT="45725" marB="45725">
+                    <a:lnL w="12700" cap="flat" cmpd="sng" algn="ctr">
+                      <a:solidFill>
+                        <a:schemeClr val="lt1"/>
+                      </a:solidFill>
+                      <a:prstDash val="solid"/>
+                      <a:round/>
+                      <a:headEnd type="none" w="sm" len="sm"/>
+                      <a:tailEnd type="none" w="sm" len="sm"/>
+                    </a:lnL>
+                    <a:lnR w="12700" cap="flat" cmpd="sng" algn="ctr">
+                      <a:solidFill>
+                        <a:schemeClr val="lt1"/>
+                      </a:solidFill>
+                      <a:prstDash val="solid"/>
+                      <a:round/>
+                      <a:headEnd type="none" w="sm" len="sm"/>
+                      <a:tailEnd type="none" w="sm" len="sm"/>
+                    </a:lnR>
+                    <a:lnT w="38100" cap="flat" cmpd="sng" algn="ctr">
+                      <a:solidFill>
+                        <a:schemeClr val="lt1"/>
+                      </a:solidFill>
+                      <a:prstDash val="solid"/>
+                      <a:round/>
+                      <a:headEnd type="none" w="sm" len="sm"/>
+                      <a:tailEnd type="none" w="sm" len="sm"/>
+                    </a:lnT>
+                    <a:lnB w="38100" cap="flat" cmpd="sng" algn="ctr">
+                      <a:solidFill>
+                        <a:schemeClr val="lt1"/>
+                      </a:solidFill>
+                      <a:prstDash val="solid"/>
+                      <a:round/>
+                      <a:headEnd type="none" w="sm" len="sm"/>
+                      <a:tailEnd type="none" w="sm" len="sm"/>
+                    </a:lnB>
+                    <a:solidFill>
+                      <a:srgbClr val="D0D8E8"/>
+                    </a:solidFill>
+                  </a:tcPr>
+                </a:tc>
+                <a:tc>
+                  <a:txBody>
+                    <a:bodyPr/>
+                    <a:lstStyle/>
+                    <a:p>
+                      <a:pPr marL="0" marR="0" lvl="0" indent="0" algn="l" rtl="0">
+                        <a:spcBef>
+                          <a:spcPts val="0"/>
+                        </a:spcBef>
+                        <a:spcAft>
+                          <a:spcPts val="0"/>
+                        </a:spcAft>
+                        <a:buFont typeface="Arial" panose="020B0604020202020204" pitchFamily="34" charset="0"/>
+                        <a:buNone/>
+                      </a:pPr>
+                      <a:r>
+                        <a:rPr lang="en-IN" sz="1400" dirty="0" smtClean="0">
+                          <a:solidFill>
+                            <a:schemeClr val="dk1"/>
+                          </a:solidFill>
+                          <a:latin typeface="Calibri" panose="020F0502020204030204" pitchFamily="34" charset="0"/>
+                          <a:ea typeface="Calibri"/>
+                          <a:cs typeface="Calibri" panose="020F0502020204030204" pitchFamily="34" charset="0"/>
+                          <a:sym typeface="Calibri"/>
+                        </a:rPr>
+                        <a:t>Q2 </a:t>
+                      </a:r>
+                      <a:endParaRPr sz="1400" dirty="0">
+                        <a:solidFill>
+                          <a:schemeClr val="dk1"/>
+                        </a:solidFill>
+                        <a:latin typeface="Calibri" panose="020F0502020204030204" pitchFamily="34" charset="0"/>
+                        <a:ea typeface="Calibri"/>
+                        <a:cs typeface="Calibri" panose="020F0502020204030204" pitchFamily="34" charset="0"/>
+                        <a:sym typeface="Calibri"/>
+                      </a:endParaRPr>
+                    </a:p>
+                  </a:txBody>
+                  <a:tcPr marL="91450" marR="91450" marT="45725" marB="45725">
+                    <a:lnL w="12700" cap="flat" cmpd="sng" algn="ctr">
+                      <a:solidFill>
+                        <a:schemeClr val="lt1"/>
+                      </a:solidFill>
+                      <a:prstDash val="solid"/>
+                      <a:round/>
+                      <a:headEnd type="none" w="sm" len="sm"/>
+                      <a:tailEnd type="none" w="sm" len="sm"/>
+                    </a:lnL>
+                    <a:lnR w="12700" cap="flat" cmpd="sng" algn="ctr">
+                      <a:solidFill>
+                        <a:schemeClr val="lt1"/>
+                      </a:solidFill>
+                      <a:prstDash val="solid"/>
+                      <a:round/>
+                      <a:headEnd type="none" w="sm" len="sm"/>
+                      <a:tailEnd type="none" w="sm" len="sm"/>
+                    </a:lnR>
+                    <a:lnT w="38100" cap="flat" cmpd="sng" algn="ctr">
+                      <a:solidFill>
+                        <a:schemeClr val="lt1"/>
+                      </a:solidFill>
+                      <a:prstDash val="solid"/>
+                      <a:round/>
+                      <a:headEnd type="none" w="sm" len="sm"/>
+                      <a:tailEnd type="none" w="sm" len="sm"/>
+                    </a:lnT>
+                    <a:lnB w="38100" cap="flat" cmpd="sng" algn="ctr">
+                      <a:solidFill>
+                        <a:schemeClr val="lt1"/>
+                      </a:solidFill>
+                      <a:prstDash val="solid"/>
+                      <a:round/>
+                      <a:headEnd type="none" w="sm" len="sm"/>
+                      <a:tailEnd type="none" w="sm" len="sm"/>
+                    </a:lnB>
+                    <a:solidFill>
+                      <a:srgbClr val="D0D8E8"/>
+                    </a:solidFill>
+                  </a:tcPr>
+                </a:tc>
+                <a:extLst>
+                  <a:ext uri="{0D108BD9-81ED-4DB2-BD59-A6C34878D82A}">
+                    <a16:rowId xmlns:a16="http://schemas.microsoft.com/office/drawing/2014/main" val="10001"/>
+                  </a:ext>
+                </a:extLst>
+              </a:tr>
+              <a:tr h="2685755">
+                <a:tc>
+                  <a:txBody>
+                    <a:bodyPr/>
+                    <a:lstStyle/>
+                    <a:p>
+                      <a:pPr marL="0" marR="0" lvl="0" indent="0" algn="l" rtl="0">
+                        <a:spcBef>
+                          <a:spcPts val="0"/>
+                        </a:spcBef>
+                        <a:spcAft>
+                          <a:spcPts val="0"/>
+                        </a:spcAft>
+                        <a:buNone/>
+                      </a:pPr>
+                      <a:r>
+                        <a:rPr lang="en-US" sz="1400" dirty="0" smtClean="0">
+                          <a:solidFill>
+                            <a:schemeClr val="dk1"/>
+                          </a:solidFill>
+                          <a:latin typeface="Calibri" panose="020F0502020204030204" pitchFamily="34" charset="0"/>
+                          <a:ea typeface="Calibri"/>
+                          <a:cs typeface="Calibri" panose="020F0502020204030204" pitchFamily="34" charset="0"/>
+                          <a:sym typeface="Calibri"/>
+                        </a:rPr>
+                        <a:t>YOLO fish detection with Euclidean tracking in fish farms</a:t>
+                      </a:r>
+                      <a:endParaRPr lang="en-IN" sz="1400" dirty="0" smtClean="0">
+                        <a:solidFill>
+                          <a:schemeClr val="dk1"/>
+                        </a:solidFill>
+                        <a:latin typeface="Calibri" panose="020F0502020204030204" pitchFamily="34" charset="0"/>
+                        <a:ea typeface="Calibri"/>
+                        <a:cs typeface="Calibri" panose="020F0502020204030204" pitchFamily="34" charset="0"/>
+                        <a:sym typeface="Calibri"/>
+                      </a:endParaRPr>
+                    </a:p>
+                  </a:txBody>
+                  <a:tcPr marL="91450" marR="91450" marT="45725" marB="45725">
+                    <a:lnL w="12700" cap="flat" cmpd="sng">
+                      <a:solidFill>
+                        <a:schemeClr val="lt1"/>
+                      </a:solidFill>
+                      <a:prstDash val="solid"/>
+                      <a:round/>
+                      <a:headEnd type="none" w="sm" len="sm"/>
+                      <a:tailEnd type="none" w="sm" len="sm"/>
+                    </a:lnL>
+                    <a:lnR w="12700" cap="flat" cmpd="sng" algn="ctr">
+                      <a:solidFill>
+                        <a:schemeClr val="lt1"/>
+                      </a:solidFill>
+                      <a:prstDash val="solid"/>
+                      <a:round/>
+                      <a:headEnd type="none" w="sm" len="sm"/>
+                      <a:tailEnd type="none" w="sm" len="sm"/>
+                    </a:lnR>
+                    <a:lnT w="38100" cap="flat" cmpd="sng">
+                      <a:solidFill>
+                        <a:schemeClr val="lt1"/>
+                      </a:solidFill>
+                      <a:prstDash val="solid"/>
+                      <a:round/>
+                      <a:headEnd type="none" w="sm" len="sm"/>
+                      <a:tailEnd type="none" w="sm" len="sm"/>
+                    </a:lnT>
+                    <a:lnB w="38100" cap="flat" cmpd="sng" algn="ctr">
+                      <a:solidFill>
+                        <a:schemeClr val="lt1"/>
+                      </a:solidFill>
+                      <a:prstDash val="solid"/>
+                      <a:round/>
+                      <a:headEnd type="none" w="sm" len="sm"/>
+                      <a:tailEnd type="none" w="sm" len="sm"/>
+                    </a:lnB>
+                    <a:solidFill>
+                      <a:srgbClr val="D0D8E8"/>
+                    </a:solidFill>
+                  </a:tcPr>
+                </a:tc>
+                <a:tc>
+                  <a:txBody>
+                    <a:bodyPr/>
+                    <a:lstStyle/>
+                    <a:p>
+                      <a:pPr marL="0" marR="0" lvl="0" indent="0" algn="l" rtl="0">
+                        <a:spcBef>
+                          <a:spcPts val="0"/>
+                        </a:spcBef>
+                        <a:spcAft>
+                          <a:spcPts val="0"/>
+                        </a:spcAft>
+                        <a:buNone/>
+                      </a:pPr>
+                      <a:r>
+                        <a:rPr lang="en-US" sz="1400" b="0" i="0" u="none" strike="noStrike" cap="none" baseline="0" dirty="0" smtClean="0">
+                          <a:solidFill>
+                            <a:srgbClr val="000000"/>
+                          </a:solidFill>
+                          <a:latin typeface="Calibri" panose="020F0502020204030204" pitchFamily="34" charset="0"/>
+                          <a:ea typeface="Arial"/>
+                          <a:cs typeface="Calibri" panose="020F0502020204030204" pitchFamily="34" charset="0"/>
+                          <a:sym typeface="Arial"/>
+                        </a:rPr>
+                        <a:t>Journal of Ambient Intelligence and Humanized Computing, 2021</a:t>
+                      </a:r>
+                      <a:endParaRPr sz="1400" dirty="0">
+                        <a:solidFill>
+                          <a:schemeClr val="dk1"/>
+                        </a:solidFill>
+                        <a:latin typeface="Calibri" panose="020F0502020204030204" pitchFamily="34" charset="0"/>
+                        <a:ea typeface="Calibri"/>
+                        <a:cs typeface="Calibri" panose="020F0502020204030204" pitchFamily="34" charset="0"/>
+                        <a:sym typeface="Calibri"/>
+                      </a:endParaRPr>
+                    </a:p>
+                  </a:txBody>
+                  <a:tcPr marL="91450" marR="91450" marT="45725" marB="45725">
+                    <a:lnL w="12700" cap="flat" cmpd="sng" algn="ctr">
+                      <a:solidFill>
+                        <a:schemeClr val="lt1"/>
+                      </a:solidFill>
+                      <a:prstDash val="solid"/>
+                      <a:round/>
+                      <a:headEnd type="none" w="sm" len="sm"/>
+                      <a:tailEnd type="none" w="sm" len="sm"/>
+                    </a:lnL>
+                    <a:lnR w="12700" cap="flat" cmpd="sng" algn="ctr">
+                      <a:solidFill>
+                        <a:schemeClr val="lt1"/>
+                      </a:solidFill>
+                      <a:prstDash val="solid"/>
+                      <a:round/>
+                      <a:headEnd type="none" w="sm" len="sm"/>
+                      <a:tailEnd type="none" w="sm" len="sm"/>
+                    </a:lnR>
+                    <a:lnT w="38100" cap="flat" cmpd="sng">
+                      <a:solidFill>
+                        <a:schemeClr val="lt1"/>
+                      </a:solidFill>
+                      <a:prstDash val="solid"/>
+                      <a:round/>
+                      <a:headEnd type="none" w="sm" len="sm"/>
+                      <a:tailEnd type="none" w="sm" len="sm"/>
+                    </a:lnT>
+                    <a:lnB w="38100" cap="flat" cmpd="sng" algn="ctr">
+                      <a:solidFill>
+                        <a:schemeClr val="lt1"/>
+                      </a:solidFill>
+                      <a:prstDash val="solid"/>
+                      <a:round/>
+                      <a:headEnd type="none" w="sm" len="sm"/>
+                      <a:tailEnd type="none" w="sm" len="sm"/>
+                    </a:lnB>
+                    <a:solidFill>
+                      <a:srgbClr val="D0D8E8"/>
+                    </a:solidFill>
+                  </a:tcPr>
+                </a:tc>
+                <a:tc>
+                  <a:txBody>
+                    <a:bodyPr/>
+                    <a:lstStyle/>
+                    <a:p>
+                      <a:pPr marL="285750" marR="0" lvl="0" indent="-285750" algn="l" rtl="0">
+                        <a:spcBef>
+                          <a:spcPts val="0"/>
+                        </a:spcBef>
+                        <a:spcAft>
+                          <a:spcPts val="0"/>
+                        </a:spcAft>
+                        <a:buFont typeface="Arial" panose="020B0604020202020204" pitchFamily="34" charset="0"/>
+                        <a:buChar char="•"/>
+                      </a:pPr>
+                      <a:r>
+                        <a:rPr lang="en-IN" sz="1400" baseline="0" dirty="0" smtClean="0">
+                          <a:solidFill>
+                            <a:schemeClr val="dk1"/>
+                          </a:solidFill>
+                          <a:latin typeface="Calibri" panose="020F0502020204030204" pitchFamily="34" charset="0"/>
+                          <a:ea typeface="Calibri"/>
+                          <a:cs typeface="Calibri" panose="020F0502020204030204" pitchFamily="34" charset="0"/>
+                          <a:sym typeface="Calibri"/>
+                        </a:rPr>
+                        <a:t>Proposed model – MSR YOLOv3</a:t>
+                      </a:r>
+                    </a:p>
+                    <a:p>
+                      <a:pPr marL="285750" marR="0" lvl="0" indent="-285750" algn="l" rtl="0">
+                        <a:spcBef>
+                          <a:spcPts val="0"/>
+                        </a:spcBef>
+                        <a:spcAft>
+                          <a:spcPts val="0"/>
+                        </a:spcAft>
+                        <a:buFont typeface="Arial" panose="020B0604020202020204" pitchFamily="34" charset="0"/>
+                        <a:buChar char="•"/>
+                      </a:pPr>
+                      <a:r>
+                        <a:rPr lang="en-IN" sz="1400" baseline="0" dirty="0" smtClean="0">
+                          <a:solidFill>
+                            <a:schemeClr val="dk1"/>
+                          </a:solidFill>
+                          <a:latin typeface="Calibri" panose="020F0502020204030204" pitchFamily="34" charset="0"/>
+                          <a:ea typeface="Calibri"/>
+                          <a:cs typeface="Calibri" panose="020F0502020204030204" pitchFamily="34" charset="0"/>
+                          <a:sym typeface="Calibri"/>
+                        </a:rPr>
+                        <a:t>Dataset – collected from their own setup (farm fishes)</a:t>
+                      </a:r>
+                    </a:p>
+                    <a:p>
+                      <a:pPr marL="285750" marR="0" lvl="0" indent="-285750" algn="l" rtl="0">
+                        <a:spcBef>
+                          <a:spcPts val="0"/>
+                        </a:spcBef>
+                        <a:spcAft>
+                          <a:spcPts val="0"/>
+                        </a:spcAft>
+                        <a:buFont typeface="Arial" panose="020B0604020202020204" pitchFamily="34" charset="0"/>
+                        <a:buChar char="•"/>
+                      </a:pPr>
+                      <a:r>
+                        <a:rPr lang="en-IN" sz="1400" baseline="0" dirty="0" smtClean="0">
+                          <a:solidFill>
+                            <a:schemeClr val="dk1"/>
+                          </a:solidFill>
+                          <a:latin typeface="Calibri" panose="020F0502020204030204" pitchFamily="34" charset="0"/>
+                          <a:ea typeface="Calibri"/>
+                          <a:cs typeface="Calibri" panose="020F0502020204030204" pitchFamily="34" charset="0"/>
+                          <a:sym typeface="Calibri"/>
+                        </a:rPr>
+                        <a:t>Addition of MSR algorithm increased the performance of the yolov3 model</a:t>
+                      </a:r>
+                    </a:p>
+                    <a:p>
+                      <a:pPr marL="285750" marR="0" lvl="0" indent="-285750" algn="l" rtl="0">
+                        <a:spcBef>
+                          <a:spcPts val="0"/>
+                        </a:spcBef>
+                        <a:spcAft>
+                          <a:spcPts val="0"/>
+                        </a:spcAft>
+                        <a:buFont typeface="Arial" panose="020B0604020202020204" pitchFamily="34" charset="0"/>
+                        <a:buChar char="•"/>
+                      </a:pPr>
+                      <a:r>
+                        <a:rPr lang="en-IN" sz="1400" baseline="0" dirty="0" smtClean="0">
+                          <a:solidFill>
+                            <a:schemeClr val="dk1"/>
+                          </a:solidFill>
+                          <a:latin typeface="Calibri" panose="020F0502020204030204" pitchFamily="34" charset="0"/>
+                          <a:ea typeface="Calibri"/>
+                          <a:cs typeface="Calibri" panose="020F0502020204030204" pitchFamily="34" charset="0"/>
+                          <a:sym typeface="Calibri"/>
+                        </a:rPr>
+                        <a:t>Detects fish in unclear water</a:t>
+                      </a:r>
+                    </a:p>
+                    <a:p>
+                      <a:pPr marL="285750" marR="0" lvl="0" indent="-285750" algn="l" rtl="0">
+                        <a:spcBef>
+                          <a:spcPts val="0"/>
+                        </a:spcBef>
+                        <a:spcAft>
+                          <a:spcPts val="0"/>
+                        </a:spcAft>
+                        <a:buFont typeface="Arial" panose="020B0604020202020204" pitchFamily="34" charset="0"/>
+                        <a:buChar char="•"/>
+                      </a:pPr>
+                      <a:endParaRPr sz="1400" dirty="0">
+                        <a:solidFill>
+                          <a:schemeClr val="dk1"/>
+                        </a:solidFill>
+                        <a:latin typeface="Calibri" panose="020F0502020204030204" pitchFamily="34" charset="0"/>
+                        <a:ea typeface="Calibri"/>
+                        <a:cs typeface="Calibri" panose="020F0502020204030204" pitchFamily="34" charset="0"/>
+                        <a:sym typeface="Calibri"/>
+                      </a:endParaRPr>
+                    </a:p>
+                  </a:txBody>
+                  <a:tcPr marL="91450" marR="91450" marT="45725" marB="45725">
+                    <a:lnL w="12700" cap="flat" cmpd="sng" algn="ctr">
+                      <a:solidFill>
+                        <a:schemeClr val="lt1"/>
+                      </a:solidFill>
+                      <a:prstDash val="solid"/>
+                      <a:round/>
+                      <a:headEnd type="none" w="sm" len="sm"/>
+                      <a:tailEnd type="none" w="sm" len="sm"/>
+                    </a:lnL>
+                    <a:lnR w="12700" cap="flat" cmpd="sng" algn="ctr">
+                      <a:solidFill>
+                        <a:schemeClr val="lt1"/>
+                      </a:solidFill>
+                      <a:prstDash val="solid"/>
+                      <a:round/>
+                      <a:headEnd type="none" w="sm" len="sm"/>
+                      <a:tailEnd type="none" w="sm" len="sm"/>
+                    </a:lnR>
+                    <a:lnT w="38100" cap="flat" cmpd="sng" algn="ctr">
+                      <a:solidFill>
+                        <a:schemeClr val="lt1"/>
+                      </a:solidFill>
+                      <a:prstDash val="solid"/>
+                      <a:round/>
+                      <a:headEnd type="none" w="sm" len="sm"/>
+                      <a:tailEnd type="none" w="sm" len="sm"/>
+                    </a:lnT>
+                    <a:lnB w="38100" cap="flat" cmpd="sng" algn="ctr">
+                      <a:solidFill>
+                        <a:schemeClr val="lt1"/>
+                      </a:solidFill>
+                      <a:prstDash val="solid"/>
+                      <a:round/>
+                      <a:headEnd type="none" w="sm" len="sm"/>
+                      <a:tailEnd type="none" w="sm" len="sm"/>
+                    </a:lnB>
+                    <a:solidFill>
+                      <a:srgbClr val="D0D8E8"/>
+                    </a:solidFill>
+                  </a:tcPr>
+                </a:tc>
+                <a:tc>
+                  <a:txBody>
+                    <a:bodyPr/>
+                    <a:lstStyle/>
+                    <a:p>
+                      <a:pPr marL="0" marR="0" lvl="0" indent="0" algn="l" rtl="0">
+                        <a:spcBef>
+                          <a:spcPts val="0"/>
+                        </a:spcBef>
+                        <a:spcAft>
+                          <a:spcPts val="0"/>
+                        </a:spcAft>
+                        <a:buFont typeface="Arial" panose="020B0604020202020204" pitchFamily="34" charset="0"/>
+                        <a:buNone/>
+                      </a:pPr>
+                      <a:r>
+                        <a:rPr lang="en-IN" sz="1400" dirty="0" smtClean="0">
+                          <a:solidFill>
+                            <a:schemeClr val="dk1"/>
+                          </a:solidFill>
+                          <a:latin typeface="Calibri" panose="020F0502020204030204" pitchFamily="34" charset="0"/>
+                          <a:ea typeface="Calibri"/>
+                          <a:cs typeface="Calibri" panose="020F0502020204030204" pitchFamily="34" charset="0"/>
+                          <a:sym typeface="Calibri"/>
+                        </a:rPr>
+                        <a:t>Q1</a:t>
+                      </a:r>
+                      <a:endParaRPr sz="1400" dirty="0">
+                        <a:solidFill>
+                          <a:schemeClr val="dk1"/>
+                        </a:solidFill>
+                        <a:latin typeface="Calibri" panose="020F0502020204030204" pitchFamily="34" charset="0"/>
+                        <a:ea typeface="Calibri"/>
+                        <a:cs typeface="Calibri" panose="020F0502020204030204" pitchFamily="34" charset="0"/>
+                        <a:sym typeface="Calibri"/>
+                      </a:endParaRPr>
+                    </a:p>
+                  </a:txBody>
+                  <a:tcPr marL="91450" marR="91450" marT="45725" marB="45725">
+                    <a:lnL w="12700" cap="flat" cmpd="sng" algn="ctr">
+                      <a:solidFill>
+                        <a:schemeClr val="lt1"/>
+                      </a:solidFill>
+                      <a:prstDash val="solid"/>
+                      <a:round/>
+                      <a:headEnd type="none" w="sm" len="sm"/>
+                      <a:tailEnd type="none" w="sm" len="sm"/>
+                    </a:lnL>
+                    <a:lnR w="12700" cap="flat" cmpd="sng" algn="ctr">
+                      <a:solidFill>
+                        <a:schemeClr val="lt1"/>
+                      </a:solidFill>
+                      <a:prstDash val="solid"/>
+                      <a:round/>
+                      <a:headEnd type="none" w="sm" len="sm"/>
+                      <a:tailEnd type="none" w="sm" len="sm"/>
+                    </a:lnR>
+                    <a:lnT w="38100" cap="flat" cmpd="sng" algn="ctr">
+                      <a:solidFill>
+                        <a:schemeClr val="lt1"/>
+                      </a:solidFill>
+                      <a:prstDash val="solid"/>
+                      <a:round/>
+                      <a:headEnd type="none" w="sm" len="sm"/>
+                      <a:tailEnd type="none" w="sm" len="sm"/>
+                    </a:lnT>
+                    <a:lnB w="38100" cap="flat" cmpd="sng" algn="ctr">
+                      <a:solidFill>
+                        <a:schemeClr val="lt1"/>
+                      </a:solidFill>
+                      <a:prstDash val="solid"/>
+                      <a:round/>
+                      <a:headEnd type="none" w="sm" len="sm"/>
+                      <a:tailEnd type="none" w="sm" len="sm"/>
+                    </a:lnB>
+                    <a:solidFill>
+                      <a:srgbClr val="D0D8E8"/>
+                    </a:solidFill>
+                  </a:tcPr>
+                </a:tc>
+                <a:extLst>
+                  <a:ext uri="{0D108BD9-81ED-4DB2-BD59-A6C34878D82A}">
+                    <a16:rowId xmlns:a16="http://schemas.microsoft.com/office/drawing/2014/main" val="3278918509"/>
+                  </a:ext>
+                </a:extLst>
+              </a:tr>
+            </a:tbl>
+          </a:graphicData>
+        </a:graphic>
+      </p:graphicFrame>
+      <p:sp>
+        <p:nvSpPr>
+          <p:cNvPr id="141" name="Google Shape;141;p18"/>
+          <p:cNvSpPr txBox="1"/>
+          <p:nvPr/>
+        </p:nvSpPr>
+        <p:spPr>
+          <a:xfrm>
+            <a:off x="457200" y="6356350"/>
+            <a:ext cx="2133600" cy="365100"/>
+          </a:xfrm>
+          <a:prstGeom prst="rect">
+            <a:avLst/>
+          </a:prstGeom>
+          <a:noFill/>
+          <a:ln>
+            <a:noFill/>
+          </a:ln>
+        </p:spPr>
+        <p:txBody>
+          <a:bodyPr spcFirstLastPara="1" wrap="square" lIns="91425" tIns="45700" rIns="91425" bIns="45700" anchor="ctr" anchorCtr="0">
+            <a:noAutofit/>
+          </a:bodyPr>
+          <a:lstStyle/>
+          <a:p>
+            <a:pPr marL="0" marR="0" lvl="0" indent="0" algn="l" rtl="0">
+              <a:lnSpc>
+                <a:spcPct val="100000"/>
+              </a:lnSpc>
+              <a:spcBef>
+                <a:spcPts val="0"/>
+              </a:spcBef>
+              <a:spcAft>
+                <a:spcPts val="0"/>
+              </a:spcAft>
+              <a:buClr>
+                <a:srgbClr val="898989"/>
+              </a:buClr>
+              <a:buSzPts val="1200"/>
+              <a:buFont typeface="Calibri"/>
+              <a:buNone/>
+            </a:pPr>
+            <a:r>
+              <a:rPr lang="en-US" sz="1200" b="0" i="0" u="none">
+                <a:solidFill>
+                  <a:srgbClr val="898989"/>
+                </a:solidFill>
+                <a:latin typeface="Calibri"/>
+                <a:ea typeface="Calibri"/>
+                <a:cs typeface="Calibri"/>
+                <a:sym typeface="Calibri"/>
+              </a:rPr>
+              <a:t>*</a:t>
+            </a:r>
+            <a:endParaRPr/>
+          </a:p>
+        </p:txBody>
+      </p:sp>
+      <p:sp>
+        <p:nvSpPr>
+          <p:cNvPr id="143" name="Google Shape;143;p18"/>
+          <p:cNvSpPr txBox="1"/>
+          <p:nvPr/>
+        </p:nvSpPr>
+        <p:spPr>
+          <a:xfrm>
+            <a:off x="6553200" y="6356350"/>
+            <a:ext cx="2133600" cy="365100"/>
+          </a:xfrm>
+          <a:prstGeom prst="rect">
+            <a:avLst/>
+          </a:prstGeom>
+          <a:noFill/>
+          <a:ln>
+            <a:noFill/>
+          </a:ln>
+        </p:spPr>
+        <p:txBody>
+          <a:bodyPr spcFirstLastPara="1" wrap="square" lIns="91425" tIns="45700" rIns="91425" bIns="45700" anchor="ctr" anchorCtr="0">
+            <a:noAutofit/>
+          </a:bodyPr>
+          <a:lstStyle/>
+          <a:p>
+            <a:pPr marL="0" marR="0" lvl="0" indent="0" algn="r" rtl="0">
+              <a:lnSpc>
+                <a:spcPct val="100000"/>
+              </a:lnSpc>
+              <a:spcBef>
+                <a:spcPts val="0"/>
+              </a:spcBef>
+              <a:spcAft>
+                <a:spcPts val="0"/>
+              </a:spcAft>
+              <a:buClr>
+                <a:srgbClr val="898989"/>
+              </a:buClr>
+              <a:buSzPts val="1200"/>
+              <a:buFont typeface="Calibri"/>
+              <a:buNone/>
+            </a:pPr>
+            <a:fld id="{00000000-1234-1234-1234-123412341234}" type="slidenum">
+              <a:rPr lang="en-US" sz="1200" b="0" i="0" u="none">
+                <a:solidFill>
+                  <a:srgbClr val="898989"/>
+                </a:solidFill>
+                <a:latin typeface="Calibri"/>
+                <a:ea typeface="Calibri"/>
+                <a:cs typeface="Calibri"/>
+                <a:sym typeface="Calibri"/>
+              </a:rPr>
+              <a:t>7</a:t>
+            </a:fld>
+            <a:endParaRPr/>
+          </a:p>
+        </p:txBody>
+      </p:sp>
+    </p:spTree>
+  </p:cSld>
+  <p:clrMapOvr>
+    <a:masterClrMapping/>
+  </p:clrMapOvr>
+  <p:timing>
+    <p:tnLst>
+      <p:par>
+        <p:cTn id="1" dur="indefinite" restart="never" nodeType="tmRoot"/>
+      </p:par>
+    </p:tnLst>
+  </p:timing>
+</p:sld>
+</file>
+
+<file path=ppt/slides/slide8.xml><?xml version="1.0" encoding="utf-8"?>
+<p:sld xmlns:a="http://schemas.openxmlformats.org/drawingml/2006/main" xmlns:r="http://schemas.openxmlformats.org/officeDocument/2006/relationships" xmlns:p="http://schemas.openxmlformats.org/presentationml/2006/main">
+  <p:cSld>
+    <p:spTree>
+      <p:nvGrpSpPr>
+        <p:cNvPr id="1" name=""/>
+        <p:cNvGrpSpPr/>
+        <p:nvPr/>
+      </p:nvGrpSpPr>
+      <p:grpSpPr>
+        <a:xfrm>
+          <a:off x="0" y="0"/>
+          <a:ext cx="0" cy="0"/>
+          <a:chOff x="0" y="0"/>
+          <a:chExt cx="0" cy="0"/>
+        </a:xfrm>
+      </p:grpSpPr>
+      <p:sp>
+        <p:nvSpPr>
+          <p:cNvPr id="2" name="Title 1"/>
+          <p:cNvSpPr>
+            <a:spLocks noGrp="1"/>
+          </p:cNvSpPr>
+          <p:nvPr>
+            <p:ph type="title"/>
+          </p:nvPr>
+        </p:nvSpPr>
+        <p:spPr/>
+        <p:txBody>
+          <a:bodyPr/>
+          <a:lstStyle/>
+          <a:p>
+            <a:endParaRPr lang="en-IN"/>
+          </a:p>
+        </p:txBody>
+      </p:sp>
+      <p:sp>
+        <p:nvSpPr>
+          <p:cNvPr id="3" name="Text Placeholder 2"/>
+          <p:cNvSpPr>
+            <a:spLocks noGrp="1"/>
+          </p:cNvSpPr>
+          <p:nvPr>
+            <p:ph type="body" idx="1"/>
+          </p:nvPr>
+        </p:nvSpPr>
+        <p:spPr/>
+        <p:txBody>
+          <a:bodyPr/>
+          <a:lstStyle/>
+          <a:p>
+            <a:endParaRPr lang="en-IN"/>
+          </a:p>
+        </p:txBody>
+      </p:sp>
+      <p:sp>
+        <p:nvSpPr>
+          <p:cNvPr id="4" name="Slide Number Placeholder 3"/>
+          <p:cNvSpPr>
+            <a:spLocks noGrp="1"/>
+          </p:cNvSpPr>
+          <p:nvPr>
+            <p:ph type="sldNum" idx="12"/>
+          </p:nvPr>
+        </p:nvSpPr>
+        <p:spPr/>
+        <p:txBody>
+          <a:bodyPr/>
+          <a:lstStyle/>
+          <a:p>
+            <a:pPr marL="0" lvl="0" indent="0" algn="r" rtl="0">
+              <a:spcBef>
+                <a:spcPts val="0"/>
+              </a:spcBef>
+              <a:spcAft>
+                <a:spcPts val="0"/>
+              </a:spcAft>
+              <a:buNone/>
+            </a:pPr>
+            <a:fld id="{00000000-1234-1234-1234-123412341234}" type="slidenum">
+              <a:rPr lang="en-US" smtClean="0"/>
+              <a:t>8</a:t>
+            </a:fld>
+            <a:endParaRPr lang="en-US"/>
+          </a:p>
+        </p:txBody>
+      </p:sp>
+      <p:graphicFrame>
+        <p:nvGraphicFramePr>
+          <p:cNvPr id="5" name="Table 4"/>
+          <p:cNvGraphicFramePr>
+            <a:graphicFrameLocks noGrp="1"/>
+          </p:cNvGraphicFramePr>
+          <p:nvPr>
+            <p:extLst>
+              <p:ext uri="{D42A27DB-BD31-4B8C-83A1-F6EECF244321}">
+                <p14:modId xmlns:p14="http://schemas.microsoft.com/office/powerpoint/2010/main" val="3009201252"/>
+              </p:ext>
+            </p:extLst>
+          </p:nvPr>
+        </p:nvGraphicFramePr>
+        <p:xfrm>
+          <a:off x="0" y="-450387"/>
+          <a:ext cx="9144002" cy="8595390"/>
+        </p:xfrm>
+        <a:graphic>
+          <a:graphicData uri="http://schemas.openxmlformats.org/drawingml/2006/table">
+            <a:tbl>
+              <a:tblPr>
+                <a:noFill/>
+                <a:tableStyleId>{5C77DEBB-EB44-4AEF-B860-C6F9234A0807}</a:tableStyleId>
+              </a:tblPr>
+              <a:tblGrid>
+                <a:gridCol w="2924469">
+                  <a:extLst>
+                    <a:ext uri="{9D8B030D-6E8A-4147-A177-3AD203B41FA5}">
+                      <a16:colId xmlns:a16="http://schemas.microsoft.com/office/drawing/2014/main" val="306822544"/>
+                    </a:ext>
+                  </a:extLst>
+                </a:gridCol>
+                <a:gridCol w="1595165">
+                  <a:extLst>
+                    <a:ext uri="{9D8B030D-6E8A-4147-A177-3AD203B41FA5}">
+                      <a16:colId xmlns:a16="http://schemas.microsoft.com/office/drawing/2014/main" val="3865009140"/>
+                    </a:ext>
+                  </a:extLst>
+                </a:gridCol>
+                <a:gridCol w="2312184">
+                  <a:extLst>
+                    <a:ext uri="{9D8B030D-6E8A-4147-A177-3AD203B41FA5}">
+                      <a16:colId xmlns:a16="http://schemas.microsoft.com/office/drawing/2014/main" val="2412648341"/>
+                    </a:ext>
+                  </a:extLst>
+                </a:gridCol>
+                <a:gridCol w="2312184">
+                  <a:extLst>
+                    <a:ext uri="{9D8B030D-6E8A-4147-A177-3AD203B41FA5}">
+                      <a16:colId xmlns:a16="http://schemas.microsoft.com/office/drawing/2014/main" val="1899183254"/>
+                    </a:ext>
+                  </a:extLst>
+                </a:gridCol>
+              </a:tblGrid>
+              <a:tr h="2421769">
+                <a:tc>
+                  <a:txBody>
+                    <a:bodyPr/>
+                    <a:lstStyle/>
+                    <a:p>
+                      <a:pPr marL="0" marR="0" lvl="0" indent="0" algn="l" rtl="0">
+                        <a:spcBef>
+                          <a:spcPts val="0"/>
+                        </a:spcBef>
+                        <a:spcAft>
+                          <a:spcPts val="0"/>
+                        </a:spcAft>
+                        <a:buNone/>
+                      </a:pPr>
+                      <a:r>
+                        <a:rPr lang="en-IN" sz="1400" dirty="0" smtClean="0">
+                          <a:solidFill>
+                            <a:schemeClr val="dk1"/>
+                          </a:solidFill>
+                          <a:latin typeface="Calibri" panose="020F0502020204030204" pitchFamily="34" charset="0"/>
+                          <a:ea typeface="Calibri"/>
+                          <a:cs typeface="Calibri" panose="020F0502020204030204" pitchFamily="34" charset="0"/>
+                          <a:sym typeface="Calibri"/>
+                        </a:rPr>
+                        <a:t>Automatic fish detection and tracking of movement for ecology</a:t>
+                      </a:r>
+                    </a:p>
+                  </a:txBody>
+                  <a:tcPr marL="91450" marR="91450" marT="45725" marB="45725">
+                    <a:lnL w="12700" cap="flat" cmpd="sng">
+                      <a:solidFill>
+                        <a:schemeClr val="lt1"/>
+                      </a:solidFill>
+                      <a:prstDash val="solid"/>
+                      <a:round/>
+                      <a:headEnd type="none" w="sm" len="sm"/>
+                      <a:tailEnd type="none" w="sm" len="sm"/>
+                    </a:lnL>
+                    <a:lnR w="12700" cap="flat" cmpd="sng" algn="ctr">
+                      <a:solidFill>
+                        <a:schemeClr val="lt1"/>
+                      </a:solidFill>
+                      <a:prstDash val="solid"/>
+                      <a:round/>
+                      <a:headEnd type="none" w="sm" len="sm"/>
+                      <a:tailEnd type="none" w="sm" len="sm"/>
+                    </a:lnR>
+                    <a:lnT w="38100" cap="flat" cmpd="sng">
+                      <a:solidFill>
+                        <a:schemeClr val="lt1"/>
+                      </a:solidFill>
+                      <a:prstDash val="solid"/>
+                      <a:round/>
+                      <a:headEnd type="none" w="sm" len="sm"/>
+                      <a:tailEnd type="none" w="sm" len="sm"/>
+                    </a:lnT>
+                    <a:lnB w="38100" cap="flat" cmpd="sng" algn="ctr">
+                      <a:solidFill>
+                        <a:schemeClr val="lt1"/>
+                      </a:solidFill>
+                      <a:prstDash val="solid"/>
+                      <a:round/>
+                      <a:headEnd type="none" w="sm" len="sm"/>
+                      <a:tailEnd type="none" w="sm" len="sm"/>
+                    </a:lnB>
+                    <a:solidFill>
+                      <a:srgbClr val="D0D8E8"/>
+                    </a:solidFill>
+                  </a:tcPr>
+                </a:tc>
+                <a:tc>
+                  <a:txBody>
+                    <a:bodyPr/>
+                    <a:lstStyle/>
+                    <a:p>
+                      <a:pPr marL="0" marR="0" lvl="0" indent="0" algn="l" rtl="0">
+                        <a:spcBef>
+                          <a:spcPts val="0"/>
+                        </a:spcBef>
+                        <a:spcAft>
+                          <a:spcPts val="0"/>
+                        </a:spcAft>
+                        <a:buNone/>
+                      </a:pPr>
+                      <a:r>
+                        <a:rPr lang="en-IN" sz="1400" dirty="0" smtClean="0">
+                          <a:solidFill>
+                            <a:schemeClr val="dk1"/>
+                          </a:solidFill>
+                          <a:latin typeface="Calibri" panose="020F0502020204030204" pitchFamily="34" charset="0"/>
+                          <a:ea typeface="Calibri"/>
+                          <a:cs typeface="Calibri" panose="020F0502020204030204" pitchFamily="34" charset="0"/>
+                          <a:sym typeface="Calibri"/>
+                        </a:rPr>
+                        <a:t>Ecology and Evolution, 2021</a:t>
+                      </a:r>
+                      <a:endParaRPr sz="1400" dirty="0">
+                        <a:solidFill>
+                          <a:schemeClr val="dk1"/>
+                        </a:solidFill>
+                        <a:latin typeface="Calibri" panose="020F0502020204030204" pitchFamily="34" charset="0"/>
+                        <a:ea typeface="Calibri"/>
+                        <a:cs typeface="Calibri" panose="020F0502020204030204" pitchFamily="34" charset="0"/>
+                        <a:sym typeface="Calibri"/>
+                      </a:endParaRPr>
+                    </a:p>
+                  </a:txBody>
+                  <a:tcPr marL="91450" marR="91450" marT="45725" marB="45725">
+                    <a:lnL w="12700" cap="flat" cmpd="sng" algn="ctr">
+                      <a:solidFill>
+                        <a:schemeClr val="lt1"/>
+                      </a:solidFill>
+                      <a:prstDash val="solid"/>
+                      <a:round/>
+                      <a:headEnd type="none" w="sm" len="sm"/>
+                      <a:tailEnd type="none" w="sm" len="sm"/>
+                    </a:lnL>
+                    <a:lnR w="12700" cap="flat" cmpd="sng" algn="ctr">
+                      <a:solidFill>
+                        <a:schemeClr val="lt1"/>
+                      </a:solidFill>
+                      <a:prstDash val="solid"/>
+                      <a:round/>
+                      <a:headEnd type="none" w="sm" len="sm"/>
+                      <a:tailEnd type="none" w="sm" len="sm"/>
+                    </a:lnR>
+                    <a:lnT w="38100" cap="flat" cmpd="sng">
+                      <a:solidFill>
+                        <a:schemeClr val="lt1"/>
+                      </a:solidFill>
+                      <a:prstDash val="solid"/>
+                      <a:round/>
+                      <a:headEnd type="none" w="sm" len="sm"/>
+                      <a:tailEnd type="none" w="sm" len="sm"/>
+                    </a:lnT>
+                    <a:lnB w="38100" cap="flat" cmpd="sng" algn="ctr">
+                      <a:solidFill>
+                        <a:schemeClr val="lt1"/>
+                      </a:solidFill>
+                      <a:prstDash val="solid"/>
+                      <a:round/>
+                      <a:headEnd type="none" w="sm" len="sm"/>
+                      <a:tailEnd type="none" w="sm" len="sm"/>
+                    </a:lnB>
+                    <a:solidFill>
+                      <a:srgbClr val="D0D8E8"/>
+                    </a:solidFill>
+                  </a:tcPr>
+                </a:tc>
+                <a:tc>
+                  <a:txBody>
+                    <a:bodyPr/>
+                    <a:lstStyle/>
+                    <a:p>
+                      <a:pPr marL="285750" marR="0" lvl="0" indent="-285750" algn="l" rtl="0">
+                        <a:spcBef>
+                          <a:spcPts val="0"/>
+                        </a:spcBef>
+                        <a:spcAft>
+                          <a:spcPts val="0"/>
+                        </a:spcAft>
+                        <a:buFont typeface="Arial" panose="020B0604020202020204" pitchFamily="34" charset="0"/>
+                        <a:buChar char="•"/>
+                      </a:pPr>
+                      <a:r>
+                        <a:rPr lang="en-IN" sz="1400" dirty="0" smtClean="0">
+                          <a:solidFill>
+                            <a:schemeClr val="dk1"/>
+                          </a:solidFill>
+                          <a:latin typeface="Calibri" panose="020F0502020204030204" pitchFamily="34" charset="0"/>
+                          <a:ea typeface="Calibri"/>
+                          <a:cs typeface="Calibri" panose="020F0502020204030204" pitchFamily="34" charset="0"/>
+                          <a:sym typeface="Calibri"/>
+                        </a:rPr>
+                        <a:t>Used for tracking the behaviour of yellowfin</a:t>
+                      </a:r>
+                      <a:r>
+                        <a:rPr lang="en-IN" sz="1400" baseline="0" dirty="0" smtClean="0">
+                          <a:solidFill>
+                            <a:schemeClr val="dk1"/>
+                          </a:solidFill>
+                          <a:latin typeface="Calibri" panose="020F0502020204030204" pitchFamily="34" charset="0"/>
+                          <a:ea typeface="Calibri"/>
+                          <a:cs typeface="Calibri" panose="020F0502020204030204" pitchFamily="34" charset="0"/>
+                          <a:sym typeface="Calibri"/>
+                        </a:rPr>
+                        <a:t> Bream</a:t>
+                      </a:r>
+                      <a:endParaRPr lang="en-IN" sz="1400" dirty="0" smtClean="0">
+                        <a:solidFill>
+                          <a:schemeClr val="dk1"/>
+                        </a:solidFill>
+                        <a:latin typeface="Calibri" panose="020F0502020204030204" pitchFamily="34" charset="0"/>
+                        <a:ea typeface="Calibri"/>
+                        <a:cs typeface="Calibri" panose="020F0502020204030204" pitchFamily="34" charset="0"/>
+                        <a:sym typeface="Calibri"/>
+                      </a:endParaRPr>
+                    </a:p>
+                    <a:p>
+                      <a:pPr marL="285750" marR="0" lvl="0" indent="-285750" algn="l" rtl="0">
+                        <a:spcBef>
+                          <a:spcPts val="0"/>
+                        </a:spcBef>
+                        <a:spcAft>
+                          <a:spcPts val="0"/>
+                        </a:spcAft>
+                        <a:buFont typeface="Arial" panose="020B0604020202020204" pitchFamily="34" charset="0"/>
+                        <a:buChar char="•"/>
+                      </a:pPr>
+                      <a:r>
+                        <a:rPr lang="en-IN" sz="1400" dirty="0" smtClean="0">
+                          <a:solidFill>
+                            <a:schemeClr val="dk1"/>
+                          </a:solidFill>
+                          <a:latin typeface="Calibri" panose="020F0502020204030204" pitchFamily="34" charset="0"/>
+                          <a:ea typeface="Calibri"/>
+                          <a:cs typeface="Calibri" panose="020F0502020204030204" pitchFamily="34" charset="0"/>
+                          <a:sym typeface="Calibri"/>
+                        </a:rPr>
+                        <a:t>Models</a:t>
+                      </a:r>
+                      <a:r>
+                        <a:rPr lang="en-IN" sz="1400" baseline="0" dirty="0" smtClean="0">
+                          <a:solidFill>
+                            <a:schemeClr val="dk1"/>
+                          </a:solidFill>
+                          <a:latin typeface="Calibri" panose="020F0502020204030204" pitchFamily="34" charset="0"/>
+                          <a:ea typeface="Calibri"/>
+                          <a:cs typeface="Calibri" panose="020F0502020204030204" pitchFamily="34" charset="0"/>
+                          <a:sym typeface="Calibri"/>
+                        </a:rPr>
+                        <a:t> proposed – </a:t>
+                      </a:r>
+                      <a:r>
+                        <a:rPr lang="en-IN" sz="1400" baseline="0" dirty="0" err="1" smtClean="0">
+                          <a:solidFill>
+                            <a:schemeClr val="dk1"/>
+                          </a:solidFill>
+                          <a:latin typeface="Calibri" panose="020F0502020204030204" pitchFamily="34" charset="0"/>
+                          <a:ea typeface="Calibri"/>
+                          <a:cs typeface="Calibri" panose="020F0502020204030204" pitchFamily="34" charset="0"/>
+                          <a:sym typeface="Calibri"/>
+                        </a:rPr>
+                        <a:t>SiamMask</a:t>
+                      </a:r>
+                      <a:r>
+                        <a:rPr lang="en-IN" sz="1400" baseline="0" dirty="0" smtClean="0">
+                          <a:solidFill>
+                            <a:schemeClr val="dk1"/>
+                          </a:solidFill>
+                          <a:latin typeface="Calibri" panose="020F0502020204030204" pitchFamily="34" charset="0"/>
+                          <a:ea typeface="Calibri"/>
+                          <a:cs typeface="Calibri" panose="020F0502020204030204" pitchFamily="34" charset="0"/>
+                          <a:sym typeface="Calibri"/>
+                        </a:rPr>
+                        <a:t>, </a:t>
+                      </a:r>
+                      <a:r>
+                        <a:rPr lang="en-IN" sz="1400" baseline="0" dirty="0" err="1" smtClean="0">
+                          <a:solidFill>
+                            <a:schemeClr val="dk1"/>
+                          </a:solidFill>
+                          <a:latin typeface="Calibri" panose="020F0502020204030204" pitchFamily="34" charset="0"/>
+                          <a:ea typeface="Calibri"/>
+                          <a:cs typeface="Calibri" panose="020F0502020204030204" pitchFamily="34" charset="0"/>
+                          <a:sym typeface="Calibri"/>
+                        </a:rPr>
+                        <a:t>Seq</a:t>
+                      </a:r>
+                      <a:r>
+                        <a:rPr lang="en-IN" sz="1400" baseline="0" dirty="0" smtClean="0">
+                          <a:solidFill>
+                            <a:schemeClr val="dk1"/>
+                          </a:solidFill>
+                          <a:latin typeface="Calibri" panose="020F0502020204030204" pitchFamily="34" charset="0"/>
+                          <a:ea typeface="Calibri"/>
+                          <a:cs typeface="Calibri" panose="020F0502020204030204" pitchFamily="34" charset="0"/>
+                          <a:sym typeface="Calibri"/>
+                        </a:rPr>
+                        <a:t>-NMS, and MOSSE</a:t>
+                      </a:r>
+                    </a:p>
+                    <a:p>
+                      <a:pPr marL="285750" marR="0" lvl="0" indent="-285750" algn="l" rtl="0">
+                        <a:spcBef>
+                          <a:spcPts val="0"/>
+                        </a:spcBef>
+                        <a:spcAft>
+                          <a:spcPts val="0"/>
+                        </a:spcAft>
+                        <a:buFont typeface="Arial" panose="020B0604020202020204" pitchFamily="34" charset="0"/>
+                        <a:buChar char="•"/>
+                      </a:pPr>
+                      <a:r>
+                        <a:rPr lang="en-IN" sz="1400" baseline="0" dirty="0" smtClean="0">
+                          <a:solidFill>
+                            <a:schemeClr val="dk1"/>
+                          </a:solidFill>
+                          <a:latin typeface="Calibri" panose="020F0502020204030204" pitchFamily="34" charset="0"/>
+                          <a:ea typeface="Calibri"/>
+                          <a:cs typeface="Calibri" panose="020F0502020204030204" pitchFamily="34" charset="0"/>
+                          <a:sym typeface="Calibri"/>
+                        </a:rPr>
+                        <a:t>Metrics used – precision, recall, f1 score, mAP5.0</a:t>
+                      </a:r>
+                    </a:p>
+                    <a:p>
+                      <a:pPr marL="285750" marR="0" lvl="0" indent="-285750" algn="l" rtl="0">
+                        <a:spcBef>
+                          <a:spcPts val="0"/>
+                        </a:spcBef>
+                        <a:spcAft>
+                          <a:spcPts val="0"/>
+                        </a:spcAft>
+                        <a:buFont typeface="Arial" panose="020B0604020202020204" pitchFamily="34" charset="0"/>
+                        <a:buChar char="•"/>
+                      </a:pPr>
+                      <a:r>
+                        <a:rPr lang="en-IN" sz="1400" baseline="0" dirty="0" smtClean="0">
+                          <a:solidFill>
+                            <a:schemeClr val="dk1"/>
+                          </a:solidFill>
+                          <a:latin typeface="Calibri" panose="020F0502020204030204" pitchFamily="34" charset="0"/>
+                          <a:ea typeface="Calibri"/>
+                          <a:cs typeface="Calibri" panose="020F0502020204030204" pitchFamily="34" charset="0"/>
+                          <a:sym typeface="Calibri"/>
+                        </a:rPr>
+                        <a:t>Results mAp5.0:</a:t>
+                      </a:r>
+                    </a:p>
+                    <a:p>
+                      <a:pPr marL="0" marR="0" lvl="0" indent="0" algn="l" rtl="0">
+                        <a:spcBef>
+                          <a:spcPts val="0"/>
+                        </a:spcBef>
+                        <a:spcAft>
+                          <a:spcPts val="0"/>
+                        </a:spcAft>
+                        <a:buFont typeface="Arial" panose="020B0604020202020204" pitchFamily="34" charset="0"/>
+                        <a:buNone/>
+                      </a:pPr>
+                      <a:r>
+                        <a:rPr lang="en-IN" sz="1400" baseline="0" dirty="0" err="1" smtClean="0">
+                          <a:solidFill>
+                            <a:schemeClr val="dk1"/>
+                          </a:solidFill>
+                          <a:latin typeface="Calibri" panose="020F0502020204030204" pitchFamily="34" charset="0"/>
+                          <a:ea typeface="Calibri"/>
+                          <a:cs typeface="Calibri" panose="020F0502020204030204" pitchFamily="34" charset="0"/>
+                          <a:sym typeface="Calibri"/>
+                        </a:rPr>
+                        <a:t>SiamMask</a:t>
+                      </a:r>
+                      <a:r>
+                        <a:rPr lang="en-IN" sz="1400" baseline="0" dirty="0" smtClean="0">
+                          <a:solidFill>
+                            <a:schemeClr val="dk1"/>
+                          </a:solidFill>
+                          <a:latin typeface="Calibri" panose="020F0502020204030204" pitchFamily="34" charset="0"/>
+                          <a:ea typeface="Calibri"/>
+                          <a:cs typeface="Calibri" panose="020F0502020204030204" pitchFamily="34" charset="0"/>
+                          <a:sym typeface="Calibri"/>
+                        </a:rPr>
+                        <a:t>, MOSSE – 78%</a:t>
+                      </a:r>
+                    </a:p>
+                    <a:p>
+                      <a:pPr marL="0" marR="0" lvl="0" indent="0" algn="l" rtl="0">
+                        <a:spcBef>
+                          <a:spcPts val="0"/>
+                        </a:spcBef>
+                        <a:spcAft>
+                          <a:spcPts val="0"/>
+                        </a:spcAft>
+                        <a:buFont typeface="Arial" panose="020B0604020202020204" pitchFamily="34" charset="0"/>
+                        <a:buNone/>
+                      </a:pPr>
+                      <a:r>
+                        <a:rPr lang="en-IN" sz="1400" baseline="0" dirty="0" err="1" smtClean="0">
+                          <a:solidFill>
+                            <a:schemeClr val="dk1"/>
+                          </a:solidFill>
+                          <a:latin typeface="Calibri" panose="020F0502020204030204" pitchFamily="34" charset="0"/>
+                          <a:ea typeface="Calibri"/>
+                          <a:cs typeface="Calibri" panose="020F0502020204030204" pitchFamily="34" charset="0"/>
+                          <a:sym typeface="Calibri"/>
+                        </a:rPr>
+                        <a:t>Seq</a:t>
+                      </a:r>
+                      <a:r>
+                        <a:rPr lang="en-IN" sz="1400" baseline="0" dirty="0" smtClean="0">
+                          <a:solidFill>
+                            <a:schemeClr val="dk1"/>
+                          </a:solidFill>
+                          <a:latin typeface="Calibri" panose="020F0502020204030204" pitchFamily="34" charset="0"/>
+                          <a:ea typeface="Calibri"/>
+                          <a:cs typeface="Calibri" panose="020F0502020204030204" pitchFamily="34" charset="0"/>
+                          <a:sym typeface="Calibri"/>
+                        </a:rPr>
+                        <a:t>-NMS – 84%</a:t>
+                      </a:r>
+                    </a:p>
+                    <a:p>
+                      <a:pPr marL="285750" marR="0" lvl="0" indent="-285750" algn="l" rtl="0">
+                        <a:spcBef>
+                          <a:spcPts val="0"/>
+                        </a:spcBef>
+                        <a:spcAft>
+                          <a:spcPts val="0"/>
+                        </a:spcAft>
+                        <a:buFont typeface="Arial" panose="020B0604020202020204" pitchFamily="34" charset="0"/>
+                        <a:buChar char="•"/>
+                      </a:pPr>
+                      <a:endParaRPr lang="en-IN" sz="1400" baseline="0" dirty="0" smtClean="0">
+                        <a:solidFill>
+                          <a:schemeClr val="dk1"/>
+                        </a:solidFill>
+                        <a:latin typeface="Calibri" panose="020F0502020204030204" pitchFamily="34" charset="0"/>
+                        <a:ea typeface="Calibri"/>
+                        <a:cs typeface="Calibri" panose="020F0502020204030204" pitchFamily="34" charset="0"/>
+                        <a:sym typeface="Calibri"/>
+                      </a:endParaRPr>
+                    </a:p>
+                    <a:p>
+                      <a:pPr marL="285750" marR="0" lvl="0" indent="-285750" algn="l" rtl="0">
+                        <a:spcBef>
+                          <a:spcPts val="0"/>
+                        </a:spcBef>
+                        <a:spcAft>
+                          <a:spcPts val="0"/>
+                        </a:spcAft>
+                        <a:buFont typeface="Arial" panose="020B0604020202020204" pitchFamily="34" charset="0"/>
+                        <a:buChar char="•"/>
+                      </a:pPr>
+                      <a:endParaRPr lang="en-IN" sz="1400" baseline="0" dirty="0" smtClean="0">
+                        <a:solidFill>
+                          <a:schemeClr val="dk1"/>
+                        </a:solidFill>
+                        <a:latin typeface="Calibri" panose="020F0502020204030204" pitchFamily="34" charset="0"/>
+                        <a:ea typeface="Calibri"/>
+                        <a:cs typeface="Calibri" panose="020F0502020204030204" pitchFamily="34" charset="0"/>
+                        <a:sym typeface="Calibri"/>
+                      </a:endParaRPr>
+                    </a:p>
+                    <a:p>
+                      <a:pPr marL="285750" marR="0" lvl="0" indent="-285750" algn="l" rtl="0">
+                        <a:spcBef>
+                          <a:spcPts val="0"/>
+                        </a:spcBef>
+                        <a:spcAft>
+                          <a:spcPts val="0"/>
+                        </a:spcAft>
+                        <a:buFont typeface="Arial" panose="020B0604020202020204" pitchFamily="34" charset="0"/>
+                        <a:buChar char="•"/>
+                      </a:pPr>
+                      <a:endParaRPr lang="en-IN" sz="1400" baseline="0" dirty="0">
+                        <a:solidFill>
+                          <a:schemeClr val="dk1"/>
+                        </a:solidFill>
+                        <a:latin typeface="Calibri" panose="020F0502020204030204" pitchFamily="34" charset="0"/>
+                        <a:ea typeface="Calibri"/>
+                        <a:cs typeface="Calibri" panose="020F0502020204030204" pitchFamily="34" charset="0"/>
+                        <a:sym typeface="Calibri"/>
+                      </a:endParaRPr>
+                    </a:p>
+                  </a:txBody>
+                  <a:tcPr marL="91450" marR="91450" marT="45725" marB="45725">
+                    <a:lnL w="12700" cap="flat" cmpd="sng" algn="ctr">
+                      <a:solidFill>
+                        <a:schemeClr val="lt1"/>
+                      </a:solidFill>
+                      <a:prstDash val="solid"/>
+                      <a:round/>
+                      <a:headEnd type="none" w="sm" len="sm"/>
+                      <a:tailEnd type="none" w="sm" len="sm"/>
+                    </a:lnL>
+                    <a:lnR w="12700" cap="flat" cmpd="sng" algn="ctr">
+                      <a:solidFill>
+                        <a:schemeClr val="lt1"/>
+                      </a:solidFill>
+                      <a:prstDash val="solid"/>
+                      <a:round/>
+                      <a:headEnd type="none" w="sm" len="sm"/>
+                      <a:tailEnd type="none" w="sm" len="sm"/>
+                    </a:lnR>
+                    <a:lnT w="38100" cap="flat" cmpd="sng">
+                      <a:solidFill>
+                        <a:schemeClr val="lt1"/>
+                      </a:solidFill>
+                      <a:prstDash val="solid"/>
+                      <a:round/>
+                      <a:headEnd type="none" w="sm" len="sm"/>
+                      <a:tailEnd type="none" w="sm" len="sm"/>
+                    </a:lnT>
+                    <a:lnB w="38100" cap="flat" cmpd="sng" algn="ctr">
+                      <a:solidFill>
+                        <a:schemeClr val="lt1"/>
+                      </a:solidFill>
+                      <a:prstDash val="solid"/>
+                      <a:round/>
+                      <a:headEnd type="none" w="sm" len="sm"/>
+                      <a:tailEnd type="none" w="sm" len="sm"/>
+                    </a:lnB>
+                    <a:solidFill>
+                      <a:srgbClr val="D0D8E8"/>
+                    </a:solidFill>
+                  </a:tcPr>
+                </a:tc>
+                <a:tc>
+                  <a:txBody>
+                    <a:bodyPr/>
+                    <a:lstStyle/>
+                    <a:p>
+                      <a:pPr marL="0" marR="0" lvl="0" indent="0" algn="l" rtl="0">
+                        <a:spcBef>
+                          <a:spcPts val="0"/>
+                        </a:spcBef>
+                        <a:spcAft>
+                          <a:spcPts val="0"/>
+                        </a:spcAft>
+                        <a:buFont typeface="Arial" panose="020B0604020202020204" pitchFamily="34" charset="0"/>
+                        <a:buNone/>
+                      </a:pPr>
+                      <a:r>
+                        <a:rPr lang="en-IN" sz="1400" baseline="0" dirty="0" smtClean="0">
+                          <a:solidFill>
+                            <a:schemeClr val="dk1"/>
+                          </a:solidFill>
+                          <a:latin typeface="Calibri" panose="020F0502020204030204" pitchFamily="34" charset="0"/>
+                          <a:ea typeface="Calibri"/>
+                          <a:cs typeface="Calibri" panose="020F0502020204030204" pitchFamily="34" charset="0"/>
+                          <a:sym typeface="Calibri"/>
+                        </a:rPr>
+                        <a:t>Q1</a:t>
+                      </a:r>
+                      <a:endParaRPr lang="en-IN" sz="1400" baseline="0" dirty="0">
+                        <a:solidFill>
+                          <a:schemeClr val="dk1"/>
+                        </a:solidFill>
+                        <a:latin typeface="Calibri" panose="020F0502020204030204" pitchFamily="34" charset="0"/>
+                        <a:ea typeface="Calibri"/>
+                        <a:cs typeface="Calibri" panose="020F0502020204030204" pitchFamily="34" charset="0"/>
+                        <a:sym typeface="Calibri"/>
+                      </a:endParaRPr>
+                    </a:p>
+                  </a:txBody>
+                  <a:tcPr marL="91450" marR="91450" marT="45725" marB="45725">
+                    <a:lnL w="12700" cap="flat" cmpd="sng" algn="ctr">
+                      <a:solidFill>
+                        <a:schemeClr val="lt1"/>
+                      </a:solidFill>
+                      <a:prstDash val="solid"/>
+                      <a:round/>
+                      <a:headEnd type="none" w="sm" len="sm"/>
+                      <a:tailEnd type="none" w="sm" len="sm"/>
+                    </a:lnL>
+                    <a:lnR w="12700" cap="flat" cmpd="sng">
+                      <a:solidFill>
+                        <a:schemeClr val="lt1"/>
+                      </a:solidFill>
+                      <a:prstDash val="solid"/>
+                      <a:round/>
+                      <a:headEnd type="none" w="sm" len="sm"/>
+                      <a:tailEnd type="none" w="sm" len="sm"/>
+                    </a:lnR>
+                    <a:lnT w="38100" cap="flat" cmpd="sng">
+                      <a:solidFill>
+                        <a:schemeClr val="lt1"/>
+                      </a:solidFill>
+                      <a:prstDash val="solid"/>
+                      <a:round/>
+                      <a:headEnd type="none" w="sm" len="sm"/>
+                      <a:tailEnd type="none" w="sm" len="sm"/>
+                    </a:lnT>
+                    <a:lnB w="38100" cap="flat" cmpd="sng" algn="ctr">
+                      <a:solidFill>
+                        <a:schemeClr val="lt1"/>
+                      </a:solidFill>
+                      <a:prstDash val="solid"/>
+                      <a:round/>
+                      <a:headEnd type="none" w="sm" len="sm"/>
+                      <a:tailEnd type="none" w="sm" len="sm"/>
+                    </a:lnB>
+                    <a:solidFill>
+                      <a:srgbClr val="D0D8E8"/>
+                    </a:solidFill>
+                  </a:tcPr>
+                </a:tc>
+                <a:extLst>
+                  <a:ext uri="{0D108BD9-81ED-4DB2-BD59-A6C34878D82A}">
+                    <a16:rowId xmlns:a16="http://schemas.microsoft.com/office/drawing/2014/main" val="824336535"/>
+                  </a:ext>
+                </a:extLst>
+              </a:tr>
+              <a:tr h="1252644">
+                <a:tc>
+                  <a:txBody>
+                    <a:bodyPr/>
+                    <a:lstStyle/>
+                    <a:p>
+                      <a:pPr marL="0" marR="0" lvl="0" indent="0" algn="l" rtl="0">
+                        <a:spcBef>
+                          <a:spcPts val="0"/>
+                        </a:spcBef>
+                        <a:spcAft>
+                          <a:spcPts val="0"/>
+                        </a:spcAft>
+                        <a:buNone/>
+                      </a:pPr>
+                      <a:r>
+                        <a:rPr lang="en-US" sz="1400" dirty="0" smtClean="0">
+                          <a:solidFill>
+                            <a:schemeClr val="dk1"/>
+                          </a:solidFill>
+                          <a:latin typeface="Calibri" panose="020F0502020204030204" pitchFamily="34" charset="0"/>
+                          <a:ea typeface="Calibri"/>
+                          <a:cs typeface="Calibri" panose="020F0502020204030204" pitchFamily="34" charset="0"/>
+                          <a:sym typeface="Calibri"/>
+                        </a:rPr>
+                        <a:t>Accurate Fish Detection under Marine Background Noise Based on the </a:t>
+                      </a:r>
+                      <a:r>
+                        <a:rPr lang="en-US" sz="1400" dirty="0" err="1" smtClean="0">
+                          <a:solidFill>
+                            <a:schemeClr val="dk1"/>
+                          </a:solidFill>
+                          <a:latin typeface="Calibri" panose="020F0502020204030204" pitchFamily="34" charset="0"/>
+                          <a:ea typeface="Calibri"/>
+                          <a:cs typeface="Calibri" panose="020F0502020204030204" pitchFamily="34" charset="0"/>
+                          <a:sym typeface="Calibri"/>
+                        </a:rPr>
+                        <a:t>Retinex</a:t>
+                      </a:r>
+                      <a:r>
+                        <a:rPr lang="en-US" sz="1400" dirty="0" smtClean="0">
+                          <a:solidFill>
+                            <a:schemeClr val="dk1"/>
+                          </a:solidFill>
+                          <a:latin typeface="Calibri" panose="020F0502020204030204" pitchFamily="34" charset="0"/>
+                          <a:ea typeface="Calibri"/>
+                          <a:cs typeface="Calibri" panose="020F0502020204030204" pitchFamily="34" charset="0"/>
+                          <a:sym typeface="Calibri"/>
+                        </a:rPr>
+                        <a:t> Enhancement Algorithm and CNN</a:t>
+                      </a:r>
+                      <a:endParaRPr lang="en-IN" sz="1400" dirty="0" smtClean="0">
+                        <a:solidFill>
+                          <a:schemeClr val="dk1"/>
+                        </a:solidFill>
+                        <a:latin typeface="Calibri" panose="020F0502020204030204" pitchFamily="34" charset="0"/>
+                        <a:ea typeface="Calibri"/>
+                        <a:cs typeface="Calibri" panose="020F0502020204030204" pitchFamily="34" charset="0"/>
+                        <a:sym typeface="Calibri"/>
+                      </a:endParaRPr>
+                    </a:p>
+                  </a:txBody>
+                  <a:tcPr marL="91450" marR="91450" marT="45725" marB="45725">
+                    <a:lnL w="12700" cap="flat" cmpd="sng">
+                      <a:solidFill>
+                        <a:schemeClr val="lt1"/>
+                      </a:solidFill>
+                      <a:prstDash val="solid"/>
+                      <a:round/>
+                      <a:headEnd type="none" w="sm" len="sm"/>
+                      <a:tailEnd type="none" w="sm" len="sm"/>
+                    </a:lnL>
+                    <a:lnR w="12700" cap="flat" cmpd="sng" algn="ctr">
+                      <a:solidFill>
+                        <a:schemeClr val="lt1"/>
+                      </a:solidFill>
+                      <a:prstDash val="solid"/>
+                      <a:round/>
+                      <a:headEnd type="none" w="sm" len="sm"/>
+                      <a:tailEnd type="none" w="sm" len="sm"/>
+                    </a:lnR>
+                    <a:lnT w="38100" cap="flat" cmpd="sng">
+                      <a:solidFill>
+                        <a:schemeClr val="lt1"/>
+                      </a:solidFill>
+                      <a:prstDash val="solid"/>
+                      <a:round/>
+                      <a:headEnd type="none" w="sm" len="sm"/>
+                      <a:tailEnd type="none" w="sm" len="sm"/>
+                    </a:lnT>
+                    <a:lnB w="38100" cap="flat" cmpd="sng" algn="ctr">
+                      <a:solidFill>
+                        <a:schemeClr val="lt1"/>
+                      </a:solidFill>
+                      <a:prstDash val="solid"/>
+                      <a:round/>
+                      <a:headEnd type="none" w="sm" len="sm"/>
+                      <a:tailEnd type="none" w="sm" len="sm"/>
+                    </a:lnB>
+                    <a:solidFill>
+                      <a:srgbClr val="D0D8E8"/>
+                    </a:solidFill>
+                  </a:tcPr>
+                </a:tc>
+                <a:tc>
+                  <a:txBody>
+                    <a:bodyPr/>
+                    <a:lstStyle/>
+                    <a:p>
+                      <a:pPr marL="0" marR="0" lvl="0" indent="0" algn="l" rtl="0">
+                        <a:spcBef>
+                          <a:spcPts val="0"/>
+                        </a:spcBef>
+                        <a:spcAft>
+                          <a:spcPts val="0"/>
+                        </a:spcAft>
+                        <a:buNone/>
+                      </a:pPr>
+                      <a:r>
+                        <a:rPr lang="en-IN" sz="1400" dirty="0" smtClean="0">
+                          <a:solidFill>
+                            <a:schemeClr val="dk1"/>
+                          </a:solidFill>
+                          <a:latin typeface="Calibri" panose="020F0502020204030204" pitchFamily="34" charset="0"/>
+                          <a:ea typeface="Calibri"/>
+                          <a:cs typeface="Calibri" panose="020F0502020204030204" pitchFamily="34" charset="0"/>
+                          <a:sym typeface="Calibri"/>
+                        </a:rPr>
+                        <a:t>Journal of Marine Science and Engineering, 2022</a:t>
+                      </a:r>
+                      <a:endParaRPr sz="1400" dirty="0">
+                        <a:solidFill>
+                          <a:schemeClr val="dk1"/>
+                        </a:solidFill>
+                        <a:latin typeface="Calibri" panose="020F0502020204030204" pitchFamily="34" charset="0"/>
+                        <a:ea typeface="Calibri"/>
+                        <a:cs typeface="Calibri" panose="020F0502020204030204" pitchFamily="34" charset="0"/>
+                        <a:sym typeface="Calibri"/>
+                      </a:endParaRPr>
+                    </a:p>
+                  </a:txBody>
+                  <a:tcPr marL="91450" marR="91450" marT="45725" marB="45725">
+                    <a:lnL w="12700" cap="flat" cmpd="sng" algn="ctr">
+                      <a:solidFill>
+                        <a:schemeClr val="lt1"/>
+                      </a:solidFill>
+                      <a:prstDash val="solid"/>
+                      <a:round/>
+                      <a:headEnd type="none" w="sm" len="sm"/>
+                      <a:tailEnd type="none" w="sm" len="sm"/>
+                    </a:lnL>
+                    <a:lnR w="12700" cap="flat" cmpd="sng" algn="ctr">
+                      <a:solidFill>
+                        <a:schemeClr val="lt1"/>
+                      </a:solidFill>
+                      <a:prstDash val="solid"/>
+                      <a:round/>
+                      <a:headEnd type="none" w="sm" len="sm"/>
+                      <a:tailEnd type="none" w="sm" len="sm"/>
+                    </a:lnR>
+                    <a:lnT w="38100" cap="flat" cmpd="sng">
+                      <a:solidFill>
+                        <a:schemeClr val="lt1"/>
+                      </a:solidFill>
+                      <a:prstDash val="solid"/>
+                      <a:round/>
+                      <a:headEnd type="none" w="sm" len="sm"/>
+                      <a:tailEnd type="none" w="sm" len="sm"/>
+                    </a:lnT>
+                    <a:lnB w="38100" cap="flat" cmpd="sng" algn="ctr">
+                      <a:solidFill>
+                        <a:schemeClr val="lt1"/>
+                      </a:solidFill>
+                      <a:prstDash val="solid"/>
+                      <a:round/>
+                      <a:headEnd type="none" w="sm" len="sm"/>
+                      <a:tailEnd type="none" w="sm" len="sm"/>
+                    </a:lnB>
+                    <a:solidFill>
+                      <a:srgbClr val="D0D8E8"/>
+                    </a:solidFill>
+                  </a:tcPr>
+                </a:tc>
+                <a:tc>
+                  <a:txBody>
+                    <a:bodyPr/>
+                    <a:lstStyle/>
+                    <a:p>
+                      <a:pPr marL="285750" marR="0" lvl="0" indent="-285750" algn="l" rtl="0">
+                        <a:spcBef>
+                          <a:spcPts val="0"/>
+                        </a:spcBef>
+                        <a:spcAft>
+                          <a:spcPts val="0"/>
+                        </a:spcAft>
+                        <a:buFont typeface="Arial" panose="020B0604020202020204" pitchFamily="34" charset="0"/>
+                        <a:buChar char="•"/>
+                      </a:pPr>
+                      <a:r>
+                        <a:rPr lang="en-IN" sz="1400" dirty="0" smtClean="0">
+                          <a:solidFill>
+                            <a:schemeClr val="dk1"/>
+                          </a:solidFill>
+                          <a:latin typeface="Calibri" panose="020F0502020204030204" pitchFamily="34" charset="0"/>
+                          <a:ea typeface="Calibri"/>
+                          <a:cs typeface="Calibri" panose="020F0502020204030204" pitchFamily="34" charset="0"/>
+                          <a:sym typeface="Calibri"/>
+                        </a:rPr>
+                        <a:t>Dataset used – </a:t>
+                      </a:r>
+                      <a:r>
+                        <a:rPr lang="en-IN" sz="1400" dirty="0" err="1" smtClean="0">
+                          <a:solidFill>
+                            <a:schemeClr val="dk1"/>
+                          </a:solidFill>
+                          <a:latin typeface="Calibri" panose="020F0502020204030204" pitchFamily="34" charset="0"/>
+                          <a:ea typeface="Calibri"/>
+                          <a:cs typeface="Calibri" panose="020F0502020204030204" pitchFamily="34" charset="0"/>
+                          <a:sym typeface="Calibri"/>
+                        </a:rPr>
+                        <a:t>LIFEClef</a:t>
+                      </a:r>
+                      <a:r>
+                        <a:rPr lang="en-IN" sz="1400" dirty="0" smtClean="0">
+                          <a:solidFill>
+                            <a:schemeClr val="dk1"/>
+                          </a:solidFill>
+                          <a:latin typeface="Calibri" panose="020F0502020204030204" pitchFamily="34" charset="0"/>
+                          <a:ea typeface="Calibri"/>
+                          <a:cs typeface="Calibri" panose="020F0502020204030204" pitchFamily="34" charset="0"/>
+                          <a:sym typeface="Calibri"/>
+                        </a:rPr>
+                        <a:t> dataset</a:t>
+                      </a:r>
+                    </a:p>
+                    <a:p>
+                      <a:pPr marL="285750" marR="0" lvl="0" indent="-285750" algn="l" rtl="0">
+                        <a:spcBef>
+                          <a:spcPts val="0"/>
+                        </a:spcBef>
+                        <a:spcAft>
+                          <a:spcPts val="0"/>
+                        </a:spcAft>
+                        <a:buFont typeface="Arial" panose="020B0604020202020204" pitchFamily="34" charset="0"/>
+                        <a:buChar char="•"/>
+                      </a:pPr>
+                      <a:r>
+                        <a:rPr lang="en-IN" sz="1400" dirty="0" smtClean="0">
+                          <a:solidFill>
+                            <a:schemeClr val="dk1"/>
+                          </a:solidFill>
+                          <a:latin typeface="Calibri" panose="020F0502020204030204" pitchFamily="34" charset="0"/>
+                          <a:ea typeface="Calibri"/>
+                          <a:cs typeface="Calibri" panose="020F0502020204030204" pitchFamily="34" charset="0"/>
+                          <a:sym typeface="Calibri"/>
+                        </a:rPr>
+                        <a:t>Proposed</a:t>
+                      </a:r>
+                      <a:r>
+                        <a:rPr lang="en-IN" sz="1400" baseline="0" dirty="0" smtClean="0">
+                          <a:solidFill>
+                            <a:schemeClr val="dk1"/>
+                          </a:solidFill>
+                          <a:latin typeface="Calibri" panose="020F0502020204030204" pitchFamily="34" charset="0"/>
+                          <a:ea typeface="Calibri"/>
+                          <a:cs typeface="Calibri" panose="020F0502020204030204" pitchFamily="34" charset="0"/>
+                          <a:sym typeface="Calibri"/>
+                        </a:rPr>
+                        <a:t> model – MSR-CNN model</a:t>
+                      </a:r>
+                    </a:p>
+                    <a:p>
+                      <a:pPr marL="285750" marR="0" lvl="0" indent="-285750" algn="l" rtl="0">
+                        <a:spcBef>
+                          <a:spcPts val="0"/>
+                        </a:spcBef>
+                        <a:spcAft>
+                          <a:spcPts val="0"/>
+                        </a:spcAft>
+                        <a:buFont typeface="Arial" panose="020B0604020202020204" pitchFamily="34" charset="0"/>
+                        <a:buChar char="•"/>
+                      </a:pPr>
+                      <a:r>
+                        <a:rPr lang="en-IN" sz="1400" baseline="0" dirty="0" smtClean="0">
+                          <a:solidFill>
+                            <a:schemeClr val="dk1"/>
+                          </a:solidFill>
+                          <a:latin typeface="Calibri" panose="020F0502020204030204" pitchFamily="34" charset="0"/>
+                          <a:ea typeface="Calibri"/>
+                          <a:cs typeface="Calibri" panose="020F0502020204030204" pitchFamily="34" charset="0"/>
+                          <a:sym typeface="Calibri"/>
+                        </a:rPr>
+                        <a:t>Performs significantly better than other baseline models like RCNN, Fast-RCNN, Yolov3</a:t>
+                      </a:r>
+                    </a:p>
+                    <a:p>
+                      <a:pPr marL="285750" marR="0" lvl="0" indent="-285750" algn="l" rtl="0">
+                        <a:spcBef>
+                          <a:spcPts val="0"/>
+                        </a:spcBef>
+                        <a:spcAft>
+                          <a:spcPts val="0"/>
+                        </a:spcAft>
+                        <a:buFont typeface="Arial" panose="020B0604020202020204" pitchFamily="34" charset="0"/>
+                        <a:buChar char="•"/>
+                      </a:pPr>
+                      <a:r>
+                        <a:rPr lang="en-IN" sz="1400" baseline="0" dirty="0" err="1" smtClean="0">
+                          <a:solidFill>
+                            <a:schemeClr val="dk1"/>
+                          </a:solidFill>
+                          <a:latin typeface="Calibri" panose="020F0502020204030204" pitchFamily="34" charset="0"/>
+                          <a:ea typeface="Calibri"/>
+                          <a:cs typeface="Calibri" panose="020F0502020204030204" pitchFamily="34" charset="0"/>
+                          <a:sym typeface="Calibri"/>
+                        </a:rPr>
+                        <a:t>mAp</a:t>
+                      </a:r>
+                      <a:r>
+                        <a:rPr lang="en-IN" sz="1400" baseline="0" dirty="0" smtClean="0">
+                          <a:solidFill>
+                            <a:schemeClr val="dk1"/>
+                          </a:solidFill>
+                          <a:latin typeface="Calibri" panose="020F0502020204030204" pitchFamily="34" charset="0"/>
+                          <a:ea typeface="Calibri"/>
+                          <a:cs typeface="Calibri" panose="020F0502020204030204" pitchFamily="34" charset="0"/>
+                          <a:sym typeface="Calibri"/>
+                        </a:rPr>
+                        <a:t> of proposed model – 78.31</a:t>
+                      </a:r>
+                      <a:endParaRPr sz="1400" dirty="0">
+                        <a:solidFill>
+                          <a:schemeClr val="dk1"/>
+                        </a:solidFill>
+                        <a:latin typeface="Calibri" panose="020F0502020204030204" pitchFamily="34" charset="0"/>
+                        <a:ea typeface="Calibri"/>
+                        <a:cs typeface="Calibri" panose="020F0502020204030204" pitchFamily="34" charset="0"/>
+                        <a:sym typeface="Calibri"/>
+                      </a:endParaRPr>
+                    </a:p>
+                  </a:txBody>
+                  <a:tcPr marL="91450" marR="91450" marT="45725" marB="45725">
+                    <a:lnL w="12700" cap="flat" cmpd="sng" algn="ctr">
+                      <a:solidFill>
+                        <a:schemeClr val="lt1"/>
+                      </a:solidFill>
+                      <a:prstDash val="solid"/>
+                      <a:round/>
+                      <a:headEnd type="none" w="sm" len="sm"/>
+                      <a:tailEnd type="none" w="sm" len="sm"/>
+                    </a:lnL>
+                    <a:lnR w="12700" cap="flat" cmpd="sng" algn="ctr">
+                      <a:solidFill>
+                        <a:schemeClr val="lt1"/>
+                      </a:solidFill>
+                      <a:prstDash val="solid"/>
+                      <a:round/>
+                      <a:headEnd type="none" w="sm" len="sm"/>
+                      <a:tailEnd type="none" w="sm" len="sm"/>
+                    </a:lnR>
+                    <a:lnT w="38100" cap="flat" cmpd="sng" algn="ctr">
+                      <a:solidFill>
+                        <a:schemeClr val="lt1"/>
+                      </a:solidFill>
+                      <a:prstDash val="solid"/>
+                      <a:round/>
+                      <a:headEnd type="none" w="sm" len="sm"/>
+                      <a:tailEnd type="none" w="sm" len="sm"/>
+                    </a:lnT>
+                    <a:lnB w="38100" cap="flat" cmpd="sng" algn="ctr">
+                      <a:solidFill>
+                        <a:schemeClr val="lt1"/>
+                      </a:solidFill>
+                      <a:prstDash val="solid"/>
+                      <a:round/>
+                      <a:headEnd type="none" w="sm" len="sm"/>
+                      <a:tailEnd type="none" w="sm" len="sm"/>
+                    </a:lnB>
+                    <a:solidFill>
+                      <a:srgbClr val="D0D8E8"/>
+                    </a:solidFill>
+                  </a:tcPr>
+                </a:tc>
+                <a:tc>
+                  <a:txBody>
+                    <a:bodyPr/>
+                    <a:lstStyle/>
+                    <a:p>
+                      <a:pPr marL="0" marR="0" lvl="0" indent="0" algn="l" rtl="0">
+                        <a:spcBef>
+                          <a:spcPts val="0"/>
+                        </a:spcBef>
+                        <a:spcAft>
+                          <a:spcPts val="0"/>
+                        </a:spcAft>
+                        <a:buFont typeface="Arial" panose="020B0604020202020204" pitchFamily="34" charset="0"/>
+                        <a:buNone/>
+                      </a:pPr>
+                      <a:r>
+                        <a:rPr lang="en-IN" sz="1400" dirty="0" smtClean="0">
+                          <a:solidFill>
+                            <a:schemeClr val="dk1"/>
+                          </a:solidFill>
+                          <a:latin typeface="Calibri" panose="020F0502020204030204" pitchFamily="34" charset="0"/>
+                          <a:ea typeface="Calibri"/>
+                          <a:cs typeface="Calibri" panose="020F0502020204030204" pitchFamily="34" charset="0"/>
+                          <a:sym typeface="Calibri"/>
+                        </a:rPr>
+                        <a:t>Q2</a:t>
+                      </a:r>
+                      <a:endParaRPr sz="1400" dirty="0">
+                        <a:solidFill>
+                          <a:schemeClr val="dk1"/>
+                        </a:solidFill>
+                        <a:latin typeface="Calibri" panose="020F0502020204030204" pitchFamily="34" charset="0"/>
+                        <a:ea typeface="Calibri"/>
+                        <a:cs typeface="Calibri" panose="020F0502020204030204" pitchFamily="34" charset="0"/>
+                        <a:sym typeface="Calibri"/>
+                      </a:endParaRPr>
+                    </a:p>
+                  </a:txBody>
+                  <a:tcPr marL="91450" marR="91450" marT="45725" marB="45725">
+                    <a:lnL w="12700" cap="flat" cmpd="sng" algn="ctr">
+                      <a:solidFill>
+                        <a:schemeClr val="lt1"/>
+                      </a:solidFill>
+                      <a:prstDash val="solid"/>
+                      <a:round/>
+                      <a:headEnd type="none" w="sm" len="sm"/>
+                      <a:tailEnd type="none" w="sm" len="sm"/>
+                    </a:lnL>
+                    <a:lnR w="12700" cap="flat" cmpd="sng">
+                      <a:solidFill>
+                        <a:schemeClr val="lt1"/>
+                      </a:solidFill>
+                      <a:prstDash val="solid"/>
+                      <a:round/>
+                      <a:headEnd type="none" w="sm" len="sm"/>
+                      <a:tailEnd type="none" w="sm" len="sm"/>
+                    </a:lnR>
+                    <a:lnT w="38100" cap="flat" cmpd="sng" algn="ctr">
+                      <a:solidFill>
+                        <a:schemeClr val="lt1"/>
+                      </a:solidFill>
+                      <a:prstDash val="solid"/>
+                      <a:round/>
+                      <a:headEnd type="none" w="sm" len="sm"/>
+                      <a:tailEnd type="none" w="sm" len="sm"/>
+                    </a:lnT>
+                    <a:lnB w="38100" cap="flat" cmpd="sng" algn="ctr">
+                      <a:solidFill>
+                        <a:schemeClr val="lt1"/>
+                      </a:solidFill>
+                      <a:prstDash val="solid"/>
+                      <a:round/>
+                      <a:headEnd type="none" w="sm" len="sm"/>
+                      <a:tailEnd type="none" w="sm" len="sm"/>
+                    </a:lnB>
+                    <a:solidFill>
+                      <a:srgbClr val="D0D8E8"/>
+                    </a:solidFill>
+                  </a:tcPr>
+                </a:tc>
+                <a:extLst>
+                  <a:ext uri="{0D108BD9-81ED-4DB2-BD59-A6C34878D82A}">
+                    <a16:rowId xmlns:a16="http://schemas.microsoft.com/office/drawing/2014/main" val="2613239818"/>
+                  </a:ext>
+                </a:extLst>
+              </a:tr>
+              <a:tr h="2349428">
+                <a:tc>
+                  <a:txBody>
+                    <a:bodyPr/>
+                    <a:lstStyle/>
+                    <a:p>
+                      <a:r>
+                        <a:rPr lang="en-US" sz="1400" b="0" i="0" u="none" strike="noStrike" cap="none" baseline="0" dirty="0" smtClean="0">
+                          <a:solidFill>
+                            <a:srgbClr val="000000"/>
+                          </a:solidFill>
+                          <a:latin typeface="Calibri" panose="020F0502020204030204" pitchFamily="34" charset="0"/>
+                          <a:ea typeface="Arial"/>
+                          <a:cs typeface="Calibri" panose="020F0502020204030204" pitchFamily="34" charset="0"/>
+                          <a:sym typeface="Arial"/>
+                        </a:rPr>
+                        <a:t>Deep neural network-based real time fish detection method in the scene of marine fishing supervision</a:t>
+                      </a:r>
+                      <a:endParaRPr lang="en-IN" sz="1400" dirty="0" smtClean="0">
+                        <a:solidFill>
+                          <a:schemeClr val="dk1"/>
+                        </a:solidFill>
+                        <a:latin typeface="Calibri" panose="020F0502020204030204" pitchFamily="34" charset="0"/>
+                        <a:ea typeface="Calibri"/>
+                        <a:cs typeface="Calibri" panose="020F0502020204030204" pitchFamily="34" charset="0"/>
+                        <a:sym typeface="Calibri"/>
+                      </a:endParaRPr>
+                    </a:p>
+                  </a:txBody>
+                  <a:tcPr marL="91450" marR="91450" marT="45725" marB="45725">
+                    <a:lnL w="12700" cap="flat" cmpd="sng">
+                      <a:solidFill>
+                        <a:schemeClr val="lt1"/>
+                      </a:solidFill>
+                      <a:prstDash val="solid"/>
+                      <a:round/>
+                      <a:headEnd type="none" w="sm" len="sm"/>
+                      <a:tailEnd type="none" w="sm" len="sm"/>
+                    </a:lnL>
+                    <a:lnR w="12700" cap="flat" cmpd="sng" algn="ctr">
                       <a:solidFill>
                         <a:schemeClr val="lt1"/>
                       </a:solidFill>
@@ -17808,19 +21457,43 @@
                         </a:spcAft>
                         <a:buNone/>
                       </a:pPr>
-                      <a:endParaRPr sz="1800">
+                      <a:r>
+                        <a:rPr lang="en-IN" sz="1400" dirty="0" smtClean="0">
+                          <a:solidFill>
+                            <a:schemeClr val="dk1"/>
+                          </a:solidFill>
+                          <a:latin typeface="Calibri" panose="020F0502020204030204" pitchFamily="34" charset="0"/>
+                          <a:ea typeface="Calibri"/>
+                          <a:cs typeface="Calibri" panose="020F0502020204030204" pitchFamily="34" charset="0"/>
+                          <a:sym typeface="Calibri"/>
+                        </a:rPr>
+                        <a:t>Journal of Intelligent and Fuzzy systems,</a:t>
+                      </a:r>
+                      <a:r>
+                        <a:rPr lang="en-IN" sz="1400" baseline="0" dirty="0" smtClean="0">
+                          <a:solidFill>
+                            <a:schemeClr val="dk1"/>
+                          </a:solidFill>
+                          <a:latin typeface="Calibri" panose="020F0502020204030204" pitchFamily="34" charset="0"/>
+                          <a:ea typeface="Calibri"/>
+                          <a:cs typeface="Calibri" panose="020F0502020204030204" pitchFamily="34" charset="0"/>
+                          <a:sym typeface="Calibri"/>
+                        </a:rPr>
+                        <a:t> 2021</a:t>
+                      </a:r>
+                      <a:endParaRPr sz="1400" dirty="0">
                         <a:solidFill>
                           <a:schemeClr val="dk1"/>
                         </a:solidFill>
-                        <a:latin typeface="Calibri"/>
+                        <a:latin typeface="Calibri" panose="020F0502020204030204" pitchFamily="34" charset="0"/>
                         <a:ea typeface="Calibri"/>
-                        <a:cs typeface="Calibri"/>
+                        <a:cs typeface="Calibri" panose="020F0502020204030204" pitchFamily="34" charset="0"/>
                         <a:sym typeface="Calibri"/>
                       </a:endParaRPr>
                     </a:p>
                   </a:txBody>
                   <a:tcPr marL="91450" marR="91450" marT="45725" marB="45725">
-                    <a:lnL w="12700" cap="flat" cmpd="sng">
+                    <a:lnL w="12700" cap="flat" cmpd="sng" algn="ctr">
                       <a:solidFill>
                         <a:schemeClr val="lt1"/>
                       </a:solidFill>
@@ -17829,7 +21502,7 @@
                       <a:headEnd type="none" w="sm" len="sm"/>
                       <a:tailEnd type="none" w="sm" len="sm"/>
                     </a:lnL>
-                    <a:lnR w="12700" cap="flat" cmpd="sng">
+                    <a:lnR w="12700" cap="flat" cmpd="sng" algn="ctr">
                       <a:solidFill>
                         <a:schemeClr val="lt1"/>
                       </a:solidFill>
@@ -17866,28 +21539,203 @@
                     <a:bodyPr/>
                     <a:lstStyle/>
                     <a:p>
-                      <a:pPr marL="0" marR="0" lvl="0" indent="0" algn="l" rtl="0">
+                      <a:pPr marL="285750" marR="0" lvl="0" indent="-285750" algn="l" rtl="0">
                         <a:spcBef>
                           <a:spcPts val="0"/>
                         </a:spcBef>
                         <a:spcAft>
                           <a:spcPts val="0"/>
                         </a:spcAft>
-                        <a:buNone/>
+                        <a:buFont typeface="Arial" panose="020B0604020202020204" pitchFamily="34" charset="0"/>
+                        <a:buChar char="•"/>
                       </a:pPr>
-                      <a:endParaRPr sz="1800">
+                      <a:r>
+                        <a:rPr lang="en-IN" sz="1400" dirty="0" smtClean="0">
+                          <a:solidFill>
+                            <a:schemeClr val="dk1"/>
+                          </a:solidFill>
+                          <a:latin typeface="Calibri" panose="020F0502020204030204" pitchFamily="34" charset="0"/>
+                          <a:ea typeface="Calibri"/>
+                          <a:cs typeface="Calibri" panose="020F0502020204030204" pitchFamily="34" charset="0"/>
+                          <a:sym typeface="Calibri"/>
+                        </a:rPr>
+                        <a:t>Proposed</a:t>
+                      </a:r>
+                      <a:r>
+                        <a:rPr lang="en-IN" sz="1400" baseline="0" dirty="0" smtClean="0">
+                          <a:solidFill>
+                            <a:schemeClr val="dk1"/>
+                          </a:solidFill>
+                          <a:latin typeface="Calibri" panose="020F0502020204030204" pitchFamily="34" charset="0"/>
+                          <a:ea typeface="Calibri"/>
+                          <a:cs typeface="Calibri" panose="020F0502020204030204" pitchFamily="34" charset="0"/>
+                          <a:sym typeface="Calibri"/>
+                        </a:rPr>
+                        <a:t> model </a:t>
+                      </a:r>
+                      <a:r>
+                        <a:rPr lang="en-IN" sz="1400" dirty="0" smtClean="0">
+                          <a:solidFill>
+                            <a:schemeClr val="dk1"/>
+                          </a:solidFill>
+                          <a:latin typeface="Calibri" panose="020F0502020204030204" pitchFamily="34" charset="0"/>
+                          <a:ea typeface="Calibri"/>
+                          <a:cs typeface="Calibri" panose="020F0502020204030204" pitchFamily="34" charset="0"/>
+                          <a:sym typeface="Calibri"/>
+                        </a:rPr>
+                        <a:t>– Yolov3-tiny-mobileNET</a:t>
+                      </a:r>
+                    </a:p>
+                    <a:p>
+                      <a:pPr marL="285750" marR="0" lvl="0" indent="-285750" algn="l" rtl="0">
+                        <a:spcBef>
+                          <a:spcPts val="0"/>
+                        </a:spcBef>
+                        <a:spcAft>
+                          <a:spcPts val="0"/>
+                        </a:spcAft>
+                        <a:buFont typeface="Arial" panose="020B0604020202020204" pitchFamily="34" charset="0"/>
+                        <a:buChar char="•"/>
+                      </a:pPr>
+                      <a:r>
+                        <a:rPr lang="en-IN" sz="1400" dirty="0" smtClean="0">
+                          <a:solidFill>
+                            <a:schemeClr val="dk1"/>
+                          </a:solidFill>
+                          <a:latin typeface="Calibri" panose="020F0502020204030204" pitchFamily="34" charset="0"/>
+                          <a:ea typeface="Calibri"/>
+                          <a:cs typeface="Calibri" panose="020F0502020204030204" pitchFamily="34" charset="0"/>
+                          <a:sym typeface="Calibri"/>
+                        </a:rPr>
+                        <a:t>To increase the speed of</a:t>
+                      </a:r>
+                      <a:r>
+                        <a:rPr lang="en-IN" sz="1400" baseline="0" dirty="0" smtClean="0">
+                          <a:solidFill>
+                            <a:schemeClr val="dk1"/>
+                          </a:solidFill>
+                          <a:latin typeface="Calibri" panose="020F0502020204030204" pitchFamily="34" charset="0"/>
+                          <a:ea typeface="Calibri"/>
+                          <a:cs typeface="Calibri" panose="020F0502020204030204" pitchFamily="34" charset="0"/>
+                          <a:sym typeface="Calibri"/>
+                        </a:rPr>
+                        <a:t> the algorithm in real-time object detection</a:t>
+                      </a:r>
+                    </a:p>
+                    <a:p>
+                      <a:pPr marL="285750" marR="0" lvl="0" indent="-285750" algn="l" rtl="0">
+                        <a:spcBef>
+                          <a:spcPts val="0"/>
+                        </a:spcBef>
+                        <a:spcAft>
+                          <a:spcPts val="0"/>
+                        </a:spcAft>
+                        <a:buFont typeface="Arial" panose="020B0604020202020204" pitchFamily="34" charset="0"/>
+                        <a:buChar char="•"/>
+                      </a:pPr>
+                      <a:r>
+                        <a:rPr lang="en-IN" sz="1400" baseline="0" dirty="0" smtClean="0">
+                          <a:solidFill>
+                            <a:schemeClr val="dk1"/>
+                          </a:solidFill>
+                          <a:latin typeface="Calibri" panose="020F0502020204030204" pitchFamily="34" charset="0"/>
+                          <a:ea typeface="Calibri"/>
+                          <a:cs typeface="Calibri" panose="020F0502020204030204" pitchFamily="34" charset="0"/>
+                          <a:sym typeface="Calibri"/>
+                        </a:rPr>
+                        <a:t>Dataset – NCFM dataset</a:t>
+                      </a:r>
+                    </a:p>
+                    <a:p>
+                      <a:pPr marL="285750" marR="0" lvl="0" indent="-285750" algn="l" rtl="0">
+                        <a:spcBef>
+                          <a:spcPts val="0"/>
+                        </a:spcBef>
+                        <a:spcAft>
+                          <a:spcPts val="0"/>
+                        </a:spcAft>
+                        <a:buFont typeface="Arial" panose="020B0604020202020204" pitchFamily="34" charset="0"/>
+                        <a:buChar char="•"/>
+                      </a:pPr>
+                      <a:r>
+                        <a:rPr lang="en-IN" sz="1400" baseline="0" dirty="0" smtClean="0">
+                          <a:solidFill>
+                            <a:schemeClr val="dk1"/>
+                          </a:solidFill>
+                          <a:latin typeface="Calibri" panose="020F0502020204030204" pitchFamily="34" charset="0"/>
+                          <a:ea typeface="Calibri"/>
+                          <a:cs typeface="Calibri" panose="020F0502020204030204" pitchFamily="34" charset="0"/>
+                          <a:sym typeface="Calibri"/>
+                        </a:rPr>
+                        <a:t>Missing detection or false detection can be observed in other computationally efficient yolov3 models</a:t>
+                      </a:r>
+                    </a:p>
+                    <a:p>
+                      <a:pPr marL="285750" marR="0" lvl="0" indent="-285750" algn="l" rtl="0">
+                        <a:spcBef>
+                          <a:spcPts val="0"/>
+                        </a:spcBef>
+                        <a:spcAft>
+                          <a:spcPts val="0"/>
+                        </a:spcAft>
+                        <a:buFont typeface="Arial" panose="020B0604020202020204" pitchFamily="34" charset="0"/>
+                        <a:buChar char="•"/>
+                      </a:pPr>
+                      <a:endParaRPr lang="en-IN" sz="1400" baseline="0" dirty="0" smtClean="0">
                         <a:solidFill>
                           <a:schemeClr val="dk1"/>
                         </a:solidFill>
-                        <a:latin typeface="Calibri"/>
+                        <a:latin typeface="Calibri" panose="020F0502020204030204" pitchFamily="34" charset="0"/>
                         <a:ea typeface="Calibri"/>
-                        <a:cs typeface="Calibri"/>
+                        <a:cs typeface="Calibri" panose="020F0502020204030204" pitchFamily="34" charset="0"/>
+                        <a:sym typeface="Calibri"/>
+                      </a:endParaRPr>
+                    </a:p>
+                    <a:p>
+                      <a:pPr marL="285750" marR="0" lvl="0" indent="-285750" algn="l" rtl="0">
+                        <a:spcBef>
+                          <a:spcPts val="0"/>
+                        </a:spcBef>
+                        <a:spcAft>
+                          <a:spcPts val="0"/>
+                        </a:spcAft>
+                        <a:buFont typeface="Arial" panose="020B0604020202020204" pitchFamily="34" charset="0"/>
+                        <a:buChar char="•"/>
+                      </a:pPr>
+                      <a:endParaRPr lang="en-IN" sz="1400" baseline="0" dirty="0" smtClean="0">
+                        <a:solidFill>
+                          <a:schemeClr val="dk1"/>
+                        </a:solidFill>
+                        <a:latin typeface="Calibri" panose="020F0502020204030204" pitchFamily="34" charset="0"/>
+                        <a:ea typeface="Calibri"/>
+                        <a:cs typeface="Calibri" panose="020F0502020204030204" pitchFamily="34" charset="0"/>
+                        <a:sym typeface="Calibri"/>
+                      </a:endParaRPr>
+                    </a:p>
+                    <a:p>
+                      <a:pPr marL="285750" marR="0" lvl="0" indent="-285750" algn="l" rtl="0">
+                        <a:spcBef>
+                          <a:spcPts val="0"/>
+                        </a:spcBef>
+                        <a:spcAft>
+                          <a:spcPts val="0"/>
+                        </a:spcAft>
+                        <a:buFont typeface="Arial" panose="020B0604020202020204" pitchFamily="34" charset="0"/>
+                        <a:buChar char="•"/>
+                      </a:pPr>
+                      <a:endParaRPr sz="1400" dirty="0">
+                        <a:solidFill>
+                          <a:schemeClr val="dk1"/>
+                        </a:solidFill>
+                        <a:latin typeface="Calibri" panose="020F0502020204030204" pitchFamily="34" charset="0"/>
+                        <a:ea typeface="Calibri"/>
+                        <a:cs typeface="Calibri" panose="020F0502020204030204" pitchFamily="34" charset="0"/>
                         <a:sym typeface="Calibri"/>
                       </a:endParaRPr>
                     </a:p>
                   </a:txBody>
                   <a:tcPr marL="91450" marR="91450" marT="45725" marB="45725">
-                    <a:lnL w="12700" cap="flat" cmpd="sng">
+                    <a:lnL w="12700" cap="flat" cmpd="sng" algn="ctr">
                       <a:solidFill>
                         <a:schemeClr val="lt1"/>
                       </a:solidFill>
@@ -17896,7 +21744,7 @@
                       <a:headEnd type="none" w="sm" len="sm"/>
                       <a:tailEnd type="none" w="sm" len="sm"/>
                     </a:lnL>
-                    <a:lnR w="12700" cap="flat" cmpd="sng">
+                    <a:lnR w="12700" cap="flat" cmpd="sng" algn="ctr">
                       <a:solidFill>
                         <a:schemeClr val="lt1"/>
                       </a:solidFill>
@@ -17905,7 +21753,7 @@
                       <a:headEnd type="none" w="sm" len="sm"/>
                       <a:tailEnd type="none" w="sm" len="sm"/>
                     </a:lnR>
-                    <a:lnT w="38100" cap="flat" cmpd="sng">
+                    <a:lnT w="38100" cap="flat" cmpd="sng" algn="ctr">
                       <a:solidFill>
                         <a:schemeClr val="lt1"/>
                       </a:solidFill>
@@ -17940,21 +21788,34 @@
                         <a:spcAft>
                           <a:spcPts val="0"/>
                         </a:spcAft>
+                        <a:buFont typeface="Arial" panose="020B0604020202020204" pitchFamily="34" charset="0"/>
                         <a:buNone/>
                       </a:pPr>
-                      <a:endParaRPr sz="1800">
+                      <a:r>
+                        <a:rPr lang="en-IN" sz="1400" dirty="0" smtClean="0">
+                          <a:solidFill>
+                            <a:schemeClr val="dk1"/>
+                          </a:solidFill>
+                          <a:latin typeface="Calibri" panose="020F0502020204030204" pitchFamily="34" charset="0"/>
+                          <a:ea typeface="Calibri"/>
+                          <a:cs typeface="Calibri" panose="020F0502020204030204" pitchFamily="34" charset="0"/>
+                          <a:sym typeface="Calibri"/>
+                        </a:rPr>
+                        <a:t>Q2</a:t>
+                      </a:r>
+                      <a:endParaRPr sz="1400" dirty="0">
                         <a:solidFill>
                           <a:schemeClr val="dk1"/>
                         </a:solidFill>
-                        <a:latin typeface="Calibri"/>
+                        <a:latin typeface="Calibri" panose="020F0502020204030204" pitchFamily="34" charset="0"/>
                         <a:ea typeface="Calibri"/>
-                        <a:cs typeface="Calibri"/>
+                        <a:cs typeface="Calibri" panose="020F0502020204030204" pitchFamily="34" charset="0"/>
                         <a:sym typeface="Calibri"/>
                       </a:endParaRPr>
                     </a:p>
                   </a:txBody>
                   <a:tcPr marL="91450" marR="91450" marT="45725" marB="45725">
-                    <a:lnL w="12700" cap="flat" cmpd="sng">
+                    <a:lnL w="12700" cap="flat" cmpd="sng" algn="ctr">
                       <a:solidFill>
                         <a:schemeClr val="lt1"/>
                       </a:solidFill>
@@ -17972,7 +21833,7 @@
                       <a:headEnd type="none" w="sm" len="sm"/>
                       <a:tailEnd type="none" w="sm" len="sm"/>
                     </a:lnR>
-                    <a:lnT w="38100" cap="flat" cmpd="sng">
+                    <a:lnT w="38100" cap="flat" cmpd="sng" algn="ctr">
                       <a:solidFill>
                         <a:schemeClr val="lt1"/>
                       </a:solidFill>
@@ -17997,7 +21858,7 @@
                 </a:tc>
                 <a:extLst>
                   <a:ext uri="{0D108BD9-81ED-4DB2-BD59-A6C34878D82A}">
-                    <a16:rowId xmlns:a16="http://schemas.microsoft.com/office/drawing/2014/main" val="10001"/>
+                    <a16:rowId xmlns:a16="http://schemas.microsoft.com/office/drawing/2014/main" val="3284878497"/>
                   </a:ext>
                 </a:extLst>
               </a:tr>
@@ -18005,189 +21866,27 @@
           </a:graphicData>
         </a:graphic>
       </p:graphicFrame>
-      <p:sp>
-        <p:nvSpPr>
-          <p:cNvPr id="141" name="Google Shape;141;p18"/>
-          <p:cNvSpPr txBox="1"/>
-          <p:nvPr/>
-        </p:nvSpPr>
-        <p:spPr>
-          <a:xfrm>
-            <a:off x="457200" y="6356350"/>
-            <a:ext cx="2133600" cy="365100"/>
-          </a:xfrm>
-          <a:prstGeom prst="rect">
-            <a:avLst/>
-          </a:prstGeom>
-          <a:noFill/>
-          <a:ln>
-            <a:noFill/>
-          </a:ln>
-        </p:spPr>
-        <p:txBody>
-          <a:bodyPr spcFirstLastPara="1" wrap="square" lIns="91425" tIns="45700" rIns="91425" bIns="45700" anchor="ctr" anchorCtr="0">
-            <a:noAutofit/>
-          </a:bodyPr>
-          <a:lstStyle/>
-          <a:p>
-            <a:pPr marL="0" marR="0" lvl="0" indent="0" algn="l" rtl="0">
-              <a:lnSpc>
-                <a:spcPct val="100000"/>
-              </a:lnSpc>
-              <a:spcBef>
-                <a:spcPts val="0"/>
-              </a:spcBef>
-              <a:spcAft>
-                <a:spcPts val="0"/>
-              </a:spcAft>
-              <a:buClr>
-                <a:srgbClr val="898989"/>
-              </a:buClr>
-              <a:buSzPts val="1200"/>
-              <a:buFont typeface="Calibri"/>
-              <a:buNone/>
-            </a:pPr>
-            <a:r>
-              <a:rPr lang="en-US" sz="1200" b="0" i="0" u="none">
-                <a:solidFill>
-                  <a:srgbClr val="898989"/>
-                </a:solidFill>
-                <a:latin typeface="Calibri"/>
-                <a:ea typeface="Calibri"/>
-                <a:cs typeface="Calibri"/>
-                <a:sym typeface="Calibri"/>
-              </a:rPr>
-              <a:t>*</a:t>
-            </a:r>
-            <a:endParaRPr/>
-          </a:p>
-        </p:txBody>
-      </p:sp>
-      <p:sp>
-        <p:nvSpPr>
-          <p:cNvPr id="142" name="Google Shape;142;p18"/>
-          <p:cNvSpPr txBox="1"/>
-          <p:nvPr/>
-        </p:nvSpPr>
-        <p:spPr>
-          <a:xfrm>
-            <a:off x="3124200" y="6356350"/>
-            <a:ext cx="2895600" cy="365100"/>
-          </a:xfrm>
-          <a:prstGeom prst="rect">
-            <a:avLst/>
-          </a:prstGeom>
-          <a:noFill/>
-          <a:ln>
-            <a:noFill/>
-          </a:ln>
-        </p:spPr>
-        <p:txBody>
-          <a:bodyPr spcFirstLastPara="1" wrap="square" lIns="91425" tIns="45700" rIns="91425" bIns="45700" anchor="ctr" anchorCtr="0">
-            <a:noAutofit/>
-          </a:bodyPr>
-          <a:lstStyle/>
-          <a:p>
-            <a:pPr marL="0" marR="0" lvl="0" indent="0" algn="ctr" rtl="0">
-              <a:lnSpc>
-                <a:spcPct val="100000"/>
-              </a:lnSpc>
-              <a:spcBef>
-                <a:spcPts val="0"/>
-              </a:spcBef>
-              <a:spcAft>
-                <a:spcPts val="0"/>
-              </a:spcAft>
-              <a:buClr>
-                <a:srgbClr val="898989"/>
-              </a:buClr>
-              <a:buSzPts val="1200"/>
-              <a:buFont typeface="Calibri"/>
-              <a:buNone/>
-            </a:pPr>
-            <a:r>
-              <a:rPr lang="en-US" sz="1200" b="0" i="0" u="none">
-                <a:solidFill>
-                  <a:srgbClr val="898989"/>
-                </a:solidFill>
-                <a:latin typeface="Calibri"/>
-                <a:ea typeface="Calibri"/>
-                <a:cs typeface="Calibri"/>
-                <a:sym typeface="Calibri"/>
-              </a:rPr>
-              <a:t>Department of  Computer Science and Business Systems</a:t>
-            </a:r>
-            <a:endParaRPr/>
-          </a:p>
-        </p:txBody>
-      </p:sp>
-      <p:sp>
-        <p:nvSpPr>
-          <p:cNvPr id="143" name="Google Shape;143;p18"/>
-          <p:cNvSpPr txBox="1"/>
-          <p:nvPr/>
-        </p:nvSpPr>
-        <p:spPr>
-          <a:xfrm>
-            <a:off x="6553200" y="6356350"/>
-            <a:ext cx="2133600" cy="365100"/>
-          </a:xfrm>
-          <a:prstGeom prst="rect">
-            <a:avLst/>
-          </a:prstGeom>
-          <a:noFill/>
-          <a:ln>
-            <a:noFill/>
-          </a:ln>
-        </p:spPr>
-        <p:txBody>
-          <a:bodyPr spcFirstLastPara="1" wrap="square" lIns="91425" tIns="45700" rIns="91425" bIns="45700" anchor="ctr" anchorCtr="0">
-            <a:noAutofit/>
-          </a:bodyPr>
-          <a:lstStyle/>
-          <a:p>
-            <a:pPr marL="0" marR="0" lvl="0" indent="0" algn="r" rtl="0">
-              <a:lnSpc>
-                <a:spcPct val="100000"/>
-              </a:lnSpc>
-              <a:spcBef>
-                <a:spcPts val="0"/>
-              </a:spcBef>
-              <a:spcAft>
-                <a:spcPts val="0"/>
-              </a:spcAft>
-              <a:buClr>
-                <a:srgbClr val="898989"/>
-              </a:buClr>
-              <a:buSzPts val="1200"/>
-              <a:buFont typeface="Calibri"/>
-              <a:buNone/>
-            </a:pPr>
-            <a:fld id="{00000000-1234-1234-1234-123412341234}" type="slidenum">
-              <a:rPr lang="en-US" sz="1200" b="0" i="0" u="none">
-                <a:solidFill>
-                  <a:srgbClr val="898989"/>
-                </a:solidFill>
-                <a:latin typeface="Calibri"/>
-                <a:ea typeface="Calibri"/>
-                <a:cs typeface="Calibri"/>
-                <a:sym typeface="Calibri"/>
-              </a:rPr>
-              <a:t>6</a:t>
-            </a:fld>
-            <a:endParaRPr/>
-          </a:p>
-        </p:txBody>
-      </p:sp>
     </p:spTree>
+    <p:extLst>
+      <p:ext uri="{BB962C8B-B14F-4D97-AF65-F5344CB8AC3E}">
+        <p14:creationId xmlns:p14="http://schemas.microsoft.com/office/powerpoint/2010/main" val="894331580"/>
+      </p:ext>
+    </p:extLst>
   </p:cSld>
   <p:clrMapOvr>
     <a:masterClrMapping/>
   </p:clrMapOvr>
+  <p:timing>
+    <p:tnLst>
+      <p:par>
+        <p:cTn id="1" dur="indefinite" restart="never" nodeType="tmRoot"/>
+      </p:par>
+    </p:tnLst>
+  </p:timing>
 </p:sld>
 </file>
 
-<file path=ppt/slides/slide7.xml><?xml version="1.0" encoding="utf-8"?>
+<file path=ppt/slides/slide9.xml><?xml version="1.0" encoding="utf-8"?>
 <p:sld xmlns:a="http://schemas.openxmlformats.org/drawingml/2006/main" xmlns:r="http://schemas.openxmlformats.org/officeDocument/2006/relationships" xmlns:p="http://schemas.openxmlformats.org/presentationml/2006/main">
   <p:cSld>
     <p:spTree>
@@ -18278,8 +21977,8 @@
         </p:nvSpPr>
         <p:spPr>
           <a:xfrm>
-            <a:off x="457200" y="1600200"/>
-            <a:ext cx="8229600" cy="4526100"/>
+            <a:off x="0" y="1600200"/>
+            <a:ext cx="9144000" cy="4526100"/>
           </a:xfrm>
           <a:prstGeom prst="rect">
             <a:avLst/>
@@ -18295,7 +21994,7 @@
           </a:bodyPr>
           <a:lstStyle/>
           <a:p>
-            <a:pPr marL="342900" marR="0" lvl="0" indent="-139700" algn="l" rtl="0">
+            <a:pPr marL="660400" marR="0" lvl="0" indent="-457200" algn="l" rtl="0">
               <a:spcBef>
                 <a:spcPts val="0"/>
               </a:spcBef>
@@ -18306,10 +22005,37 @@
                 <a:schemeClr val="dk1"/>
               </a:buClr>
               <a:buSzPts val="3200"/>
-              <a:buFont typeface="Arial"/>
-              <a:buNone/>
+              <a:buFont typeface="Arial" panose="020B0604020202020204" pitchFamily="34" charset="0"/>
+              <a:buChar char="•"/>
             </a:pPr>
-            <a:endParaRPr sz="3200">
+            <a:r>
+              <a:rPr lang="en-IN" sz="3200" dirty="0" smtClean="0">
+                <a:solidFill>
+                  <a:schemeClr val="dk1"/>
+                </a:solidFill>
+                <a:latin typeface="Calibri"/>
+                <a:ea typeface="Calibri"/>
+                <a:cs typeface="Calibri"/>
+                <a:sym typeface="Calibri"/>
+              </a:rPr>
+              <a:t>Object detection model – Yolov5</a:t>
+            </a:r>
+          </a:p>
+          <a:p>
+            <a:pPr marL="203200" marR="0" lvl="0" indent="0" algn="l" rtl="0">
+              <a:spcBef>
+                <a:spcPts val="0"/>
+              </a:spcBef>
+              <a:spcAft>
+                <a:spcPts val="0"/>
+              </a:spcAft>
+              <a:buClr>
+                <a:schemeClr val="dk1"/>
+              </a:buClr>
+              <a:buSzPts val="3200"/>
+              <a:buNone/>
+            </a:pPr>
+            <a:endParaRPr lang="en-IN" sz="3200" dirty="0" smtClean="0">
               <a:solidFill>
                 <a:schemeClr val="dk1"/>
               </a:solidFill>
@@ -18318,6 +22044,193 @@
               <a:cs typeface="Calibri"/>
               <a:sym typeface="Calibri"/>
             </a:endParaRPr>
+          </a:p>
+          <a:p>
+            <a:pPr marL="660400" marR="0" lvl="0" indent="-457200" algn="l" rtl="0">
+              <a:spcBef>
+                <a:spcPts val="0"/>
+              </a:spcBef>
+              <a:spcAft>
+                <a:spcPts val="0"/>
+              </a:spcAft>
+              <a:buClr>
+                <a:schemeClr val="dk1"/>
+              </a:buClr>
+              <a:buSzPts val="3200"/>
+              <a:buFont typeface="Arial" panose="020B0604020202020204" pitchFamily="34" charset="0"/>
+              <a:buChar char="•"/>
+            </a:pPr>
+            <a:r>
+              <a:rPr lang="en-IN" sz="3200" dirty="0" smtClean="0">
+                <a:solidFill>
+                  <a:schemeClr val="dk1"/>
+                </a:solidFill>
+                <a:latin typeface="Calibri"/>
+                <a:ea typeface="Calibri"/>
+                <a:cs typeface="Calibri"/>
+                <a:sym typeface="Calibri"/>
+              </a:rPr>
+              <a:t>Computer Vision and Image Processing – </a:t>
+            </a:r>
+            <a:r>
+              <a:rPr lang="en-IN" sz="3200" dirty="0" err="1" smtClean="0">
+                <a:solidFill>
+                  <a:schemeClr val="dk1"/>
+                </a:solidFill>
+                <a:latin typeface="Calibri"/>
+                <a:ea typeface="Calibri"/>
+                <a:cs typeface="Calibri"/>
+                <a:sym typeface="Calibri"/>
+              </a:rPr>
+              <a:t>Opencv</a:t>
+            </a:r>
+            <a:r>
+              <a:rPr lang="en-IN" sz="3200" dirty="0" smtClean="0">
+                <a:solidFill>
+                  <a:schemeClr val="dk1"/>
+                </a:solidFill>
+                <a:latin typeface="Calibri"/>
+                <a:ea typeface="Calibri"/>
+                <a:cs typeface="Calibri"/>
+                <a:sym typeface="Calibri"/>
+              </a:rPr>
+              <a:t> module</a:t>
+            </a:r>
+          </a:p>
+          <a:p>
+            <a:pPr marL="203200" marR="0" lvl="0" indent="0" algn="l" rtl="0">
+              <a:spcBef>
+                <a:spcPts val="0"/>
+              </a:spcBef>
+              <a:spcAft>
+                <a:spcPts val="0"/>
+              </a:spcAft>
+              <a:buClr>
+                <a:schemeClr val="dk1"/>
+              </a:buClr>
+              <a:buSzPts val="3200"/>
+              <a:buNone/>
+            </a:pPr>
+            <a:endParaRPr lang="en-IN" sz="3200" dirty="0" smtClean="0">
+              <a:solidFill>
+                <a:schemeClr val="dk1"/>
+              </a:solidFill>
+              <a:latin typeface="Calibri"/>
+              <a:ea typeface="Calibri"/>
+              <a:cs typeface="Calibri"/>
+              <a:sym typeface="Calibri"/>
+            </a:endParaRPr>
+          </a:p>
+          <a:p>
+            <a:pPr marL="660400" marR="0" lvl="0" indent="-457200" algn="l" rtl="0">
+              <a:spcBef>
+                <a:spcPts val="0"/>
+              </a:spcBef>
+              <a:spcAft>
+                <a:spcPts val="0"/>
+              </a:spcAft>
+              <a:buClr>
+                <a:schemeClr val="dk1"/>
+              </a:buClr>
+              <a:buSzPts val="3200"/>
+              <a:buFont typeface="Arial" panose="020B0604020202020204" pitchFamily="34" charset="0"/>
+              <a:buChar char="•"/>
+            </a:pPr>
+            <a:r>
+              <a:rPr lang="en-IN" sz="3200" dirty="0" smtClean="0">
+                <a:solidFill>
+                  <a:schemeClr val="dk1"/>
+                </a:solidFill>
+                <a:latin typeface="Calibri"/>
+                <a:ea typeface="Calibri"/>
+                <a:cs typeface="Calibri"/>
+                <a:sym typeface="Calibri"/>
+              </a:rPr>
+              <a:t>Dataset – Brackish water dataset (v4)</a:t>
+            </a:r>
+          </a:p>
+          <a:p>
+            <a:pPr marL="1117600" lvl="1" indent="-457200">
+              <a:spcBef>
+                <a:spcPts val="0"/>
+              </a:spcBef>
+              <a:buSzPts val="3200"/>
+              <a:buFont typeface="Arial" panose="020B0604020202020204" pitchFamily="34" charset="0"/>
+              <a:buChar char="•"/>
+            </a:pPr>
+            <a:r>
+              <a:rPr lang="en-IN" sz="2400" dirty="0" smtClean="0"/>
+              <a:t>Publicly available</a:t>
+            </a:r>
+          </a:p>
+          <a:p>
+            <a:pPr marL="1117600" lvl="1" indent="-457200">
+              <a:spcBef>
+                <a:spcPts val="0"/>
+              </a:spcBef>
+              <a:buSzPts val="3200"/>
+              <a:buFont typeface="Arial" panose="020B0604020202020204" pitchFamily="34" charset="0"/>
+              <a:buChar char="•"/>
+            </a:pPr>
+            <a:r>
+              <a:rPr lang="en-IN" sz="2400" dirty="0" smtClean="0"/>
+              <a:t>6 classes – fish, </a:t>
+            </a:r>
+            <a:r>
+              <a:rPr lang="en-IN" sz="2400" dirty="0" err="1" smtClean="0"/>
+              <a:t>small_fish</a:t>
+            </a:r>
+            <a:r>
+              <a:rPr lang="en-IN" sz="2400" dirty="0" smtClean="0"/>
+              <a:t>, crab, shrimp, jellyfish, and starfish</a:t>
+            </a:r>
+          </a:p>
+          <a:p>
+            <a:pPr marL="1117600" lvl="1" indent="-457200">
+              <a:spcBef>
+                <a:spcPts val="0"/>
+              </a:spcBef>
+              <a:buSzPts val="3200"/>
+              <a:buFont typeface="Arial" panose="020B0604020202020204" pitchFamily="34" charset="0"/>
+              <a:buChar char="•"/>
+            </a:pPr>
+            <a:r>
+              <a:rPr lang="en-IN" sz="2400" dirty="0" smtClean="0"/>
+              <a:t>Link: </a:t>
+            </a:r>
+            <a:r>
+              <a:rPr lang="en-IN" sz="2400" dirty="0" smtClean="0">
+                <a:hlinkClick r:id="rId3"/>
+              </a:rPr>
+              <a:t>https</a:t>
+            </a:r>
+            <a:r>
+              <a:rPr lang="en-IN" sz="2400" dirty="0">
+                <a:hlinkClick r:id="rId3"/>
+              </a:rPr>
+              <a:t>://www.kaggle.com/aalborguniversity/brackish-dataset</a:t>
+            </a:r>
+            <a:endParaRPr lang="en-IN" sz="2400" dirty="0" smtClean="0"/>
+          </a:p>
+          <a:p>
+            <a:pPr marL="660400" lvl="1" indent="0">
+              <a:spcBef>
+                <a:spcPts val="0"/>
+              </a:spcBef>
+              <a:buSzPts val="3200"/>
+              <a:buNone/>
+            </a:pPr>
+            <a:endParaRPr lang="en-IN" dirty="0" smtClean="0"/>
+          </a:p>
+          <a:p>
+            <a:pPr marL="660400" lvl="1" indent="0">
+              <a:spcBef>
+                <a:spcPts val="0"/>
+              </a:spcBef>
+              <a:buSzPts val="3200"/>
+              <a:buNone/>
+            </a:pPr>
+            <a:endParaRPr lang="en-IN" dirty="0"/>
           </a:p>
         </p:txBody>
       </p:sp>
@@ -18489,7 +22402,7 @@
                 <a:cs typeface="Calibri"/>
                 <a:sym typeface="Calibri"/>
               </a:rPr>
-              <a:t>7</a:t>
+              <a:t>9</a:t>
             </a:fld>
             <a:endParaRPr/>
           </a:p>
@@ -18500,317 +22413,13 @@
   <p:clrMapOvr>
     <a:masterClrMapping/>
   </p:clrMapOvr>
-</p:sld>
-</file>
-
-<file path=ppt/slides/slide8.xml><?xml version="1.0" encoding="utf-8"?>
-<p:sld xmlns:a="http://schemas.openxmlformats.org/drawingml/2006/main" xmlns:r="http://schemas.openxmlformats.org/officeDocument/2006/relationships" xmlns:p="http://schemas.openxmlformats.org/presentationml/2006/main">
-  <p:cSld>
-    <p:spTree>
-      <p:nvGrpSpPr>
-        <p:cNvPr id="1" name="Shape 156"/>
-        <p:cNvGrpSpPr/>
-        <p:nvPr/>
-      </p:nvGrpSpPr>
-      <p:grpSpPr>
-        <a:xfrm>
-          <a:off x="0" y="0"/>
-          <a:ext cx="0" cy="0"/>
-          <a:chOff x="0" y="0"/>
-          <a:chExt cx="0" cy="0"/>
-        </a:xfrm>
-      </p:grpSpPr>
-      <p:sp>
-        <p:nvSpPr>
-          <p:cNvPr id="157" name="Google Shape;157;p20"/>
-          <p:cNvSpPr txBox="1">
-            <a:spLocks noGrp="1"/>
-          </p:cNvSpPr>
-          <p:nvPr>
-            <p:ph type="title"/>
-          </p:nvPr>
-        </p:nvSpPr>
-        <p:spPr>
-          <a:xfrm>
-            <a:off x="457200" y="274637"/>
-            <a:ext cx="8229600" cy="1143000"/>
-          </a:xfrm>
-          <a:prstGeom prst="rect">
-            <a:avLst/>
-          </a:prstGeom>
-          <a:noFill/>
-          <a:ln>
-            <a:noFill/>
-          </a:ln>
-        </p:spPr>
-        <p:txBody>
-          <a:bodyPr spcFirstLastPara="1" wrap="square" lIns="91425" tIns="45700" rIns="91425" bIns="45700" anchor="ctr" anchorCtr="0">
-            <a:noAutofit/>
-          </a:bodyPr>
-          <a:lstStyle/>
-          <a:p>
-            <a:pPr marL="0" lvl="0" indent="0" algn="ctr" rtl="0">
-              <a:spcBef>
-                <a:spcPts val="0"/>
-              </a:spcBef>
-              <a:spcAft>
-                <a:spcPts val="0"/>
-              </a:spcAft>
-              <a:buNone/>
-            </a:pPr>
-            <a:endParaRPr sz="4400">
-              <a:solidFill>
-                <a:schemeClr val="dk1"/>
-              </a:solidFill>
-              <a:latin typeface="Calibri"/>
-              <a:ea typeface="Calibri"/>
-              <a:cs typeface="Calibri"/>
-              <a:sym typeface="Calibri"/>
-            </a:endParaRPr>
-          </a:p>
-        </p:txBody>
-      </p:sp>
-      <p:sp>
-        <p:nvSpPr>
-          <p:cNvPr id="158" name="Google Shape;158;p20"/>
-          <p:cNvSpPr txBox="1">
-            <a:spLocks noGrp="1"/>
-          </p:cNvSpPr>
-          <p:nvPr>
-            <p:ph type="body" idx="1"/>
-          </p:nvPr>
-        </p:nvSpPr>
-        <p:spPr>
-          <a:xfrm>
-            <a:off x="457200" y="1600200"/>
-            <a:ext cx="8229600" cy="4526100"/>
-          </a:xfrm>
-          <a:prstGeom prst="rect">
-            <a:avLst/>
-          </a:prstGeom>
-          <a:noFill/>
-          <a:ln>
-            <a:noFill/>
-          </a:ln>
-        </p:spPr>
-        <p:txBody>
-          <a:bodyPr spcFirstLastPara="1" wrap="square" lIns="91425" tIns="45700" rIns="91425" bIns="45700" anchor="t" anchorCtr="0">
-            <a:noAutofit/>
-          </a:bodyPr>
-          <a:lstStyle/>
-          <a:p>
-            <a:pPr marL="342900" marR="0" lvl="0" indent="-342900" algn="l" rtl="0">
-              <a:lnSpc>
-                <a:spcPct val="100000"/>
-              </a:lnSpc>
-              <a:spcBef>
-                <a:spcPts val="0"/>
-              </a:spcBef>
-              <a:spcAft>
-                <a:spcPts val="0"/>
-              </a:spcAft>
-              <a:buClr>
-                <a:schemeClr val="dk1"/>
-              </a:buClr>
-              <a:buSzPts val="3200"/>
-              <a:buFont typeface="Arial"/>
-              <a:buChar char="•"/>
-            </a:pPr>
-            <a:r>
-              <a:rPr lang="en-US" sz="3200" b="0" i="0" u="none">
-                <a:solidFill>
-                  <a:schemeClr val="dk1"/>
-                </a:solidFill>
-                <a:latin typeface="Calibri"/>
-                <a:ea typeface="Calibri"/>
-                <a:cs typeface="Calibri"/>
-                <a:sym typeface="Calibri"/>
-              </a:rPr>
-              <a:t>Block Diagram representation of the proposed work with clear input, processing, output</a:t>
-            </a:r>
-            <a:endParaRPr/>
-          </a:p>
-        </p:txBody>
-      </p:sp>
-      <p:sp>
-        <p:nvSpPr>
-          <p:cNvPr id="159" name="Google Shape;159;p20"/>
-          <p:cNvSpPr txBox="1"/>
-          <p:nvPr/>
-        </p:nvSpPr>
-        <p:spPr>
-          <a:xfrm>
-            <a:off x="457200" y="6356350"/>
-            <a:ext cx="2133600" cy="365100"/>
-          </a:xfrm>
-          <a:prstGeom prst="rect">
-            <a:avLst/>
-          </a:prstGeom>
-          <a:noFill/>
-          <a:ln>
-            <a:noFill/>
-          </a:ln>
-        </p:spPr>
-        <p:txBody>
-          <a:bodyPr spcFirstLastPara="1" wrap="square" lIns="91425" tIns="45700" rIns="91425" bIns="45700" anchor="ctr" anchorCtr="0">
-            <a:noAutofit/>
-          </a:bodyPr>
-          <a:lstStyle/>
-          <a:p>
-            <a:pPr marL="0" marR="0" lvl="0" indent="0" algn="l" rtl="0">
-              <a:lnSpc>
-                <a:spcPct val="100000"/>
-              </a:lnSpc>
-              <a:spcBef>
-                <a:spcPts val="0"/>
-              </a:spcBef>
-              <a:spcAft>
-                <a:spcPts val="0"/>
-              </a:spcAft>
-              <a:buClr>
-                <a:srgbClr val="898989"/>
-              </a:buClr>
-              <a:buSzPts val="1200"/>
-              <a:buFont typeface="Calibri"/>
-              <a:buNone/>
-            </a:pPr>
-            <a:r>
-              <a:rPr lang="en-US" sz="1200" b="0" i="0" u="none">
-                <a:solidFill>
-                  <a:srgbClr val="898989"/>
-                </a:solidFill>
-                <a:latin typeface="Calibri"/>
-                <a:ea typeface="Calibri"/>
-                <a:cs typeface="Calibri"/>
-                <a:sym typeface="Calibri"/>
-              </a:rPr>
-              <a:t>*</a:t>
-            </a:r>
-            <a:endParaRPr/>
-          </a:p>
-        </p:txBody>
-      </p:sp>
-      <p:sp>
-        <p:nvSpPr>
-          <p:cNvPr id="160" name="Google Shape;160;p20"/>
-          <p:cNvSpPr txBox="1"/>
-          <p:nvPr/>
-        </p:nvSpPr>
-        <p:spPr>
-          <a:xfrm>
-            <a:off x="3124200" y="6356350"/>
-            <a:ext cx="2895600" cy="365100"/>
-          </a:xfrm>
-          <a:prstGeom prst="rect">
-            <a:avLst/>
-          </a:prstGeom>
-          <a:noFill/>
-          <a:ln>
-            <a:noFill/>
-          </a:ln>
-        </p:spPr>
-        <p:txBody>
-          <a:bodyPr spcFirstLastPara="1" wrap="square" lIns="91425" tIns="45700" rIns="91425" bIns="45700" anchor="ctr" anchorCtr="0">
-            <a:noAutofit/>
-          </a:bodyPr>
-          <a:lstStyle/>
-          <a:p>
-            <a:pPr marL="0" marR="0" lvl="0" indent="0" algn="ctr" rtl="0">
-              <a:lnSpc>
-                <a:spcPct val="100000"/>
-              </a:lnSpc>
-              <a:spcBef>
-                <a:spcPts val="0"/>
-              </a:spcBef>
-              <a:spcAft>
-                <a:spcPts val="0"/>
-              </a:spcAft>
-              <a:buClr>
-                <a:srgbClr val="898989"/>
-              </a:buClr>
-              <a:buSzPts val="1200"/>
-              <a:buFont typeface="Calibri"/>
-              <a:buNone/>
-            </a:pPr>
-            <a:r>
-              <a:rPr lang="en-US" sz="1200" b="0" i="0" u="none">
-                <a:solidFill>
-                  <a:srgbClr val="898989"/>
-                </a:solidFill>
-                <a:latin typeface="Calibri"/>
-                <a:ea typeface="Calibri"/>
-                <a:cs typeface="Calibri"/>
-                <a:sym typeface="Calibri"/>
-              </a:rPr>
-              <a:t>Department of  Computer Science and Business Systems</a:t>
-            </a:r>
-            <a:endParaRPr/>
-          </a:p>
-        </p:txBody>
-      </p:sp>
-      <p:sp>
-        <p:nvSpPr>
-          <p:cNvPr id="161" name="Google Shape;161;p20"/>
-          <p:cNvSpPr txBox="1"/>
-          <p:nvPr/>
-        </p:nvSpPr>
-        <p:spPr>
-          <a:xfrm>
-            <a:off x="6553200" y="6356350"/>
-            <a:ext cx="2133600" cy="365100"/>
-          </a:xfrm>
-          <a:prstGeom prst="rect">
-            <a:avLst/>
-          </a:prstGeom>
-          <a:noFill/>
-          <a:ln>
-            <a:noFill/>
-          </a:ln>
-        </p:spPr>
-        <p:txBody>
-          <a:bodyPr spcFirstLastPara="1" wrap="square" lIns="91425" tIns="45700" rIns="91425" bIns="45700" anchor="ctr" anchorCtr="0">
-            <a:noAutofit/>
-          </a:bodyPr>
-          <a:lstStyle/>
-          <a:p>
-            <a:pPr marL="0" marR="0" lvl="0" indent="0" algn="r" rtl="0">
-              <a:lnSpc>
-                <a:spcPct val="100000"/>
-              </a:lnSpc>
-              <a:spcBef>
-                <a:spcPts val="0"/>
-              </a:spcBef>
-              <a:spcAft>
-                <a:spcPts val="0"/>
-              </a:spcAft>
-              <a:buClr>
-                <a:srgbClr val="898989"/>
-              </a:buClr>
-              <a:buSzPts val="1200"/>
-              <a:buFont typeface="Calibri"/>
-              <a:buNone/>
-            </a:pPr>
-            <a:fld id="{00000000-1234-1234-1234-123412341234}" type="slidenum">
-              <a:rPr lang="en-US" sz="1200" b="0" i="0" u="none">
-                <a:solidFill>
-                  <a:srgbClr val="898989"/>
-                </a:solidFill>
-                <a:latin typeface="Calibri"/>
-                <a:ea typeface="Calibri"/>
-                <a:cs typeface="Calibri"/>
-                <a:sym typeface="Calibri"/>
-              </a:rPr>
-              <a:t>8</a:t>
-            </a:fld>
-            <a:endParaRPr/>
-          </a:p>
-        </p:txBody>
-      </p:sp>
-    </p:spTree>
-  </p:cSld>
-  <p:clrMapOvr>
-    <a:masterClrMapping/>
-  </p:clrMapOvr>
+  <p:timing>
+    <p:tnLst>
+      <p:par>
+        <p:cTn id="1" dur="indefinite" restart="never" nodeType="tmRoot"/>
+      </p:par>
+    </p:tnLst>
+  </p:timing>
 </p:sld>
 </file>
 
